--- a/CV_Misetra_Rakotonarivo_FR.pptx
+++ b/CV_Misetra_Rakotonarivo_FR.pptx
@@ -162,10 +162,9 @@
           <a:lstStyle/>
           <a:p>
             <a:r>
-              <a:rPr lang="en-US" smtClean="0"/>
+              <a:rPr lang="en-US"/>
               <a:t>Click to edit Master title style</a:t>
             </a:r>
-            <a:endParaRPr lang="en-US"/>
           </a:p>
         </p:txBody>
       </p:sp>
@@ -281,10 +280,9 @@
           </a:lstStyle>
           <a:p>
             <a:r>
-              <a:rPr lang="en-US" smtClean="0"/>
+              <a:rPr lang="en-US"/>
               <a:t>Click to edit Master subtitle style</a:t>
             </a:r>
-            <a:endParaRPr lang="en-US"/>
           </a:p>
         </p:txBody>
       </p:sp>
@@ -305,9 +303,9 @@
           <a:p>
             <a:fld id="{1D8BD707-D9CF-40AE-B4C6-C98DA3205C09}" type="datetimeFigureOut">
               <a:rPr lang="en-US" smtClean="0"/>
-              <a:t>11/8/2021</a:t>
+              <a:t>4/13/2023</a:t>
             </a:fld>
-            <a:endParaRPr lang="en-US" smtClean="0"/>
+            <a:endParaRPr lang="en-US"/>
           </a:p>
         </p:txBody>
       </p:sp>
@@ -399,10 +397,9 @@
           <a:lstStyle/>
           <a:p>
             <a:r>
-              <a:rPr lang="en-US" smtClean="0"/>
+              <a:rPr lang="en-US"/>
               <a:t>Click to edit Master title style</a:t>
             </a:r>
-            <a:endParaRPr lang="en-US"/>
           </a:p>
         </p:txBody>
       </p:sp>
@@ -423,38 +420,37 @@
           <a:p>
             <a:pPr lvl="0"/>
             <a:r>
-              <a:rPr lang="en-US" smtClean="0"/>
+              <a:rPr lang="en-US"/>
               <a:t>Click to edit Master text styles</a:t>
             </a:r>
           </a:p>
           <a:p>
             <a:pPr lvl="1"/>
             <a:r>
-              <a:rPr lang="en-US" smtClean="0"/>
+              <a:rPr lang="en-US"/>
               <a:t>Second level</a:t>
             </a:r>
           </a:p>
           <a:p>
             <a:pPr lvl="2"/>
             <a:r>
-              <a:rPr lang="en-US" smtClean="0"/>
+              <a:rPr lang="en-US"/>
               <a:t>Third level</a:t>
             </a:r>
           </a:p>
           <a:p>
             <a:pPr lvl="3"/>
             <a:r>
-              <a:rPr lang="en-US" smtClean="0"/>
+              <a:rPr lang="en-US"/>
               <a:t>Fourth level</a:t>
             </a:r>
           </a:p>
           <a:p>
             <a:pPr lvl="4"/>
             <a:r>
-              <a:rPr lang="en-US" smtClean="0"/>
+              <a:rPr lang="en-US"/>
               <a:t>Fifth level</a:t>
             </a:r>
-            <a:endParaRPr lang="en-US"/>
           </a:p>
         </p:txBody>
       </p:sp>
@@ -475,9 +471,9 @@
           <a:p>
             <a:fld id="{1D8BD707-D9CF-40AE-B4C6-C98DA3205C09}" type="datetimeFigureOut">
               <a:rPr lang="en-US" smtClean="0"/>
-              <a:t>11/8/2021</a:t>
+              <a:t>4/13/2023</a:t>
             </a:fld>
-            <a:endParaRPr lang="en-US" smtClean="0"/>
+            <a:endParaRPr lang="en-US"/>
           </a:p>
         </p:txBody>
       </p:sp>
@@ -574,10 +570,9 @@
           <a:lstStyle/>
           <a:p>
             <a:r>
-              <a:rPr lang="en-US" smtClean="0"/>
+              <a:rPr lang="en-US"/>
               <a:t>Click to edit Master title style</a:t>
             </a:r>
-            <a:endParaRPr lang="en-US"/>
           </a:p>
         </p:txBody>
       </p:sp>
@@ -603,38 +598,37 @@
           <a:p>
             <a:pPr lvl="0"/>
             <a:r>
-              <a:rPr lang="en-US" smtClean="0"/>
+              <a:rPr lang="en-US"/>
               <a:t>Click to edit Master text styles</a:t>
             </a:r>
           </a:p>
           <a:p>
             <a:pPr lvl="1"/>
             <a:r>
-              <a:rPr lang="en-US" smtClean="0"/>
+              <a:rPr lang="en-US"/>
               <a:t>Second level</a:t>
             </a:r>
           </a:p>
           <a:p>
             <a:pPr lvl="2"/>
             <a:r>
-              <a:rPr lang="en-US" smtClean="0"/>
+              <a:rPr lang="en-US"/>
               <a:t>Third level</a:t>
             </a:r>
           </a:p>
           <a:p>
             <a:pPr lvl="3"/>
             <a:r>
-              <a:rPr lang="en-US" smtClean="0"/>
+              <a:rPr lang="en-US"/>
               <a:t>Fourth level</a:t>
             </a:r>
           </a:p>
           <a:p>
             <a:pPr lvl="4"/>
             <a:r>
-              <a:rPr lang="en-US" smtClean="0"/>
+              <a:rPr lang="en-US"/>
               <a:t>Fifth level</a:t>
             </a:r>
-            <a:endParaRPr lang="en-US"/>
           </a:p>
         </p:txBody>
       </p:sp>
@@ -655,9 +649,9 @@
           <a:p>
             <a:fld id="{1D8BD707-D9CF-40AE-B4C6-C98DA3205C09}" type="datetimeFigureOut">
               <a:rPr lang="en-US" smtClean="0"/>
-              <a:t>11/8/2021</a:t>
+              <a:t>4/13/2023</a:t>
             </a:fld>
-            <a:endParaRPr lang="en-US" smtClean="0"/>
+            <a:endParaRPr lang="en-US"/>
           </a:p>
         </p:txBody>
       </p:sp>
@@ -749,10 +743,9 @@
           <a:lstStyle/>
           <a:p>
             <a:r>
-              <a:rPr lang="en-US" smtClean="0"/>
+              <a:rPr lang="en-US"/>
               <a:t>Click to edit Master title style</a:t>
             </a:r>
-            <a:endParaRPr lang="en-US"/>
           </a:p>
         </p:txBody>
       </p:sp>
@@ -773,38 +766,37 @@
           <a:p>
             <a:pPr lvl="0"/>
             <a:r>
-              <a:rPr lang="en-US" smtClean="0"/>
+              <a:rPr lang="en-US"/>
               <a:t>Click to edit Master text styles</a:t>
             </a:r>
           </a:p>
           <a:p>
             <a:pPr lvl="1"/>
             <a:r>
-              <a:rPr lang="en-US" smtClean="0"/>
+              <a:rPr lang="en-US"/>
               <a:t>Second level</a:t>
             </a:r>
           </a:p>
           <a:p>
             <a:pPr lvl="2"/>
             <a:r>
-              <a:rPr lang="en-US" smtClean="0"/>
+              <a:rPr lang="en-US"/>
               <a:t>Third level</a:t>
             </a:r>
           </a:p>
           <a:p>
             <a:pPr lvl="3"/>
             <a:r>
-              <a:rPr lang="en-US" smtClean="0"/>
+              <a:rPr lang="en-US"/>
               <a:t>Fourth level</a:t>
             </a:r>
           </a:p>
           <a:p>
             <a:pPr lvl="4"/>
             <a:r>
-              <a:rPr lang="en-US" smtClean="0"/>
+              <a:rPr lang="en-US"/>
               <a:t>Fifth level</a:t>
             </a:r>
-            <a:endParaRPr lang="en-US"/>
           </a:p>
         </p:txBody>
       </p:sp>
@@ -825,9 +817,9 @@
           <a:p>
             <a:fld id="{1D8BD707-D9CF-40AE-B4C6-C98DA3205C09}" type="datetimeFigureOut">
               <a:rPr lang="en-US" smtClean="0"/>
-              <a:t>11/8/2021</a:t>
+              <a:t>4/13/2023</a:t>
             </a:fld>
-            <a:endParaRPr lang="en-US" smtClean="0"/>
+            <a:endParaRPr lang="en-US"/>
           </a:p>
         </p:txBody>
       </p:sp>
@@ -928,10 +920,9 @@
           </a:lstStyle>
           <a:p>
             <a:r>
-              <a:rPr lang="en-US" smtClean="0"/>
+              <a:rPr lang="en-US"/>
               <a:t>Click to edit Master title style</a:t>
             </a:r>
-            <a:endParaRPr lang="en-US"/>
           </a:p>
         </p:txBody>
       </p:sp>
@@ -1048,7 +1039,7 @@
           <a:p>
             <a:pPr lvl="0"/>
             <a:r>
-              <a:rPr lang="en-US" smtClean="0"/>
+              <a:rPr lang="en-US"/>
               <a:t>Click to edit Master text styles</a:t>
             </a:r>
           </a:p>
@@ -1071,9 +1062,9 @@
           <a:p>
             <a:fld id="{1D8BD707-D9CF-40AE-B4C6-C98DA3205C09}" type="datetimeFigureOut">
               <a:rPr lang="en-US" smtClean="0"/>
-              <a:t>11/8/2021</a:t>
+              <a:t>4/13/2023</a:t>
             </a:fld>
-            <a:endParaRPr lang="en-US" smtClean="0"/>
+            <a:endParaRPr lang="en-US"/>
           </a:p>
         </p:txBody>
       </p:sp>
@@ -1165,10 +1156,9 @@
           <a:lstStyle/>
           <a:p>
             <a:r>
-              <a:rPr lang="en-US" smtClean="0"/>
+              <a:rPr lang="en-US"/>
               <a:t>Click to edit Master title style</a:t>
             </a:r>
-            <a:endParaRPr lang="en-US"/>
           </a:p>
         </p:txBody>
       </p:sp>
@@ -1222,38 +1212,37 @@
           <a:p>
             <a:pPr lvl="0"/>
             <a:r>
-              <a:rPr lang="en-US" smtClean="0"/>
+              <a:rPr lang="en-US"/>
               <a:t>Click to edit Master text styles</a:t>
             </a:r>
           </a:p>
           <a:p>
             <a:pPr lvl="1"/>
             <a:r>
-              <a:rPr lang="en-US" smtClean="0"/>
+              <a:rPr lang="en-US"/>
               <a:t>Second level</a:t>
             </a:r>
           </a:p>
           <a:p>
             <a:pPr lvl="2"/>
             <a:r>
-              <a:rPr lang="en-US" smtClean="0"/>
+              <a:rPr lang="en-US"/>
               <a:t>Third level</a:t>
             </a:r>
           </a:p>
           <a:p>
             <a:pPr lvl="3"/>
             <a:r>
-              <a:rPr lang="en-US" smtClean="0"/>
+              <a:rPr lang="en-US"/>
               <a:t>Fourth level</a:t>
             </a:r>
           </a:p>
           <a:p>
             <a:pPr lvl="4"/>
             <a:r>
-              <a:rPr lang="en-US" smtClean="0"/>
+              <a:rPr lang="en-US"/>
               <a:t>Fifth level</a:t>
             </a:r>
-            <a:endParaRPr lang="en-US"/>
           </a:p>
         </p:txBody>
       </p:sp>
@@ -1307,38 +1296,37 @@
           <a:p>
             <a:pPr lvl="0"/>
             <a:r>
-              <a:rPr lang="en-US" smtClean="0"/>
+              <a:rPr lang="en-US"/>
               <a:t>Click to edit Master text styles</a:t>
             </a:r>
           </a:p>
           <a:p>
             <a:pPr lvl="1"/>
             <a:r>
-              <a:rPr lang="en-US" smtClean="0"/>
+              <a:rPr lang="en-US"/>
               <a:t>Second level</a:t>
             </a:r>
           </a:p>
           <a:p>
             <a:pPr lvl="2"/>
             <a:r>
-              <a:rPr lang="en-US" smtClean="0"/>
+              <a:rPr lang="en-US"/>
               <a:t>Third level</a:t>
             </a:r>
           </a:p>
           <a:p>
             <a:pPr lvl="3"/>
             <a:r>
-              <a:rPr lang="en-US" smtClean="0"/>
+              <a:rPr lang="en-US"/>
               <a:t>Fourth level</a:t>
             </a:r>
           </a:p>
           <a:p>
             <a:pPr lvl="4"/>
             <a:r>
-              <a:rPr lang="en-US" smtClean="0"/>
+              <a:rPr lang="en-US"/>
               <a:t>Fifth level</a:t>
             </a:r>
-            <a:endParaRPr lang="en-US"/>
           </a:p>
         </p:txBody>
       </p:sp>
@@ -1359,9 +1347,9 @@
           <a:p>
             <a:fld id="{1D8BD707-D9CF-40AE-B4C6-C98DA3205C09}" type="datetimeFigureOut">
               <a:rPr lang="en-US" smtClean="0"/>
-              <a:t>11/8/2021</a:t>
+              <a:t>4/13/2023</a:t>
             </a:fld>
-            <a:endParaRPr lang="en-US" smtClean="0"/>
+            <a:endParaRPr lang="en-US"/>
           </a:p>
         </p:txBody>
       </p:sp>
@@ -1457,10 +1445,9 @@
           </a:lstStyle>
           <a:p>
             <a:r>
-              <a:rPr lang="en-US" smtClean="0"/>
+              <a:rPr lang="en-US"/>
               <a:t>Click to edit Master title style</a:t>
             </a:r>
-            <a:endParaRPr lang="en-US"/>
           </a:p>
         </p:txBody>
       </p:sp>
@@ -1523,7 +1510,7 @@
           <a:p>
             <a:pPr lvl="0"/>
             <a:r>
-              <a:rPr lang="en-US" smtClean="0"/>
+              <a:rPr lang="en-US"/>
               <a:t>Click to edit Master text styles</a:t>
             </a:r>
           </a:p>
@@ -1579,38 +1566,37 @@
           <a:p>
             <a:pPr lvl="0"/>
             <a:r>
-              <a:rPr lang="en-US" smtClean="0"/>
+              <a:rPr lang="en-US"/>
               <a:t>Click to edit Master text styles</a:t>
             </a:r>
           </a:p>
           <a:p>
             <a:pPr lvl="1"/>
             <a:r>
-              <a:rPr lang="en-US" smtClean="0"/>
+              <a:rPr lang="en-US"/>
               <a:t>Second level</a:t>
             </a:r>
           </a:p>
           <a:p>
             <a:pPr lvl="2"/>
             <a:r>
-              <a:rPr lang="en-US" smtClean="0"/>
+              <a:rPr lang="en-US"/>
               <a:t>Third level</a:t>
             </a:r>
           </a:p>
           <a:p>
             <a:pPr lvl="3"/>
             <a:r>
-              <a:rPr lang="en-US" smtClean="0"/>
+              <a:rPr lang="en-US"/>
               <a:t>Fourth level</a:t>
             </a:r>
           </a:p>
           <a:p>
             <a:pPr lvl="4"/>
             <a:r>
-              <a:rPr lang="en-US" smtClean="0"/>
+              <a:rPr lang="en-US"/>
               <a:t>Fifth level</a:t>
             </a:r>
-            <a:endParaRPr lang="en-US"/>
           </a:p>
         </p:txBody>
       </p:sp>
@@ -1673,7 +1659,7 @@
           <a:p>
             <a:pPr lvl="0"/>
             <a:r>
-              <a:rPr lang="en-US" smtClean="0"/>
+              <a:rPr lang="en-US"/>
               <a:t>Click to edit Master text styles</a:t>
             </a:r>
           </a:p>
@@ -1729,38 +1715,37 @@
           <a:p>
             <a:pPr lvl="0"/>
             <a:r>
-              <a:rPr lang="en-US" smtClean="0"/>
+              <a:rPr lang="en-US"/>
               <a:t>Click to edit Master text styles</a:t>
             </a:r>
           </a:p>
           <a:p>
             <a:pPr lvl="1"/>
             <a:r>
-              <a:rPr lang="en-US" smtClean="0"/>
+              <a:rPr lang="en-US"/>
               <a:t>Second level</a:t>
             </a:r>
           </a:p>
           <a:p>
             <a:pPr lvl="2"/>
             <a:r>
-              <a:rPr lang="en-US" smtClean="0"/>
+              <a:rPr lang="en-US"/>
               <a:t>Third level</a:t>
             </a:r>
           </a:p>
           <a:p>
             <a:pPr lvl="3"/>
             <a:r>
-              <a:rPr lang="en-US" smtClean="0"/>
+              <a:rPr lang="en-US"/>
               <a:t>Fourth level</a:t>
             </a:r>
           </a:p>
           <a:p>
             <a:pPr lvl="4"/>
             <a:r>
-              <a:rPr lang="en-US" smtClean="0"/>
+              <a:rPr lang="en-US"/>
               <a:t>Fifth level</a:t>
             </a:r>
-            <a:endParaRPr lang="en-US"/>
           </a:p>
         </p:txBody>
       </p:sp>
@@ -1781,9 +1766,9 @@
           <a:p>
             <a:fld id="{1D8BD707-D9CF-40AE-B4C6-C98DA3205C09}" type="datetimeFigureOut">
               <a:rPr lang="en-US" smtClean="0"/>
-              <a:t>11/8/2021</a:t>
+              <a:t>4/13/2023</a:t>
             </a:fld>
-            <a:endParaRPr lang="en-US" smtClean="0"/>
+            <a:endParaRPr lang="en-US"/>
           </a:p>
         </p:txBody>
       </p:sp>
@@ -1875,10 +1860,9 @@
           <a:lstStyle/>
           <a:p>
             <a:r>
-              <a:rPr lang="en-US" smtClean="0"/>
+              <a:rPr lang="en-US"/>
               <a:t>Click to edit Master title style</a:t>
             </a:r>
-            <a:endParaRPr lang="en-US"/>
           </a:p>
         </p:txBody>
       </p:sp>
@@ -1899,9 +1883,9 @@
           <a:p>
             <a:fld id="{1D8BD707-D9CF-40AE-B4C6-C98DA3205C09}" type="datetimeFigureOut">
               <a:rPr lang="en-US" smtClean="0"/>
-              <a:t>11/8/2021</a:t>
+              <a:t>4/13/2023</a:t>
             </a:fld>
-            <a:endParaRPr lang="en-US" smtClean="0"/>
+            <a:endParaRPr lang="en-US"/>
           </a:p>
         </p:txBody>
       </p:sp>
@@ -1994,9 +1978,9 @@
           <a:p>
             <a:fld id="{1D8BD707-D9CF-40AE-B4C6-C98DA3205C09}" type="datetimeFigureOut">
               <a:rPr lang="en-US" smtClean="0"/>
-              <a:t>11/8/2021</a:t>
+              <a:t>4/13/2023</a:t>
             </a:fld>
-            <a:endParaRPr lang="en-US" smtClean="0"/>
+            <a:endParaRPr lang="en-US"/>
           </a:p>
         </p:txBody>
       </p:sp>
@@ -2097,10 +2081,9 @@
           </a:lstStyle>
           <a:p>
             <a:r>
-              <a:rPr lang="en-US" smtClean="0"/>
+              <a:rPr lang="en-US"/>
               <a:t>Click to edit Master title style</a:t>
             </a:r>
-            <a:endParaRPr lang="en-US"/>
           </a:p>
         </p:txBody>
       </p:sp>
@@ -2154,38 +2137,37 @@
           <a:p>
             <a:pPr lvl="0"/>
             <a:r>
-              <a:rPr lang="en-US" smtClean="0"/>
+              <a:rPr lang="en-US"/>
               <a:t>Click to edit Master text styles</a:t>
             </a:r>
           </a:p>
           <a:p>
             <a:pPr lvl="1"/>
             <a:r>
-              <a:rPr lang="en-US" smtClean="0"/>
+              <a:rPr lang="en-US"/>
               <a:t>Second level</a:t>
             </a:r>
           </a:p>
           <a:p>
             <a:pPr lvl="2"/>
             <a:r>
-              <a:rPr lang="en-US" smtClean="0"/>
+              <a:rPr lang="en-US"/>
               <a:t>Third level</a:t>
             </a:r>
           </a:p>
           <a:p>
             <a:pPr lvl="3"/>
             <a:r>
-              <a:rPr lang="en-US" smtClean="0"/>
+              <a:rPr lang="en-US"/>
               <a:t>Fourth level</a:t>
             </a:r>
           </a:p>
           <a:p>
             <a:pPr lvl="4"/>
             <a:r>
-              <a:rPr lang="en-US" smtClean="0"/>
+              <a:rPr lang="en-US"/>
               <a:t>Fifth level</a:t>
             </a:r>
-            <a:endParaRPr lang="en-US"/>
           </a:p>
         </p:txBody>
       </p:sp>
@@ -2248,7 +2230,7 @@
           <a:p>
             <a:pPr lvl="0"/>
             <a:r>
-              <a:rPr lang="en-US" smtClean="0"/>
+              <a:rPr lang="en-US"/>
               <a:t>Click to edit Master text styles</a:t>
             </a:r>
           </a:p>
@@ -2271,9 +2253,9 @@
           <a:p>
             <a:fld id="{1D8BD707-D9CF-40AE-B4C6-C98DA3205C09}" type="datetimeFigureOut">
               <a:rPr lang="en-US" smtClean="0"/>
-              <a:t>11/8/2021</a:t>
+              <a:t>4/13/2023</a:t>
             </a:fld>
-            <a:endParaRPr lang="en-US" smtClean="0"/>
+            <a:endParaRPr lang="en-US"/>
           </a:p>
         </p:txBody>
       </p:sp>
@@ -2374,10 +2356,9 @@
           </a:lstStyle>
           <a:p>
             <a:r>
-              <a:rPr lang="en-US" smtClean="0"/>
+              <a:rPr lang="en-US"/>
               <a:t>Click to edit Master title style</a:t>
             </a:r>
-            <a:endParaRPr lang="en-US"/>
           </a:p>
         </p:txBody>
       </p:sp>
@@ -2501,7 +2482,7 @@
           <a:p>
             <a:pPr lvl="0"/>
             <a:r>
-              <a:rPr lang="en-US" smtClean="0"/>
+              <a:rPr lang="en-US"/>
               <a:t>Click to edit Master text styles</a:t>
             </a:r>
           </a:p>
@@ -2524,9 +2505,9 @@
           <a:p>
             <a:fld id="{1D8BD707-D9CF-40AE-B4C6-C98DA3205C09}" type="datetimeFigureOut">
               <a:rPr lang="en-US" smtClean="0"/>
-              <a:t>11/8/2021</a:t>
+              <a:t>4/13/2023</a:t>
             </a:fld>
-            <a:endParaRPr lang="en-US" smtClean="0"/>
+            <a:endParaRPr lang="en-US"/>
           </a:p>
         </p:txBody>
       </p:sp>
@@ -2633,10 +2614,9 @@
           <a:lstStyle/>
           <a:p>
             <a:r>
-              <a:rPr lang="en-US" smtClean="0"/>
+              <a:rPr lang="en-US"/>
               <a:t>Click to edit Master title style</a:t>
             </a:r>
-            <a:endParaRPr lang="en-US"/>
           </a:p>
         </p:txBody>
       </p:sp>
@@ -2667,38 +2647,37 @@
           <a:p>
             <a:pPr lvl="0"/>
             <a:r>
-              <a:rPr lang="en-US" smtClean="0"/>
+              <a:rPr lang="en-US"/>
               <a:t>Click to edit Master text styles</a:t>
             </a:r>
           </a:p>
           <a:p>
             <a:pPr lvl="1"/>
             <a:r>
-              <a:rPr lang="en-US" smtClean="0"/>
+              <a:rPr lang="en-US"/>
               <a:t>Second level</a:t>
             </a:r>
           </a:p>
           <a:p>
             <a:pPr lvl="2"/>
             <a:r>
-              <a:rPr lang="en-US" smtClean="0"/>
+              <a:rPr lang="en-US"/>
               <a:t>Third level</a:t>
             </a:r>
           </a:p>
           <a:p>
             <a:pPr lvl="3"/>
             <a:r>
-              <a:rPr lang="en-US" smtClean="0"/>
+              <a:rPr lang="en-US"/>
               <a:t>Fourth level</a:t>
             </a:r>
           </a:p>
           <a:p>
             <a:pPr lvl="4"/>
             <a:r>
-              <a:rPr lang="en-US" smtClean="0"/>
+              <a:rPr lang="en-US"/>
               <a:t>Fifth level</a:t>
             </a:r>
-            <a:endParaRPr lang="en-US"/>
           </a:p>
         </p:txBody>
       </p:sp>
@@ -2737,9 +2716,9 @@
           <a:p>
             <a:fld id="{1D8BD707-D9CF-40AE-B4C6-C98DA3205C09}" type="datetimeFigureOut">
               <a:rPr lang="en-US" smtClean="0"/>
-              <a:t>11/8/2021</a:t>
+              <a:t>4/13/2023</a:t>
             </a:fld>
-            <a:endParaRPr lang="en-US" smtClean="0"/>
+            <a:endParaRPr lang="en-US"/>
           </a:p>
         </p:txBody>
       </p:sp>
@@ -2818,6 +2797,54 @@
               <a:t>‹N°›</a:t>
             </a:fld>
             <a:endParaRPr lang="en-US"/>
+          </a:p>
+        </p:txBody>
+      </p:sp>
+      <p:sp>
+        <p:nvSpPr>
+          <p:cNvPr id="7" name="MSIPCMContentMarking" descr="{&quot;HashCode&quot;:-1355907719,&quot;Placement&quot;:&quot;Footer&quot;,&quot;Top&quot;:821.343,&quot;Left&quot;:0.0,&quot;SlideWidth&quot;:595,&quot;SlideHeight&quot;:842}">
+            <a:extLst>
+              <a:ext uri="{FF2B5EF4-FFF2-40B4-BE49-F238E27FC236}">
+                <a16:creationId xmlns:a16="http://schemas.microsoft.com/office/drawing/2014/main" id="{8B085C36-B02B-CF23-7910-6020A4DDB93A}"/>
+              </a:ext>
+            </a:extLst>
+          </p:cNvPr>
+          <p:cNvSpPr txBox="1"/>
+          <p:nvPr userDrawn="1"/>
+        </p:nvSpPr>
+        <p:spPr>
+          <a:xfrm>
+            <a:off x="0" y="10431056"/>
+            <a:ext cx="650765" cy="262344"/>
+          </a:xfrm>
+          <a:prstGeom prst="rect">
+            <a:avLst/>
+          </a:prstGeom>
+          <a:noFill/>
+        </p:spPr>
+        <p:txBody>
+          <a:bodyPr vert="horz" wrap="square" lIns="0" tIns="0" rIns="0" bIns="0" rtlCol="0" anchor="ctr" anchorCtr="1">
+            <a:spAutoFit/>
+          </a:bodyPr>
+          <a:lstStyle/>
+          <a:p>
+            <a:pPr algn="l">
+              <a:spcBef>
+                <a:spcPts val="0"/>
+              </a:spcBef>
+              <a:spcAft>
+                <a:spcPts val="0"/>
+              </a:spcAft>
+            </a:pPr>
+            <a:r>
+              <a:rPr lang="fr-FR" sz="1000">
+                <a:solidFill>
+                  <a:srgbClr val="FF0000"/>
+                </a:solidFill>
+                <a:latin typeface="Calibri" panose="020F0502020204030204" pitchFamily="34" charset="0"/>
+              </a:rPr>
+              <a:t>Interne</a:t>
+            </a:r>
           </a:p>
         </p:txBody>
       </p:sp>
@@ -3155,10 +3182,9 @@
           <a:p>
             <a:pPr algn="ctr"/>
             <a:r>
-              <a:rPr lang="fr-FR" dirty="0" smtClean="0"/>
+              <a:rPr lang="fr-FR" dirty="0"/>
               <a:t> </a:t>
             </a:r>
-            <a:endParaRPr lang="fr-FR" dirty="0"/>
           </a:p>
         </p:txBody>
       </p:sp>
@@ -3287,7 +3313,7 @@
           <a:p>
             <a:pPr algn="ctr"/>
             <a:r>
-              <a:rPr lang="fr-FR" sz="2000" b="1" dirty="0" smtClean="0">
+              <a:rPr lang="fr-FR" sz="2000" b="1" dirty="0">
                 <a:solidFill>
                   <a:srgbClr val="E4E4E4"/>
                 </a:solidFill>
@@ -3295,12 +3321,6 @@
               </a:rPr>
               <a:t>MISETRA RAKOTONARIVO</a:t>
             </a:r>
-            <a:endParaRPr lang="fr-FR" sz="2000" b="1" dirty="0">
-              <a:solidFill>
-                <a:srgbClr val="E4E4E4"/>
-              </a:solidFill>
-              <a:latin typeface="Century Gothic" panose="020B0502020202020204" pitchFamily="34" charset="0"/>
-            </a:endParaRPr>
           </a:p>
         </p:txBody>
       </p:sp>
@@ -3328,20 +3348,14 @@
           <a:p>
             <a:pPr algn="ctr"/>
             <a:r>
-              <a:rPr lang="fr-FR" dirty="0" smtClean="0">
+              <a:rPr lang="fr-FR" dirty="0">
                 <a:solidFill>
                   <a:schemeClr val="bg1"/>
                 </a:solidFill>
                 <a:latin typeface="Berlin Sans FB Demi" panose="020E0802020502020306" pitchFamily="34" charset="0"/>
               </a:rPr>
-              <a:t>Responsable SRE</a:t>
-            </a:r>
-            <a:endParaRPr lang="fr-FR" dirty="0">
-              <a:solidFill>
-                <a:schemeClr val="bg1"/>
-              </a:solidFill>
-              <a:latin typeface="Berlin Sans FB Demi" panose="020E0802020502020306" pitchFamily="34" charset="0"/>
-            </a:endParaRPr>
+              <a:t>Ingénieur Applicatif</a:t>
+            </a:r>
           </a:p>
         </p:txBody>
       </p:sp>
@@ -3371,7 +3385,7 @@
           <a:lstStyle/>
           <a:p>
             <a:r>
-              <a:rPr lang="fr-FR" sz="1400" dirty="0" smtClean="0">
+              <a:rPr lang="fr-FR" sz="1400" dirty="0">
                 <a:solidFill>
                   <a:srgbClr val="E4E4E4"/>
                 </a:solidFill>
@@ -3379,12 +3393,6 @@
               </a:rPr>
               <a:t>CONTACTS</a:t>
             </a:r>
-            <a:endParaRPr lang="fr-FR" sz="1400" dirty="0">
-              <a:solidFill>
-                <a:srgbClr val="E4E4E4"/>
-              </a:solidFill>
-              <a:latin typeface="Berlin Sans FB Demi" panose="020E0802020502020306" pitchFamily="34" charset="0"/>
-            </a:endParaRPr>
           </a:p>
         </p:txBody>
       </p:sp>
@@ -3485,7 +3493,7 @@
                     <a:lstStyle/>
                     <a:p>
                       <a:r>
-                        <a:rPr lang="fr-FR" sz="1200" b="0" dirty="0" smtClean="0">
+                        <a:rPr lang="fr-FR" sz="1200" b="0" dirty="0">
                           <a:solidFill>
                             <a:schemeClr val="tx1"/>
                           </a:solidFill>
@@ -3495,7 +3503,7 @@
                         <a:t>Lyon,</a:t>
                       </a:r>
                       <a:r>
-                        <a:rPr lang="fr-FR" sz="1200" b="0" baseline="0" dirty="0" smtClean="0">
+                        <a:rPr lang="fr-FR" sz="1200" b="0" baseline="0" dirty="0">
                           <a:solidFill>
                             <a:schemeClr val="tx1"/>
                           </a:solidFill>
@@ -3618,16 +3626,12 @@
                     <a:lstStyle/>
                     <a:p>
                       <a:r>
-                        <a:rPr lang="fr-FR" sz="1200" dirty="0" smtClean="0">
+                        <a:rPr lang="fr-FR" sz="1200" dirty="0">
                           <a:latin typeface="Calibri Light" panose="020F0302020204030204" pitchFamily="34" charset="0"/>
                           <a:cs typeface="Calibri Light" panose="020F0302020204030204" pitchFamily="34" charset="0"/>
                         </a:rPr>
                         <a:t>06 29 61 66 41</a:t>
                       </a:r>
-                      <a:endParaRPr lang="fr-FR" sz="1200" dirty="0">
-                        <a:latin typeface="Calibri Light" panose="020F0302020204030204" pitchFamily="34" charset="0"/>
-                        <a:cs typeface="Calibri Light" panose="020F0302020204030204" pitchFamily="34" charset="0"/>
-                      </a:endParaRPr>
                     </a:p>
                   </a:txBody>
                   <a:tcPr anchor="ctr">
@@ -3735,16 +3739,12 @@
                     <a:lstStyle/>
                     <a:p>
                       <a:r>
-                        <a:rPr lang="fr-FR" sz="1200" dirty="0" smtClean="0">
+                        <a:rPr lang="fr-FR" sz="1200" dirty="0">
                           <a:latin typeface="Calibri Light" panose="020F0302020204030204" pitchFamily="34" charset="0"/>
                           <a:cs typeface="Calibri Light" panose="020F0302020204030204" pitchFamily="34" charset="0"/>
                         </a:rPr>
                         <a:t>misetranarivo@gmail.com</a:t>
                       </a:r>
-                      <a:endParaRPr lang="fr-FR" sz="1200" dirty="0">
-                        <a:latin typeface="Calibri Light" panose="020F0302020204030204" pitchFamily="34" charset="0"/>
-                        <a:cs typeface="Calibri Light" panose="020F0302020204030204" pitchFamily="34" charset="0"/>
-                      </a:endParaRPr>
                     </a:p>
                   </a:txBody>
                   <a:tcPr anchor="ctr">
@@ -3852,7 +3852,7 @@
                     <a:lstStyle/>
                     <a:p>
                       <a:r>
-                        <a:rPr lang="fr-FR" sz="1200" dirty="0" smtClean="0">
+                        <a:rPr lang="fr-FR" sz="1200" dirty="0">
                           <a:latin typeface="Calibri Light" panose="020F0302020204030204" pitchFamily="34" charset="0"/>
                           <a:cs typeface="Calibri Light" panose="020F0302020204030204" pitchFamily="34" charset="0"/>
                           <a:hlinkClick r:id="rId2" tooltip="Lien vers le profil"/>
@@ -3860,7 +3860,7 @@
                         <a:t>misetra</a:t>
                       </a:r>
                       <a:r>
-                        <a:rPr lang="fr-FR" sz="1200" baseline="0" dirty="0" smtClean="0">
+                        <a:rPr lang="fr-FR" sz="1200" baseline="0" dirty="0">
                           <a:latin typeface="Calibri Light" panose="020F0302020204030204" pitchFamily="34" charset="0"/>
                           <a:cs typeface="Calibri Light" panose="020F0302020204030204" pitchFamily="34" charset="0"/>
                           <a:hlinkClick r:id="rId2" tooltip="Lien vers le profil"/>
@@ -4217,7 +4217,7 @@
           <a:lstStyle/>
           <a:p>
             <a:r>
-              <a:rPr lang="fr-FR" sz="1400" dirty="0" smtClean="0">
+              <a:rPr lang="fr-FR" sz="1400" dirty="0">
                 <a:solidFill>
                   <a:srgbClr val="E4E4E4"/>
                 </a:solidFill>
@@ -4225,12 +4225,6 @@
               </a:rPr>
               <a:t>COMPETENCES</a:t>
             </a:r>
-            <a:endParaRPr lang="fr-FR" sz="1400" dirty="0">
-              <a:solidFill>
-                <a:srgbClr val="E4E4E4"/>
-              </a:solidFill>
-              <a:latin typeface="Berlin Sans FB Demi" panose="020E0802020502020306" pitchFamily="34" charset="0"/>
-            </a:endParaRPr>
           </a:p>
         </p:txBody>
       </p:sp>
@@ -4406,7 +4400,7 @@
           <a:lstStyle/>
           <a:p>
             <a:r>
-              <a:rPr lang="fr-FR" sz="1400" dirty="0" smtClean="0">
+              <a:rPr lang="fr-FR" sz="1400" dirty="0">
                 <a:solidFill>
                   <a:schemeClr val="bg1"/>
                 </a:solidFill>
@@ -4414,12 +4408,6 @@
               </a:rPr>
               <a:t>EXPERIENCES PROFESSIONELLES</a:t>
             </a:r>
-            <a:endParaRPr lang="fr-FR" sz="1400" dirty="0">
-              <a:solidFill>
-                <a:schemeClr val="bg1"/>
-              </a:solidFill>
-              <a:latin typeface="Berlin Sans FB Demi" panose="020E0802020502020306" pitchFamily="34" charset="0"/>
-            </a:endParaRPr>
           </a:p>
         </p:txBody>
       </p:sp>
@@ -4595,14 +4583,11 @@
           <a:lstStyle/>
           <a:p>
             <a:r>
-              <a:rPr lang="fr-FR" sz="1400" dirty="0" smtClean="0">
+              <a:rPr lang="fr-FR" sz="1400" dirty="0">
                 <a:latin typeface="Berlin Sans FB Demi" panose="020E0802020502020306" pitchFamily="34" charset="0"/>
               </a:rPr>
               <a:t>PROFIL &amp; OBJECTIFS</a:t>
             </a:r>
-            <a:endParaRPr lang="fr-FR" sz="1400" dirty="0">
-              <a:latin typeface="Berlin Sans FB Demi" panose="020E0802020502020306" pitchFamily="34" charset="0"/>
-            </a:endParaRPr>
           </a:p>
         </p:txBody>
       </p:sp>
@@ -4726,16 +4711,12 @@
           <a:p>
             <a:pPr algn="just"/>
             <a:r>
-              <a:rPr lang="fr-FR" sz="1200" dirty="0" smtClean="0">
+              <a:rPr lang="fr-FR" sz="1200" dirty="0">
                 <a:latin typeface="Calibri Light" panose="020F0302020204030204" pitchFamily="34" charset="0"/>
                 <a:cs typeface="Calibri Light" panose="020F0302020204030204" pitchFamily="34" charset="0"/>
               </a:rPr>
               <a:t>Mon sens de l’écoute doublé avec mes connaissances et expériences techniques fait de moi, actuellement, un ingénieur SRE aguerri. Ayant déjà eu quelques rôles de coordinateur dans mes précédents missions, je souhaite actuellement intégrer une grande organisation pour un poste de responsabilité, tout en restant dans la production.</a:t>
             </a:r>
-            <a:endParaRPr lang="fr-FR" sz="1200" dirty="0">
-              <a:latin typeface="Calibri Light" panose="020F0302020204030204" pitchFamily="34" charset="0"/>
-              <a:cs typeface="Calibri Light" panose="020F0302020204030204" pitchFamily="34" charset="0"/>
-            </a:endParaRPr>
           </a:p>
         </p:txBody>
       </p:sp>
@@ -4841,8 +4822,8 @@
         </p:nvSpPr>
         <p:spPr>
           <a:xfrm>
-            <a:off x="3016250" y="3617577"/>
-            <a:ext cx="946786" cy="415498"/>
+            <a:off x="2791255" y="3617577"/>
+            <a:ext cx="1171781" cy="415498"/>
           </a:xfrm>
           <a:prstGeom prst="rect">
             <a:avLst/>
@@ -4857,14 +4838,11 @@
           <a:p>
             <a:pPr algn="r"/>
             <a:r>
-              <a:rPr lang="fr-FR" sz="1050" dirty="0" smtClean="0">
+              <a:rPr lang="fr-FR" sz="1050" dirty="0">
                 <a:latin typeface="Century Gothic" panose="020B0502020202020204" pitchFamily="34" charset="0"/>
               </a:rPr>
-              <a:t>Mars 2020 – Aujourd’hui</a:t>
-            </a:r>
-            <a:endParaRPr lang="fr-FR" sz="1050" dirty="0">
-              <a:latin typeface="Century Gothic" panose="020B0502020202020204" pitchFamily="34" charset="0"/>
-            </a:endParaRPr>
+              <a:t>Juillet 2022 – Aujourd’hui</a:t>
+            </a:r>
           </a:p>
         </p:txBody>
       </p:sp>
@@ -4891,14 +4869,11 @@
           <a:lstStyle/>
           <a:p>
             <a:r>
-              <a:rPr lang="fr-FR" sz="1200" dirty="0" smtClean="0">
+              <a:rPr lang="fr-FR" sz="1200" dirty="0">
                 <a:latin typeface="Bahnschrift SemiBold" panose="020B0502040204020203" pitchFamily="34" charset="0"/>
               </a:rPr>
               <a:t>Consultant Middleware</a:t>
             </a:r>
-            <a:endParaRPr lang="fr-FR" sz="1200" dirty="0">
-              <a:latin typeface="Bahnschrift SemiBold" panose="020B0502040204020203" pitchFamily="34" charset="0"/>
-            </a:endParaRPr>
           </a:p>
         </p:txBody>
       </p:sp>
@@ -4925,13 +4900,13 @@
           <a:lstStyle/>
           <a:p>
             <a:r>
-              <a:rPr lang="fr-FR" sz="1200" dirty="0" smtClean="0">
+              <a:rPr lang="fr-FR" sz="1200" dirty="0">
                 <a:latin typeface="Arial Black" panose="020B0A04020102020204" pitchFamily="34" charset="0"/>
               </a:rPr>
-              <a:t>CGI</a:t>
-            </a:r>
-            <a:r>
-              <a:rPr lang="fr-FR" sz="1200" dirty="0" smtClean="0">
+              <a:t>MGI Consultant</a:t>
+            </a:r>
+            <a:r>
+              <a:rPr lang="fr-FR" sz="1200" dirty="0">
                 <a:latin typeface="Bahnschrift SemiBold" panose="020B0502040204020203" pitchFamily="34" charset="0"/>
               </a:rPr>
               <a:t> </a:t>
@@ -4940,10 +4915,9 @@
           </a:p>
           <a:p>
             <a:r>
-              <a:rPr lang="fr-FR" sz="1200" b="1" dirty="0" smtClean="0"/>
-              <a:t>Lyon, FRANCE</a:t>
-            </a:r>
-            <a:endParaRPr lang="fr-FR" sz="1200" b="1" dirty="0"/>
+              <a:rPr lang="fr-FR" sz="1200" b="1" dirty="0"/>
+              <a:t>Paris, FRANCE</a:t>
+            </a:r>
           </a:p>
         </p:txBody>
       </p:sp>
@@ -4956,7 +4930,7 @@
         <p:spPr>
           <a:xfrm>
             <a:off x="4141471" y="4248646"/>
-            <a:ext cx="3294380" cy="2939266"/>
+            <a:ext cx="3294380" cy="2754600"/>
           </a:xfrm>
           <a:prstGeom prst="rect">
             <a:avLst/>
@@ -4970,25 +4944,11 @@
           <a:lstStyle/>
           <a:p>
             <a:r>
-              <a:rPr lang="fr-FR" sz="1200" dirty="0" smtClean="0">
+              <a:rPr lang="fr-FR" sz="1200" dirty="0">
                 <a:latin typeface="Calibri Light" panose="020F0302020204030204" pitchFamily="34" charset="0"/>
                 <a:cs typeface="Calibri Light" panose="020F0302020204030204" pitchFamily="34" charset="0"/>
               </a:rPr>
-              <a:t>Pour le compte d’un grand acteur français de l’</a:t>
-            </a:r>
-            <a:r>
-              <a:rPr lang="fr-FR" sz="1200" dirty="0" err="1" smtClean="0">
-                <a:latin typeface="Calibri Light" panose="020F0302020204030204" pitchFamily="34" charset="0"/>
-                <a:cs typeface="Calibri Light" panose="020F0302020204030204" pitchFamily="34" charset="0"/>
-              </a:rPr>
-              <a:t>energie</a:t>
-            </a:r>
-            <a:r>
-              <a:rPr lang="fr-FR" sz="1200" dirty="0" smtClean="0">
-                <a:latin typeface="Calibri Light" panose="020F0302020204030204" pitchFamily="34" charset="0"/>
-                <a:cs typeface="Calibri Light" panose="020F0302020204030204" pitchFamily="34" charset="0"/>
-              </a:rPr>
-              <a:t>, en tant que support technique niveau 3 sur un périmètre d’ applications critiques.</a:t>
+              <a:t>Pour le compte d’une institution financière publique français, en tant qu’ingénieur applicatif sur une centaine d’application</a:t>
             </a:r>
           </a:p>
           <a:p>
@@ -4997,11 +4957,11 @@
               <a:buChar char="•"/>
             </a:pPr>
             <a:r>
-              <a:rPr lang="fr-FR" sz="1200" dirty="0" smtClean="0">
+              <a:rPr lang="fr-FR" sz="1200" dirty="0">
                 <a:latin typeface="Calibri Light" panose="020F0302020204030204" pitchFamily="34" charset="0"/>
                 <a:cs typeface="Calibri Light" panose="020F0302020204030204" pitchFamily="34" charset="0"/>
               </a:rPr>
-              <a:t>Supervision et MCO des applications</a:t>
+              <a:t>Participation aux différentes phases de projets </a:t>
             </a:r>
           </a:p>
           <a:p>
@@ -5010,11 +4970,25 @@
               <a:buChar char="•"/>
             </a:pPr>
             <a:r>
-              <a:rPr lang="fr-FR" sz="1200" dirty="0" smtClean="0">
+              <a:rPr lang="fr-FR" sz="1200" dirty="0">
                 <a:latin typeface="Calibri Light" panose="020F0302020204030204" pitchFamily="34" charset="0"/>
                 <a:cs typeface="Calibri Light" panose="020F0302020204030204" pitchFamily="34" charset="0"/>
               </a:rPr>
-              <a:t>Analyses post-mortem et préconisations</a:t>
+              <a:t>Réaliser des diagnostics pour identifier les causes de dysfonctionnement, proposer et mettre en œuvre des </a:t>
+            </a:r>
+            <a:r>
+              <a:rPr lang="fr-FR" sz="1200" dirty="0" err="1">
+                <a:latin typeface="Calibri Light" panose="020F0302020204030204" pitchFamily="34" charset="0"/>
+                <a:cs typeface="Calibri Light" panose="020F0302020204030204" pitchFamily="34" charset="0"/>
+              </a:rPr>
+              <a:t>correctionsEffectuer</a:t>
+            </a:r>
+            <a:r>
+              <a:rPr lang="fr-FR" sz="1200" dirty="0">
+                <a:latin typeface="Calibri Light" panose="020F0302020204030204" pitchFamily="34" charset="0"/>
+                <a:cs typeface="Calibri Light" panose="020F0302020204030204" pitchFamily="34" charset="0"/>
+              </a:rPr>
+              <a:t> la réception, la validation et le packaging des composants</a:t>
             </a:r>
           </a:p>
           <a:p>
@@ -5023,11 +4997,11 @@
               <a:buChar char="•"/>
             </a:pPr>
             <a:r>
-              <a:rPr lang="fr-FR" sz="1200" dirty="0" smtClean="0">
+              <a:rPr lang="fr-FR" sz="1200" dirty="0">
                 <a:latin typeface="Calibri Light" panose="020F0302020204030204" pitchFamily="34" charset="0"/>
                 <a:cs typeface="Calibri Light" panose="020F0302020204030204" pitchFamily="34" charset="0"/>
               </a:rPr>
-              <a:t>Proactivités sur les problèmes de performances</a:t>
+              <a:t>Maintenance de la brique de sécurité applicative</a:t>
             </a:r>
           </a:p>
           <a:p>
@@ -5035,326 +5009,88 @@
               <a:buFont typeface="Arial" panose="020B0604020202020204" pitchFamily="34" charset="0"/>
               <a:buChar char="•"/>
             </a:pPr>
-            <a:r>
-              <a:rPr lang="fr-FR" sz="1200" dirty="0" smtClean="0">
-                <a:latin typeface="Calibri Light" panose="020F0302020204030204" pitchFamily="34" charset="0"/>
-                <a:cs typeface="Calibri Light" panose="020F0302020204030204" pitchFamily="34" charset="0"/>
-              </a:rPr>
-              <a:t>Support aux </a:t>
-            </a:r>
-            <a:r>
-              <a:rPr lang="fr-FR" sz="1200" dirty="0" smtClean="0">
-                <a:latin typeface="Calibri Light" panose="020F0302020204030204" pitchFamily="34" charset="0"/>
-                <a:cs typeface="Calibri Light" panose="020F0302020204030204" pitchFamily="34" charset="0"/>
-              </a:rPr>
-              <a:t>déploiements </a:t>
-            </a:r>
-            <a:r>
-              <a:rPr lang="fr-FR" sz="1200" dirty="0" smtClean="0">
-                <a:latin typeface="Calibri Light" panose="020F0302020204030204" pitchFamily="34" charset="0"/>
-                <a:cs typeface="Calibri Light" panose="020F0302020204030204" pitchFamily="34" charset="0"/>
-              </a:rPr>
-              <a:t>des versions applicatives et aux gestes d’exploitations</a:t>
-            </a:r>
-          </a:p>
-          <a:p>
-            <a:pPr marL="171450" indent="-171450">
-              <a:buFont typeface="Arial" panose="020B0604020202020204" pitchFamily="34" charset="0"/>
-              <a:buChar char="•"/>
-            </a:pPr>
-            <a:r>
-              <a:rPr lang="fr-FR" sz="1200" dirty="0" smtClean="0">
-                <a:latin typeface="Calibri Light" panose="020F0302020204030204" pitchFamily="34" charset="0"/>
-                <a:cs typeface="Calibri Light" panose="020F0302020204030204" pitchFamily="34" charset="0"/>
-              </a:rPr>
-              <a:t>Maintenance des outils </a:t>
-            </a:r>
-            <a:r>
-              <a:rPr lang="fr-FR" sz="1200" dirty="0" smtClean="0">
-                <a:latin typeface="Calibri Light" panose="020F0302020204030204" pitchFamily="34" charset="0"/>
-                <a:cs typeface="Calibri Light" panose="020F0302020204030204" pitchFamily="34" charset="0"/>
-              </a:rPr>
-              <a:t>d’observabilités</a:t>
-            </a:r>
-          </a:p>
-          <a:p>
-            <a:pPr marL="171450" indent="-171450">
-              <a:buFont typeface="Arial" panose="020B0604020202020204" pitchFamily="34" charset="0"/>
-              <a:buChar char="•"/>
-            </a:pPr>
-            <a:r>
-              <a:rPr lang="fr-FR" sz="1200" dirty="0" smtClean="0">
-                <a:latin typeface="Calibri Light" panose="020F0302020204030204" pitchFamily="34" charset="0"/>
-                <a:cs typeface="Calibri Light" panose="020F0302020204030204" pitchFamily="34" charset="0"/>
-              </a:rPr>
-              <a:t>Capitalisation des connaissances</a:t>
-            </a:r>
-            <a:endParaRPr lang="fr-FR" sz="1200" dirty="0" smtClean="0">
+            <a:endParaRPr lang="fr-FR" sz="500" dirty="0">
               <a:latin typeface="Calibri Light" panose="020F0302020204030204" pitchFamily="34" charset="0"/>
               <a:cs typeface="Calibri Light" panose="020F0302020204030204" pitchFamily="34" charset="0"/>
             </a:endParaRPr>
           </a:p>
           <a:p>
-            <a:endParaRPr lang="fr-FR" sz="500" dirty="0" smtClean="0">
-              <a:latin typeface="Calibri Light" panose="020F0302020204030204" pitchFamily="34" charset="0"/>
-              <a:cs typeface="Calibri Light" panose="020F0302020204030204" pitchFamily="34" charset="0"/>
-            </a:endParaRPr>
-          </a:p>
-          <a:p>
-            <a:r>
-              <a:rPr lang="fr-FR" sz="1200" dirty="0" smtClean="0">
+            <a:r>
+              <a:rPr lang="fr-FR" sz="1200" dirty="0">
                 <a:latin typeface="Berlin Sans FB Demi" panose="020E0802020502020306" pitchFamily="34" charset="0"/>
                 <a:cs typeface="Calibri Light" panose="020F0302020204030204" pitchFamily="34" charset="0"/>
               </a:rPr>
               <a:t>Techno et Outils : </a:t>
             </a:r>
             <a:r>
-              <a:rPr lang="fr-FR" sz="1200" dirty="0" err="1" smtClean="0">
+              <a:rPr lang="fr-FR" sz="1200" dirty="0" err="1">
                 <a:latin typeface="Calibri Light" panose="020F0302020204030204" pitchFamily="34" charset="0"/>
                 <a:cs typeface="Calibri Light" panose="020F0302020204030204" pitchFamily="34" charset="0"/>
               </a:rPr>
               <a:t>RedHat</a:t>
             </a:r>
             <a:r>
-              <a:rPr lang="fr-FR" sz="1200" dirty="0" smtClean="0">
+              <a:rPr lang="fr-FR" sz="1200" dirty="0">
                 <a:latin typeface="Calibri Light" panose="020F0302020204030204" pitchFamily="34" charset="0"/>
                 <a:cs typeface="Calibri Light" panose="020F0302020204030204" pitchFamily="34" charset="0"/>
               </a:rPr>
-              <a:t> Linux, Windows Server,  </a:t>
-            </a:r>
-            <a:r>
-              <a:rPr lang="fr-FR" sz="1200" dirty="0" err="1" smtClean="0">
+              <a:t> Linux, </a:t>
+            </a:r>
+            <a:r>
+              <a:rPr lang="fr-FR" sz="1200" dirty="0" err="1">
                 <a:latin typeface="Calibri Light" panose="020F0302020204030204" pitchFamily="34" charset="0"/>
                 <a:cs typeface="Calibri Light" panose="020F0302020204030204" pitchFamily="34" charset="0"/>
               </a:rPr>
               <a:t>Kubernetes</a:t>
             </a:r>
             <a:r>
-              <a:rPr lang="fr-FR" sz="1200" dirty="0" smtClean="0">
+              <a:rPr lang="fr-FR" sz="1200" dirty="0">
                 <a:latin typeface="Calibri Light" panose="020F0302020204030204" pitchFamily="34" charset="0"/>
                 <a:cs typeface="Calibri Light" panose="020F0302020204030204" pitchFamily="34" charset="0"/>
               </a:rPr>
-              <a:t>, </a:t>
-            </a:r>
-            <a:r>
-              <a:rPr lang="fr-FR" sz="1200" dirty="0" err="1" smtClean="0">
+              <a:t>, Ansible, Tomcat, Apache, </a:t>
+            </a:r>
+            <a:r>
+              <a:rPr lang="fr-FR" sz="1200" dirty="0" err="1">
                 <a:latin typeface="Calibri Light" panose="020F0302020204030204" pitchFamily="34" charset="0"/>
                 <a:cs typeface="Calibri Light" panose="020F0302020204030204" pitchFamily="34" charset="0"/>
               </a:rPr>
-              <a:t>Ansible</a:t>
-            </a:r>
-            <a:r>
-              <a:rPr lang="fr-FR" sz="1200" dirty="0" smtClean="0">
+              <a:t>Axway</a:t>
+            </a:r>
+            <a:r>
+              <a:rPr lang="fr-FR" sz="1200" dirty="0">
                 <a:latin typeface="Calibri Light" panose="020F0302020204030204" pitchFamily="34" charset="0"/>
                 <a:cs typeface="Calibri Light" panose="020F0302020204030204" pitchFamily="34" charset="0"/>
               </a:rPr>
-              <a:t>, Jenkins, Control M, </a:t>
-            </a:r>
-            <a:r>
-              <a:rPr lang="fr-FR" sz="1200" dirty="0" err="1" smtClean="0">
+              <a:t> API Gateway, Suite Jeton </a:t>
+            </a:r>
+            <a:r>
+              <a:rPr lang="fr-FR" sz="1200" dirty="0" err="1">
                 <a:latin typeface="Calibri Light" panose="020F0302020204030204" pitchFamily="34" charset="0"/>
                 <a:cs typeface="Calibri Light" panose="020F0302020204030204" pitchFamily="34" charset="0"/>
               </a:rPr>
-              <a:t>Weblogic</a:t>
-            </a:r>
-            <a:r>
-              <a:rPr lang="fr-FR" sz="1200" dirty="0" smtClean="0">
+              <a:t>InterOps</a:t>
+            </a:r>
+            <a:r>
+              <a:rPr lang="fr-FR" sz="1200" dirty="0">
                 <a:latin typeface="Calibri Light" panose="020F0302020204030204" pitchFamily="34" charset="0"/>
                 <a:cs typeface="Calibri Light" panose="020F0302020204030204" pitchFamily="34" charset="0"/>
               </a:rPr>
-              <a:t>, </a:t>
-            </a:r>
-            <a:r>
-              <a:rPr lang="fr-FR" sz="1200" dirty="0" err="1" smtClean="0">
-                <a:latin typeface="Calibri Light" panose="020F0302020204030204" pitchFamily="34" charset="0"/>
-                <a:cs typeface="Calibri Light" panose="020F0302020204030204" pitchFamily="34" charset="0"/>
-              </a:rPr>
-              <a:t>Tomcat</a:t>
-            </a:r>
-            <a:r>
-              <a:rPr lang="fr-FR" sz="1200" dirty="0" smtClean="0">
-                <a:latin typeface="Calibri Light" panose="020F0302020204030204" pitchFamily="34" charset="0"/>
-                <a:cs typeface="Calibri Light" panose="020F0302020204030204" pitchFamily="34" charset="0"/>
-              </a:rPr>
-              <a:t>, </a:t>
-            </a:r>
-            <a:r>
-              <a:rPr lang="fr-FR" sz="1200" dirty="0" err="1" smtClean="0">
-                <a:latin typeface="Calibri Light" panose="020F0302020204030204" pitchFamily="34" charset="0"/>
-                <a:cs typeface="Calibri Light" panose="020F0302020204030204" pitchFamily="34" charset="0"/>
-              </a:rPr>
-              <a:t>Spring</a:t>
-            </a:r>
-            <a:r>
-              <a:rPr lang="fr-FR" sz="1200" dirty="0" smtClean="0">
-                <a:latin typeface="Calibri Light" panose="020F0302020204030204" pitchFamily="34" charset="0"/>
-                <a:cs typeface="Calibri Light" panose="020F0302020204030204" pitchFamily="34" charset="0"/>
-              </a:rPr>
-              <a:t> Framework, </a:t>
-            </a:r>
-            <a:r>
-              <a:rPr lang="fr-FR" sz="1200" dirty="0" err="1" smtClean="0">
-                <a:latin typeface="Calibri Light" panose="020F0302020204030204" pitchFamily="34" charset="0"/>
-                <a:cs typeface="Calibri Light" panose="020F0302020204030204" pitchFamily="34" charset="0"/>
-              </a:rPr>
-              <a:t>Jmeter</a:t>
-            </a:r>
-            <a:r>
-              <a:rPr lang="fr-FR" sz="1200" dirty="0" smtClean="0">
-                <a:latin typeface="Calibri Light" panose="020F0302020204030204" pitchFamily="34" charset="0"/>
-                <a:cs typeface="Calibri Light" panose="020F0302020204030204" pitchFamily="34" charset="0"/>
-              </a:rPr>
-              <a:t>, </a:t>
-            </a:r>
-            <a:r>
-              <a:rPr lang="fr-FR" sz="1200" dirty="0" err="1" smtClean="0">
-                <a:latin typeface="Calibri Light" panose="020F0302020204030204" pitchFamily="34" charset="0"/>
-                <a:cs typeface="Calibri Light" panose="020F0302020204030204" pitchFamily="34" charset="0"/>
-              </a:rPr>
-              <a:t>Appdynamics</a:t>
-            </a:r>
-            <a:r>
-              <a:rPr lang="fr-FR" sz="1200" dirty="0" smtClean="0">
-                <a:latin typeface="Calibri Light" panose="020F0302020204030204" pitchFamily="34" charset="0"/>
-                <a:cs typeface="Calibri Light" panose="020F0302020204030204" pitchFamily="34" charset="0"/>
-              </a:rPr>
-              <a:t>, CA </a:t>
-            </a:r>
-            <a:r>
-              <a:rPr lang="fr-FR" sz="1200" dirty="0" err="1" smtClean="0">
-                <a:latin typeface="Calibri Light" panose="020F0302020204030204" pitchFamily="34" charset="0"/>
-                <a:cs typeface="Calibri Light" panose="020F0302020204030204" pitchFamily="34" charset="0"/>
-              </a:rPr>
-              <a:t>Introscope</a:t>
-            </a:r>
-            <a:r>
-              <a:rPr lang="fr-FR" sz="1200" dirty="0" smtClean="0">
-                <a:latin typeface="Calibri Light" panose="020F0302020204030204" pitchFamily="34" charset="0"/>
-                <a:cs typeface="Calibri Light" panose="020F0302020204030204" pitchFamily="34" charset="0"/>
-              </a:rPr>
-              <a:t>, </a:t>
-            </a:r>
-            <a:r>
-              <a:rPr lang="fr-FR" sz="1200" dirty="0" err="1" smtClean="0">
-                <a:latin typeface="Calibri Light" panose="020F0302020204030204" pitchFamily="34" charset="0"/>
-                <a:cs typeface="Calibri Light" panose="020F0302020204030204" pitchFamily="34" charset="0"/>
-              </a:rPr>
-              <a:t>Grafana</a:t>
-            </a:r>
-            <a:r>
-              <a:rPr lang="fr-FR" sz="1200" dirty="0" smtClean="0">
-                <a:latin typeface="Calibri Light" panose="020F0302020204030204" pitchFamily="34" charset="0"/>
-                <a:cs typeface="Calibri Light" panose="020F0302020204030204" pitchFamily="34" charset="0"/>
-              </a:rPr>
-              <a:t>, </a:t>
-            </a:r>
-            <a:r>
-              <a:rPr lang="fr-FR" sz="1200" dirty="0" err="1" smtClean="0">
-                <a:latin typeface="Calibri Light" panose="020F0302020204030204" pitchFamily="34" charset="0"/>
-                <a:cs typeface="Calibri Light" panose="020F0302020204030204" pitchFamily="34" charset="0"/>
-              </a:rPr>
-              <a:t>Telegraf</a:t>
-            </a:r>
-            <a:r>
-              <a:rPr lang="fr-FR" sz="1200" dirty="0" smtClean="0">
-                <a:latin typeface="Calibri Light" panose="020F0302020204030204" pitchFamily="34" charset="0"/>
-                <a:cs typeface="Calibri Light" panose="020F0302020204030204" pitchFamily="34" charset="0"/>
-              </a:rPr>
-              <a:t>, </a:t>
-            </a:r>
-            <a:r>
-              <a:rPr lang="fr-FR" sz="1200" dirty="0" err="1" smtClean="0">
-                <a:latin typeface="Calibri Light" panose="020F0302020204030204" pitchFamily="34" charset="0"/>
-                <a:cs typeface="Calibri Light" panose="020F0302020204030204" pitchFamily="34" charset="0"/>
-              </a:rPr>
-              <a:t>Collectd</a:t>
-            </a:r>
-            <a:r>
-              <a:rPr lang="fr-FR" sz="1200" dirty="0" smtClean="0">
-                <a:latin typeface="Calibri Light" panose="020F0302020204030204" pitchFamily="34" charset="0"/>
-                <a:cs typeface="Calibri Light" panose="020F0302020204030204" pitchFamily="34" charset="0"/>
-              </a:rPr>
-              <a:t>, Oracle DB, PostgreSQL, Cassandra, </a:t>
-            </a:r>
-            <a:r>
-              <a:rPr lang="fr-FR" sz="1200" dirty="0" err="1" smtClean="0">
-                <a:latin typeface="Calibri Light" panose="020F0302020204030204" pitchFamily="34" charset="0"/>
-                <a:cs typeface="Calibri Light" panose="020F0302020204030204" pitchFamily="34" charset="0"/>
-              </a:rPr>
-              <a:t>Jira</a:t>
-            </a:r>
-            <a:r>
-              <a:rPr lang="fr-FR" sz="1200" dirty="0" smtClean="0">
-                <a:latin typeface="Calibri Light" panose="020F0302020204030204" pitchFamily="34" charset="0"/>
-                <a:cs typeface="Calibri Light" panose="020F0302020204030204" pitchFamily="34" charset="0"/>
-              </a:rPr>
-              <a:t>, Confluence</a:t>
-            </a:r>
-            <a:endParaRPr lang="fr-FR" sz="1200" dirty="0">
-              <a:latin typeface="Calibri Light" panose="020F0302020204030204" pitchFamily="34" charset="0"/>
-              <a:cs typeface="Calibri Light" panose="020F0302020204030204" pitchFamily="34" charset="0"/>
-            </a:endParaRPr>
-          </a:p>
-        </p:txBody>
-      </p:sp>
-      <p:sp>
-        <p:nvSpPr>
-          <p:cNvPr id="47" name="Ellipse 46"/>
-          <p:cNvSpPr/>
-          <p:nvPr/>
-        </p:nvSpPr>
-        <p:spPr>
-          <a:xfrm>
-            <a:off x="3989069" y="7310647"/>
-            <a:ext cx="152400" cy="150400"/>
-          </a:xfrm>
-          <a:prstGeom prst="ellipse">
-            <a:avLst/>
-          </a:prstGeom>
-          <a:solidFill>
-            <a:schemeClr val="tx1"/>
-          </a:solidFill>
-          <a:ln>
-            <a:solidFill>
-              <a:schemeClr val="tx1"/>
-            </a:solidFill>
-          </a:ln>
-        </p:spPr>
-        <p:style>
-          <a:lnRef idx="2">
-            <a:schemeClr val="accent1">
-              <a:shade val="50000"/>
-            </a:schemeClr>
-          </a:lnRef>
-          <a:fillRef idx="1">
-            <a:schemeClr val="accent1"/>
-          </a:fillRef>
-          <a:effectRef idx="0">
-            <a:schemeClr val="accent1"/>
-          </a:effectRef>
-          <a:fontRef idx="minor">
-            <a:schemeClr val="lt1"/>
-          </a:fontRef>
-        </p:style>
-        <p:txBody>
-          <a:bodyPr rtlCol="0" anchor="ctr"/>
-          <a:lstStyle/>
-          <a:p>
-            <a:pPr algn="ctr"/>
-            <a:endParaRPr lang="fr-FR"/>
-          </a:p>
-        </p:txBody>
-      </p:sp>
-      <p:sp>
-        <p:nvSpPr>
-          <p:cNvPr id="48" name="ZoneTexte 47"/>
+              <a:t>, Jira</a:t>
+            </a:r>
+          </a:p>
+        </p:txBody>
+      </p:sp>
+      <p:sp>
+        <p:nvSpPr>
+          <p:cNvPr id="52" name="ZoneTexte 51"/>
           <p:cNvSpPr txBox="1"/>
           <p:nvPr/>
         </p:nvSpPr>
         <p:spPr>
           <a:xfrm>
-            <a:off x="3016249" y="7228138"/>
-            <a:ext cx="946786" cy="415498"/>
+            <a:off x="2940050" y="4033679"/>
+            <a:ext cx="1041887" cy="246221"/>
           </a:xfrm>
           <a:prstGeom prst="rect">
             <a:avLst/>
@@ -5369,448 +5105,11 @@
           <a:p>
             <a:pPr algn="r"/>
             <a:r>
-              <a:rPr lang="fr-FR" sz="1050" dirty="0" smtClean="0">
-                <a:latin typeface="Century Gothic" panose="020B0502020202020204" pitchFamily="34" charset="0"/>
-              </a:rPr>
-              <a:t>Mars 2015 – </a:t>
-            </a:r>
-            <a:r>
-              <a:rPr lang="fr-FR" sz="1050" dirty="0" err="1" smtClean="0">
-                <a:latin typeface="Century Gothic" panose="020B0502020202020204" pitchFamily="34" charset="0"/>
-              </a:rPr>
-              <a:t>Nov</a:t>
-            </a:r>
-            <a:r>
-              <a:rPr lang="fr-FR" sz="1050" dirty="0" smtClean="0">
-                <a:latin typeface="Century Gothic" panose="020B0502020202020204" pitchFamily="34" charset="0"/>
-              </a:rPr>
-              <a:t> 2019</a:t>
-            </a:r>
-            <a:endParaRPr lang="fr-FR" sz="1050" dirty="0">
-              <a:latin typeface="Century Gothic" panose="020B0502020202020204" pitchFamily="34" charset="0"/>
-            </a:endParaRPr>
-          </a:p>
-        </p:txBody>
-      </p:sp>
-      <p:sp>
-        <p:nvSpPr>
-          <p:cNvPr id="49" name="ZoneTexte 48"/>
-          <p:cNvSpPr txBox="1"/>
-          <p:nvPr/>
-        </p:nvSpPr>
-        <p:spPr>
-          <a:xfrm>
-            <a:off x="4135119" y="7240703"/>
-            <a:ext cx="2971800" cy="276999"/>
-          </a:xfrm>
-          <a:prstGeom prst="rect">
-            <a:avLst/>
-          </a:prstGeom>
-          <a:noFill/>
-        </p:spPr>
-        <p:txBody>
-          <a:bodyPr wrap="square" rtlCol="0">
-            <a:spAutoFit/>
-          </a:bodyPr>
-          <a:lstStyle/>
-          <a:p>
-            <a:r>
-              <a:rPr lang="fr-FR" sz="1200" dirty="0" smtClean="0">
-                <a:latin typeface="Bahnschrift SemiBold" panose="020B0502040204020203" pitchFamily="34" charset="0"/>
-              </a:rPr>
-              <a:t>Responsable Applications Métier</a:t>
-            </a:r>
-            <a:endParaRPr lang="fr-FR" sz="1200" dirty="0">
-              <a:latin typeface="Bahnschrift SemiBold" panose="020B0502040204020203" pitchFamily="34" charset="0"/>
-            </a:endParaRPr>
-          </a:p>
-        </p:txBody>
-      </p:sp>
-      <p:sp>
-        <p:nvSpPr>
-          <p:cNvPr id="50" name="ZoneTexte 49"/>
-          <p:cNvSpPr txBox="1"/>
-          <p:nvPr/>
-        </p:nvSpPr>
-        <p:spPr>
-          <a:xfrm>
-            <a:off x="4159248" y="7426379"/>
-            <a:ext cx="3200401" cy="461665"/>
-          </a:xfrm>
-          <a:prstGeom prst="rect">
-            <a:avLst/>
-          </a:prstGeom>
-          <a:noFill/>
-        </p:spPr>
-        <p:txBody>
-          <a:bodyPr wrap="square" rtlCol="0">
-            <a:spAutoFit/>
-          </a:bodyPr>
-          <a:lstStyle/>
-          <a:p>
-            <a:r>
-              <a:rPr lang="fr-FR" sz="1200" dirty="0" smtClean="0">
-                <a:latin typeface="Arial Black" panose="020B0A04020102020204" pitchFamily="34" charset="0"/>
-              </a:rPr>
-              <a:t>Logistique Pétrolière S.A</a:t>
-            </a:r>
-            <a:r>
-              <a:rPr lang="fr-FR" sz="1200" dirty="0" smtClean="0">
-                <a:latin typeface="Bahnschrift SemiBold" panose="020B0502040204020203" pitchFamily="34" charset="0"/>
-              </a:rPr>
-              <a:t> </a:t>
-            </a:r>
-            <a:r>
-              <a:rPr lang="fr-FR" sz="1200" dirty="0" smtClean="0"/>
-              <a:t> </a:t>
-            </a:r>
-            <a:r>
-              <a:rPr lang="fr-FR" sz="1200" b="1" dirty="0" smtClean="0"/>
-              <a:t>Antananarivo, MADAGASCAR</a:t>
-            </a:r>
-            <a:endParaRPr lang="fr-FR" sz="1200" b="1" dirty="0"/>
-          </a:p>
-        </p:txBody>
-      </p:sp>
-      <p:sp>
-        <p:nvSpPr>
-          <p:cNvPr id="51" name="ZoneTexte 50"/>
-          <p:cNvSpPr txBox="1"/>
-          <p:nvPr/>
-        </p:nvSpPr>
-        <p:spPr>
-          <a:xfrm>
-            <a:off x="4141470" y="7697500"/>
-            <a:ext cx="3294380" cy="2754600"/>
-          </a:xfrm>
-          <a:prstGeom prst="rect">
-            <a:avLst/>
-          </a:prstGeom>
-          <a:noFill/>
-        </p:spPr>
-        <p:txBody>
-          <a:bodyPr wrap="square" rtlCol="0">
-            <a:spAutoFit/>
-          </a:bodyPr>
-          <a:lstStyle/>
-          <a:p>
-            <a:endParaRPr lang="fr-FR" sz="1200" dirty="0" smtClean="0">
-              <a:latin typeface="Calibri Light" panose="020F0302020204030204" pitchFamily="34" charset="0"/>
-              <a:cs typeface="Calibri Light" panose="020F0302020204030204" pitchFamily="34" charset="0"/>
-            </a:endParaRPr>
-          </a:p>
-          <a:p>
-            <a:r>
-              <a:rPr lang="fr-FR" sz="1200" dirty="0" smtClean="0">
-                <a:latin typeface="Calibri Light" panose="020F0302020204030204" pitchFamily="34" charset="0"/>
-                <a:cs typeface="Calibri Light" panose="020F0302020204030204" pitchFamily="34" charset="0"/>
-              </a:rPr>
-              <a:t>Responsable de tout le parc applicatif de l’entreprise et backup du IT Manager. </a:t>
-            </a:r>
-          </a:p>
-          <a:p>
-            <a:pPr marL="171450" indent="-171450">
-              <a:buFont typeface="Arial" panose="020B0604020202020204" pitchFamily="34" charset="0"/>
-              <a:buChar char="•"/>
-            </a:pPr>
-            <a:r>
-              <a:rPr lang="fr-FR" sz="1200" dirty="0" smtClean="0">
-                <a:latin typeface="Calibri Light" panose="020F0302020204030204" pitchFamily="34" charset="0"/>
-                <a:cs typeface="Calibri Light" panose="020F0302020204030204" pitchFamily="34" charset="0"/>
-              </a:rPr>
-              <a:t>Coordination des échanges entre les acteurs </a:t>
-            </a:r>
-            <a:r>
-              <a:rPr lang="fr-FR" sz="1200" dirty="0" smtClean="0">
-                <a:latin typeface="Calibri Light" panose="020F0302020204030204" pitchFamily="34" charset="0"/>
-                <a:cs typeface="Calibri Light" panose="020F0302020204030204" pitchFamily="34" charset="0"/>
-              </a:rPr>
-              <a:t>internes </a:t>
-            </a:r>
-            <a:r>
-              <a:rPr lang="fr-FR" sz="1200" dirty="0" smtClean="0">
-                <a:latin typeface="Calibri Light" panose="020F0302020204030204" pitchFamily="34" charset="0"/>
-                <a:cs typeface="Calibri Light" panose="020F0302020204030204" pitchFamily="34" charset="0"/>
-              </a:rPr>
-              <a:t>et les prestataires externes</a:t>
-            </a:r>
-          </a:p>
-          <a:p>
-            <a:pPr marL="171450" indent="-171450">
-              <a:buFont typeface="Arial" panose="020B0604020202020204" pitchFamily="34" charset="0"/>
-              <a:buChar char="•"/>
-            </a:pPr>
-            <a:r>
-              <a:rPr lang="fr-FR" sz="1200" dirty="0" smtClean="0">
-                <a:latin typeface="Calibri Light" panose="020F0302020204030204" pitchFamily="34" charset="0"/>
-                <a:cs typeface="Calibri Light" panose="020F0302020204030204" pitchFamily="34" charset="0"/>
-              </a:rPr>
-              <a:t>Prend en charge certains sujets techniques </a:t>
-            </a:r>
-            <a:r>
-              <a:rPr lang="fr-FR" sz="1200" dirty="0" smtClean="0">
-                <a:latin typeface="Calibri Light" panose="020F0302020204030204" pitchFamily="34" charset="0"/>
-                <a:cs typeface="Calibri Light" panose="020F0302020204030204" pitchFamily="34" charset="0"/>
-              </a:rPr>
-              <a:t>d’évolutions </a:t>
-            </a:r>
-            <a:r>
-              <a:rPr lang="fr-FR" sz="1200" dirty="0" smtClean="0">
-                <a:latin typeface="Calibri Light" panose="020F0302020204030204" pitchFamily="34" charset="0"/>
-                <a:cs typeface="Calibri Light" panose="020F0302020204030204" pitchFamily="34" charset="0"/>
-              </a:rPr>
-              <a:t>et de </a:t>
-            </a:r>
-            <a:r>
-              <a:rPr lang="fr-FR" sz="1200" dirty="0" smtClean="0">
-                <a:latin typeface="Calibri Light" panose="020F0302020204030204" pitchFamily="34" charset="0"/>
-                <a:cs typeface="Calibri Light" panose="020F0302020204030204" pitchFamily="34" charset="0"/>
-              </a:rPr>
-              <a:t>traitements </a:t>
-            </a:r>
-            <a:r>
-              <a:rPr lang="fr-FR" sz="1200" dirty="0" smtClean="0">
-                <a:latin typeface="Calibri Light" panose="020F0302020204030204" pitchFamily="34" charset="0"/>
-                <a:cs typeface="Calibri Light" panose="020F0302020204030204" pitchFamily="34" charset="0"/>
-              </a:rPr>
-              <a:t>d’incidents</a:t>
-            </a:r>
-          </a:p>
-          <a:p>
-            <a:pPr marL="171450" indent="-171450">
-              <a:buFont typeface="Arial" panose="020B0604020202020204" pitchFamily="34" charset="0"/>
-              <a:buChar char="•"/>
-            </a:pPr>
-            <a:r>
-              <a:rPr lang="fr-FR" sz="1200" dirty="0" smtClean="0">
-                <a:latin typeface="Calibri Light" panose="020F0302020204030204" pitchFamily="34" charset="0"/>
-                <a:cs typeface="Calibri Light" panose="020F0302020204030204" pitchFamily="34" charset="0"/>
-              </a:rPr>
-              <a:t>Organisation </a:t>
-            </a:r>
-            <a:r>
-              <a:rPr lang="fr-FR" sz="1200" dirty="0" smtClean="0">
-                <a:latin typeface="Calibri Light" panose="020F0302020204030204" pitchFamily="34" charset="0"/>
-                <a:cs typeface="Calibri Light" panose="020F0302020204030204" pitchFamily="34" charset="0"/>
-              </a:rPr>
-              <a:t>et </a:t>
-            </a:r>
-            <a:r>
-              <a:rPr lang="fr-FR" sz="1200" dirty="0" smtClean="0">
-                <a:latin typeface="Calibri Light" panose="020F0302020204030204" pitchFamily="34" charset="0"/>
-                <a:cs typeface="Calibri Light" panose="020F0302020204030204" pitchFamily="34" charset="0"/>
-              </a:rPr>
-              <a:t>exécution </a:t>
-            </a:r>
-            <a:r>
-              <a:rPr lang="fr-FR" sz="1200" dirty="0" smtClean="0">
-                <a:latin typeface="Calibri Light" panose="020F0302020204030204" pitchFamily="34" charset="0"/>
-                <a:cs typeface="Calibri Light" panose="020F0302020204030204" pitchFamily="34" charset="0"/>
-              </a:rPr>
-              <a:t>des gestes d’exploitations (Patch, PRA ..etc..)</a:t>
-            </a:r>
-          </a:p>
-          <a:p>
-            <a:pPr marL="171450" indent="-171450">
-              <a:buFont typeface="Arial" panose="020B0604020202020204" pitchFamily="34" charset="0"/>
-              <a:buChar char="•"/>
-            </a:pPr>
-            <a:r>
-              <a:rPr lang="fr-FR" sz="1200" dirty="0" smtClean="0">
-                <a:latin typeface="Calibri Light" panose="020F0302020204030204" pitchFamily="34" charset="0"/>
-                <a:cs typeface="Calibri Light" panose="020F0302020204030204" pitchFamily="34" charset="0"/>
-              </a:rPr>
-              <a:t>Garant de la sécurité applicative (</a:t>
-            </a:r>
-            <a:r>
-              <a:rPr lang="fr-FR" sz="1200" dirty="0" err="1" smtClean="0">
-                <a:latin typeface="Calibri Light" panose="020F0302020204030204" pitchFamily="34" charset="0"/>
-                <a:cs typeface="Calibri Light" panose="020F0302020204030204" pitchFamily="34" charset="0"/>
-              </a:rPr>
-              <a:t>SoD</a:t>
-            </a:r>
-            <a:r>
-              <a:rPr lang="fr-FR" sz="1200" dirty="0" smtClean="0">
-                <a:latin typeface="Calibri Light" panose="020F0302020204030204" pitchFamily="34" charset="0"/>
-                <a:cs typeface="Calibri Light" panose="020F0302020204030204" pitchFamily="34" charset="0"/>
-              </a:rPr>
-              <a:t> Matrix)</a:t>
-            </a:r>
-          </a:p>
-          <a:p>
-            <a:pPr marL="171450" indent="-171450">
-              <a:buFont typeface="Arial" panose="020B0604020202020204" pitchFamily="34" charset="0"/>
-              <a:buChar char="•"/>
-            </a:pPr>
-            <a:r>
-              <a:rPr lang="fr-FR" sz="1200" dirty="0" smtClean="0">
-                <a:latin typeface="Calibri Light" panose="020F0302020204030204" pitchFamily="34" charset="0"/>
-                <a:cs typeface="Calibri Light" panose="020F0302020204030204" pitchFamily="34" charset="0"/>
-              </a:rPr>
-              <a:t>Prévision des CAPEX et OPEX des applications</a:t>
-            </a:r>
-            <a:endParaRPr lang="fr-FR" sz="1200" dirty="0">
-              <a:latin typeface="Calibri Light" panose="020F0302020204030204" pitchFamily="34" charset="0"/>
-              <a:cs typeface="Calibri Light" panose="020F0302020204030204" pitchFamily="34" charset="0"/>
-            </a:endParaRPr>
-          </a:p>
-          <a:p>
-            <a:endParaRPr lang="fr-FR" sz="500" dirty="0" smtClean="0">
-              <a:latin typeface="Calibri Light" panose="020F0302020204030204" pitchFamily="34" charset="0"/>
-              <a:cs typeface="Calibri Light" panose="020F0302020204030204" pitchFamily="34" charset="0"/>
-            </a:endParaRPr>
-          </a:p>
-          <a:p>
-            <a:r>
-              <a:rPr lang="fr-FR" sz="1200" dirty="0" smtClean="0">
-                <a:latin typeface="Berlin Sans FB Demi" panose="020E0802020502020306" pitchFamily="34" charset="0"/>
-                <a:cs typeface="Calibri Light" panose="020F0302020204030204" pitchFamily="34" charset="0"/>
-              </a:rPr>
-              <a:t>Techno et Outils : </a:t>
-            </a:r>
-            <a:r>
-              <a:rPr lang="fr-FR" sz="1200" dirty="0" smtClean="0">
-                <a:latin typeface="Calibri Light" panose="020F0302020204030204" pitchFamily="34" charset="0"/>
-                <a:cs typeface="Calibri Light" panose="020F0302020204030204" pitchFamily="34" charset="0"/>
-              </a:rPr>
-              <a:t>Debian, Windows Server, </a:t>
-            </a:r>
-            <a:r>
-              <a:rPr lang="fr-FR" sz="1200" dirty="0" err="1" smtClean="0">
-                <a:latin typeface="Calibri Light" panose="020F0302020204030204" pitchFamily="34" charset="0"/>
-                <a:cs typeface="Calibri Light" panose="020F0302020204030204" pitchFamily="34" charset="0"/>
-              </a:rPr>
-              <a:t>VMWare</a:t>
-            </a:r>
-            <a:r>
-              <a:rPr lang="fr-FR" sz="1200" dirty="0" smtClean="0">
-                <a:latin typeface="Calibri Light" panose="020F0302020204030204" pitchFamily="34" charset="0"/>
-                <a:cs typeface="Calibri Light" panose="020F0302020204030204" pitchFamily="34" charset="0"/>
-              </a:rPr>
-              <a:t> ESX, Oracle JD Edwards, </a:t>
-            </a:r>
-            <a:r>
-              <a:rPr lang="fr-FR" sz="1200" dirty="0" err="1" smtClean="0">
-                <a:latin typeface="Calibri Light" panose="020F0302020204030204" pitchFamily="34" charset="0"/>
-                <a:cs typeface="Calibri Light" panose="020F0302020204030204" pitchFamily="34" charset="0"/>
-              </a:rPr>
-              <a:t>Weblogic</a:t>
-            </a:r>
-            <a:r>
-              <a:rPr lang="fr-FR" sz="1200" dirty="0" smtClean="0">
-                <a:latin typeface="Calibri Light" panose="020F0302020204030204" pitchFamily="34" charset="0"/>
-                <a:cs typeface="Calibri Light" panose="020F0302020204030204" pitchFamily="34" charset="0"/>
-              </a:rPr>
-              <a:t>, Java EE, </a:t>
-            </a:r>
-            <a:r>
-              <a:rPr lang="fr-FR" sz="1200" dirty="0" err="1" smtClean="0">
-                <a:latin typeface="Calibri Light" panose="020F0302020204030204" pitchFamily="34" charset="0"/>
-                <a:cs typeface="Calibri Light" panose="020F0302020204030204" pitchFamily="34" charset="0"/>
-              </a:rPr>
-              <a:t>Junit</a:t>
-            </a:r>
-            <a:r>
-              <a:rPr lang="fr-FR" sz="1200" dirty="0" smtClean="0">
-                <a:latin typeface="Calibri Light" panose="020F0302020204030204" pitchFamily="34" charset="0"/>
-                <a:cs typeface="Calibri Light" panose="020F0302020204030204" pitchFamily="34" charset="0"/>
-              </a:rPr>
-              <a:t>, </a:t>
-            </a:r>
-            <a:r>
-              <a:rPr lang="fr-FR" sz="1200" dirty="0" err="1" smtClean="0">
-                <a:latin typeface="Calibri Light" panose="020F0302020204030204" pitchFamily="34" charset="0"/>
-                <a:cs typeface="Calibri Light" panose="020F0302020204030204" pitchFamily="34" charset="0"/>
-              </a:rPr>
-              <a:t>Solarwinds</a:t>
-            </a:r>
-            <a:r>
-              <a:rPr lang="fr-FR" sz="1200" dirty="0" smtClean="0">
-                <a:latin typeface="Calibri Light" panose="020F0302020204030204" pitchFamily="34" charset="0"/>
-                <a:cs typeface="Calibri Light" panose="020F0302020204030204" pitchFamily="34" charset="0"/>
-              </a:rPr>
-              <a:t>, Oracle DB, MySQL</a:t>
-            </a:r>
-            <a:endParaRPr lang="fr-FR" sz="1200" dirty="0">
-              <a:latin typeface="Calibri Light" panose="020F0302020204030204" pitchFamily="34" charset="0"/>
-              <a:cs typeface="Calibri Light" panose="020F0302020204030204" pitchFamily="34" charset="0"/>
-            </a:endParaRPr>
-          </a:p>
-        </p:txBody>
-      </p:sp>
-      <p:sp>
-        <p:nvSpPr>
-          <p:cNvPr id="52" name="ZoneTexte 51"/>
-          <p:cNvSpPr txBox="1"/>
-          <p:nvPr/>
-        </p:nvSpPr>
-        <p:spPr>
-          <a:xfrm>
-            <a:off x="2628498" y="4033679"/>
-            <a:ext cx="1458849" cy="246221"/>
-          </a:xfrm>
-          <a:prstGeom prst="rect">
-            <a:avLst/>
-          </a:prstGeom>
-          <a:noFill/>
-        </p:spPr>
-        <p:txBody>
-          <a:bodyPr wrap="square" rtlCol="0">
-            <a:spAutoFit/>
-          </a:bodyPr>
-          <a:lstStyle/>
-          <a:p>
-            <a:pPr algn="r"/>
-            <a:r>
               <a:rPr lang="fr-FR" sz="1000" b="1" i="1" dirty="0">
                 <a:latin typeface="Century Gothic" panose="020B0502020202020204" pitchFamily="34" charset="0"/>
               </a:rPr>
-              <a:t>(</a:t>
-            </a:r>
-            <a:r>
-              <a:rPr lang="fr-FR" sz="1000" b="1" i="1" dirty="0" smtClean="0">
-                <a:latin typeface="Century Gothic" panose="020B0502020202020204" pitchFamily="34" charset="0"/>
-              </a:rPr>
-              <a:t>1an et 8 mois)</a:t>
-            </a:r>
-            <a:endParaRPr lang="fr-FR" sz="1000" b="1" i="1" dirty="0">
-              <a:latin typeface="Century Gothic" panose="020B0502020202020204" pitchFamily="34" charset="0"/>
-            </a:endParaRPr>
-          </a:p>
-        </p:txBody>
-      </p:sp>
-      <p:sp>
-        <p:nvSpPr>
-          <p:cNvPr id="53" name="ZoneTexte 52"/>
-          <p:cNvSpPr txBox="1"/>
-          <p:nvPr/>
-        </p:nvSpPr>
-        <p:spPr>
-          <a:xfrm>
-            <a:off x="2635250" y="7615079"/>
-            <a:ext cx="1452097" cy="246221"/>
-          </a:xfrm>
-          <a:prstGeom prst="rect">
-            <a:avLst/>
-          </a:prstGeom>
-          <a:noFill/>
-        </p:spPr>
-        <p:txBody>
-          <a:bodyPr wrap="square" rtlCol="0">
-            <a:spAutoFit/>
-          </a:bodyPr>
-          <a:lstStyle/>
-          <a:p>
-            <a:pPr algn="r"/>
-            <a:r>
-              <a:rPr lang="fr-FR" sz="1000" b="1" i="1" dirty="0" smtClean="0">
-                <a:latin typeface="Century Gothic" panose="020B0502020202020204" pitchFamily="34" charset="0"/>
-              </a:rPr>
-              <a:t>(4 ans et 8 mois)</a:t>
-            </a:r>
-            <a:endParaRPr lang="fr-FR" sz="1000" b="1" i="1" dirty="0">
-              <a:latin typeface="Century Gothic" panose="020B0502020202020204" pitchFamily="34" charset="0"/>
-            </a:endParaRPr>
+              <a:t>(10 mois)</a:t>
+            </a:r>
           </a:p>
         </p:txBody>
       </p:sp>
@@ -5910,28 +5209,23 @@
           <a:lstStyle/>
           <a:p>
             <a:pPr algn="ctr"/>
-            <a:endParaRPr lang="fr-FR" sz="1100" dirty="0" smtClean="0">
-              <a:solidFill>
-                <a:sysClr val="windowText" lastClr="000000"/>
-              </a:solidFill>
-            </a:endParaRPr>
-          </a:p>
-          <a:p>
-            <a:pPr algn="ctr"/>
-            <a:r>
-              <a:rPr lang="fr-FR" sz="1100" dirty="0" smtClean="0">
-                <a:solidFill>
-                  <a:sysClr val="windowText" lastClr="000000"/>
-                </a:solidFill>
-              </a:rPr>
-              <a:t>Page 1/2</a:t>
-            </a:r>
             <a:endParaRPr lang="fr-FR" sz="1100" dirty="0">
               <a:solidFill>
                 <a:sysClr val="windowText" lastClr="000000"/>
               </a:solidFill>
             </a:endParaRPr>
           </a:p>
+          <a:p>
+            <a:pPr algn="ctr"/>
+            <a:r>
+              <a:rPr lang="fr-FR" sz="1100" dirty="0">
+                <a:solidFill>
+                  <a:sysClr val="windowText" lastClr="000000"/>
+                </a:solidFill>
+              </a:rPr>
+              <a:t>Page 1/2</a:t>
+            </a:r>
+          </a:p>
         </p:txBody>
       </p:sp>
       <p:sp>
@@ -5942,8 +5236,8 @@
         </p:nvSpPr>
         <p:spPr>
           <a:xfrm>
-            <a:off x="349250" y="5422900"/>
-            <a:ext cx="2552700" cy="4339650"/>
+            <a:off x="196849" y="5422900"/>
+            <a:ext cx="2696209" cy="3970318"/>
           </a:xfrm>
           <a:prstGeom prst="rect">
             <a:avLst/>
@@ -5961,26 +5255,14 @@
               <a:buChar char="•"/>
             </a:pPr>
             <a:r>
-              <a:rPr lang="fr-FR" sz="1200" dirty="0" smtClean="0">
+              <a:rPr lang="fr-FR" sz="1200" dirty="0">
                 <a:latin typeface="Arial Rounded MT Bold" panose="020F0704030504030204" pitchFamily="34" charset="0"/>
               </a:rPr>
               <a:t>Programmatio</a:t>
             </a:r>
             <a:r>
-              <a:rPr lang="fr-FR" sz="1200" dirty="0" smtClean="0"/>
-              <a:t>ns: </a:t>
-            </a:r>
-            <a:r>
-              <a:rPr lang="fr-FR" sz="1200" dirty="0" smtClean="0"/>
-              <a:t>C, Java</a:t>
-            </a:r>
-            <a:r>
               <a:rPr lang="fr-FR" sz="1200" dirty="0"/>
-              <a:t>, Shell Scripting, </a:t>
-            </a:r>
-            <a:r>
-              <a:rPr lang="fr-FR" sz="1200" dirty="0" smtClean="0"/>
-              <a:t>Python</a:t>
+              <a:t>ns: C, Java, Shell Scripting, Python</a:t>
             </a:r>
           </a:p>
           <a:p>
@@ -5996,13 +5278,13 @@
             </a:r>
             <a:r>
               <a:rPr lang="fr-FR" sz="1200" dirty="0"/>
-              <a:t> : </a:t>
-            </a:r>
-            <a:r>
-              <a:rPr lang="fr-FR" sz="1200" dirty="0" err="1" smtClean="0"/>
+              <a:t> : Git, </a:t>
+            </a:r>
+            <a:r>
+              <a:rPr lang="fr-FR" sz="1200" dirty="0" err="1"/>
               <a:t>GitLab</a:t>
             </a:r>
-            <a:endParaRPr lang="fr-FR" sz="1200" dirty="0" smtClean="0"/>
+            <a:endParaRPr lang="fr-FR" sz="1200" dirty="0"/>
           </a:p>
           <a:p>
             <a:pPr marL="171450" indent="-171450">
@@ -6010,21 +5292,21 @@
               <a:buChar char="•"/>
             </a:pPr>
             <a:r>
-              <a:rPr lang="fr-FR" sz="1200" dirty="0" err="1" smtClean="0">
+              <a:rPr lang="fr-FR" sz="1200" dirty="0" err="1">
                 <a:latin typeface="Arial Rounded MT Bold" panose="020F0704030504030204" pitchFamily="34" charset="0"/>
               </a:rPr>
               <a:t>Frameworks</a:t>
             </a:r>
             <a:r>
-              <a:rPr lang="fr-FR" sz="1200" dirty="0" smtClean="0"/>
+              <a:rPr lang="fr-FR" sz="1200" dirty="0"/>
               <a:t>: Java EE, </a:t>
             </a:r>
             <a:r>
-              <a:rPr lang="fr-FR" sz="1200" dirty="0" err="1" smtClean="0"/>
+              <a:rPr lang="fr-FR" sz="1200" dirty="0" err="1"/>
               <a:t>Spring</a:t>
             </a:r>
             <a:r>
-              <a:rPr lang="fr-FR" sz="1200" dirty="0" smtClean="0"/>
+              <a:rPr lang="fr-FR" sz="1200" dirty="0"/>
               <a:t>, GWT</a:t>
             </a:r>
           </a:p>
@@ -6034,13 +5316,13 @@
               <a:buChar char="•"/>
             </a:pPr>
             <a:r>
-              <a:rPr lang="fr-FR" sz="1200" dirty="0" smtClean="0">
+              <a:rPr lang="fr-FR" sz="1200" dirty="0">
                 <a:latin typeface="Arial Rounded MT Bold" panose="020F0704030504030204" pitchFamily="34" charset="0"/>
               </a:rPr>
               <a:t>Echange</a:t>
             </a:r>
             <a:r>
-              <a:rPr lang="fr-FR" sz="1200" dirty="0" smtClean="0"/>
+              <a:rPr lang="fr-FR" sz="1200" dirty="0"/>
               <a:t>: JMS, Kafka, Active MQ</a:t>
             </a:r>
           </a:p>
@@ -6050,36 +5332,36 @@
               <a:buChar char="•"/>
             </a:pPr>
             <a:r>
-              <a:rPr lang="fr-FR" sz="1200" dirty="0" smtClean="0">
+              <a:rPr lang="fr-FR" sz="1200" dirty="0">
                 <a:latin typeface="Arial Rounded MT Bold" panose="020F0704030504030204" pitchFamily="34" charset="0"/>
               </a:rPr>
               <a:t>Serveur d’application </a:t>
             </a:r>
             <a:r>
-              <a:rPr lang="fr-FR" sz="1200" dirty="0" smtClean="0"/>
+              <a:rPr lang="fr-FR" sz="1200" dirty="0"/>
               <a:t>: </a:t>
             </a:r>
             <a:r>
-              <a:rPr lang="fr-FR" sz="1200" dirty="0" err="1" smtClean="0"/>
+              <a:rPr lang="fr-FR" sz="1200" dirty="0" err="1"/>
               <a:t>Weblogic</a:t>
             </a:r>
             <a:r>
-              <a:rPr lang="fr-FR" sz="1200" dirty="0" smtClean="0"/>
+              <a:rPr lang="fr-FR" sz="1200" dirty="0"/>
               <a:t>, </a:t>
             </a:r>
             <a:r>
-              <a:rPr lang="fr-FR" sz="1200" dirty="0" err="1" smtClean="0"/>
+              <a:rPr lang="fr-FR" sz="1200" dirty="0" err="1"/>
               <a:t>Tomcat</a:t>
             </a:r>
             <a:r>
-              <a:rPr lang="fr-FR" sz="1200" dirty="0" smtClean="0"/>
+              <a:rPr lang="fr-FR" sz="1200" dirty="0"/>
               <a:t>, </a:t>
             </a:r>
             <a:r>
-              <a:rPr lang="fr-FR" sz="1200" dirty="0" err="1" smtClean="0"/>
+              <a:rPr lang="fr-FR" sz="1200" dirty="0" err="1"/>
               <a:t>Glassfish</a:t>
             </a:r>
-            <a:endParaRPr lang="fr-FR" sz="1200" dirty="0" smtClean="0"/>
+            <a:endParaRPr lang="fr-FR" sz="1200" dirty="0"/>
           </a:p>
           <a:p>
             <a:pPr marL="171450" indent="-171450">
@@ -6102,11 +5384,7 @@
             </a:r>
             <a:r>
               <a:rPr lang="fr-FR" sz="1200" dirty="0"/>
-              <a:t>, </a:t>
-            </a:r>
-            <a:r>
-              <a:rPr lang="fr-FR" sz="1200" dirty="0" smtClean="0"/>
-              <a:t>Jenkins</a:t>
+              <a:t>, Jenkins</a:t>
             </a:r>
           </a:p>
           <a:p>
@@ -6115,19 +5393,13 @@
               <a:buChar char="•"/>
             </a:pPr>
             <a:r>
-              <a:rPr lang="fr-FR" sz="1200" dirty="0" smtClean="0">
-                <a:latin typeface="Arial Rounded MT Bold" panose="020F0704030504030204" pitchFamily="34" charset="0"/>
-              </a:rPr>
-              <a:t>Bases </a:t>
-            </a:r>
-            <a:r>
               <a:rPr lang="fr-FR" sz="1200" dirty="0">
                 <a:latin typeface="Arial Rounded MT Bold" panose="020F0704030504030204" pitchFamily="34" charset="0"/>
               </a:rPr>
-              <a:t>de données: </a:t>
-            </a:r>
-            <a:r>
-              <a:rPr lang="fr-FR" sz="1200" dirty="0" smtClean="0"/>
+              <a:t>Bases de données: </a:t>
+            </a:r>
+            <a:r>
+              <a:rPr lang="fr-FR" sz="1200" dirty="0"/>
               <a:t>MySQL, PostgreSQL, Oracle, Cassandra</a:t>
             </a:r>
           </a:p>
@@ -6137,18 +5409,14 @@
               <a:buChar char="•"/>
             </a:pPr>
             <a:r>
-              <a:rPr lang="fr-FR" sz="1200" dirty="0" smtClean="0">
+              <a:rPr lang="fr-FR" sz="1200" dirty="0">
                 <a:latin typeface="Arial Rounded MT Bold" panose="020F0704030504030204" pitchFamily="34" charset="0"/>
               </a:rPr>
               <a:t>Réseaux</a:t>
             </a:r>
             <a:r>
-              <a:rPr lang="fr-FR" sz="1200" dirty="0" smtClean="0"/>
-              <a:t> </a:t>
-            </a:r>
-            <a:r>
               <a:rPr lang="fr-FR" sz="1200" dirty="0"/>
-              <a:t>: </a:t>
+              <a:t> : </a:t>
             </a:r>
             <a:r>
               <a:rPr lang="fr-FR" sz="1200" dirty="0" err="1"/>
@@ -6218,57 +5486,57 @@
               <a:buChar char="•"/>
             </a:pPr>
             <a:r>
-              <a:rPr lang="fr-FR" sz="1200" dirty="0" smtClean="0">
+              <a:rPr lang="fr-FR" sz="1200" dirty="0">
                 <a:latin typeface="Arial Rounded MT Bold" panose="020F0704030504030204" pitchFamily="34" charset="0"/>
               </a:rPr>
               <a:t>Observabilités</a:t>
             </a:r>
             <a:r>
-              <a:rPr lang="fr-FR" sz="1200" dirty="0" smtClean="0"/>
+              <a:rPr lang="fr-FR" sz="1200" dirty="0"/>
               <a:t>: </a:t>
             </a:r>
             <a:r>
-              <a:rPr lang="fr-FR" sz="1200" dirty="0" err="1" smtClean="0"/>
+              <a:rPr lang="fr-FR" sz="1200" dirty="0" err="1"/>
               <a:t>Grafana</a:t>
             </a:r>
             <a:r>
-              <a:rPr lang="fr-FR" sz="1200" dirty="0" smtClean="0"/>
+              <a:rPr lang="fr-FR" sz="1200" dirty="0"/>
               <a:t>, </a:t>
             </a:r>
             <a:r>
-              <a:rPr lang="fr-FR" sz="1200" dirty="0" err="1" smtClean="0"/>
+              <a:rPr lang="fr-FR" sz="1200" dirty="0" err="1"/>
               <a:t>Filebeat</a:t>
             </a:r>
             <a:r>
-              <a:rPr lang="fr-FR" sz="1200" dirty="0" smtClean="0"/>
+              <a:rPr lang="fr-FR" sz="1200" dirty="0"/>
               <a:t>, </a:t>
             </a:r>
             <a:r>
-              <a:rPr lang="fr-FR" sz="1200" dirty="0" err="1" smtClean="0"/>
+              <a:rPr lang="fr-FR" sz="1200" dirty="0" err="1"/>
               <a:t>Telegraf</a:t>
             </a:r>
             <a:r>
-              <a:rPr lang="fr-FR" sz="1200" dirty="0" smtClean="0"/>
+              <a:rPr lang="fr-FR" sz="1200" dirty="0"/>
               <a:t>, </a:t>
             </a:r>
             <a:r>
-              <a:rPr lang="fr-FR" sz="1200" dirty="0" err="1" smtClean="0"/>
+              <a:rPr lang="fr-FR" sz="1200" dirty="0" err="1"/>
               <a:t>Appdynamics</a:t>
             </a:r>
             <a:r>
-              <a:rPr lang="fr-FR" sz="1200" dirty="0" smtClean="0"/>
+              <a:rPr lang="fr-FR" sz="1200" dirty="0"/>
               <a:t>, CA </a:t>
             </a:r>
             <a:r>
-              <a:rPr lang="fr-FR" sz="1200" dirty="0" err="1" smtClean="0"/>
+              <a:rPr lang="fr-FR" sz="1200" dirty="0" err="1"/>
               <a:t>Introscope</a:t>
             </a:r>
             <a:r>
-              <a:rPr lang="fr-FR" sz="1200" dirty="0" smtClean="0"/>
+              <a:rPr lang="fr-FR" sz="1200" dirty="0"/>
               <a:t>, </a:t>
             </a:r>
             <a:r>
-              <a:rPr lang="fr-FR" sz="1200" dirty="0" err="1" smtClean="0"/>
+              <a:rPr lang="fr-FR" sz="1200" dirty="0" err="1"/>
               <a:t>Solarwinds</a:t>
             </a:r>
             <a:endParaRPr lang="fr-FR" sz="1200" dirty="0"/>
@@ -6301,6 +5569,480 @@
               <a:t>Redmine</a:t>
             </a:r>
             <a:endParaRPr lang="fr-FR" sz="1200" dirty="0"/>
+          </a:p>
+        </p:txBody>
+      </p:sp>
+      <p:sp>
+        <p:nvSpPr>
+          <p:cNvPr id="2" name="Ellipse 1">
+            <a:extLst>
+              <a:ext uri="{FF2B5EF4-FFF2-40B4-BE49-F238E27FC236}">
+                <a16:creationId xmlns:a16="http://schemas.microsoft.com/office/drawing/2014/main" id="{1D126BD2-7300-E765-E23C-DFD3E6BB7F9C}"/>
+              </a:ext>
+            </a:extLst>
+          </p:cNvPr>
+          <p:cNvSpPr/>
+          <p:nvPr/>
+        </p:nvSpPr>
+        <p:spPr>
+          <a:xfrm>
+            <a:off x="3995822" y="7301340"/>
+            <a:ext cx="152400" cy="150400"/>
+          </a:xfrm>
+          <a:prstGeom prst="ellipse">
+            <a:avLst/>
+          </a:prstGeom>
+          <a:solidFill>
+            <a:schemeClr val="tx1"/>
+          </a:solidFill>
+          <a:ln>
+            <a:solidFill>
+              <a:schemeClr val="tx1"/>
+            </a:solidFill>
+          </a:ln>
+        </p:spPr>
+        <p:style>
+          <a:lnRef idx="2">
+            <a:schemeClr val="accent1">
+              <a:shade val="50000"/>
+            </a:schemeClr>
+          </a:lnRef>
+          <a:fillRef idx="1">
+            <a:schemeClr val="accent1"/>
+          </a:fillRef>
+          <a:effectRef idx="0">
+            <a:schemeClr val="accent1"/>
+          </a:effectRef>
+          <a:fontRef idx="minor">
+            <a:schemeClr val="lt1"/>
+          </a:fontRef>
+        </p:style>
+        <p:txBody>
+          <a:bodyPr rtlCol="0" anchor="ctr"/>
+          <a:lstStyle/>
+          <a:p>
+            <a:pPr algn="ctr"/>
+            <a:endParaRPr lang="fr-FR"/>
+          </a:p>
+        </p:txBody>
+      </p:sp>
+      <p:sp>
+        <p:nvSpPr>
+          <p:cNvPr id="3" name="ZoneTexte 2">
+            <a:extLst>
+              <a:ext uri="{FF2B5EF4-FFF2-40B4-BE49-F238E27FC236}">
+                <a16:creationId xmlns:a16="http://schemas.microsoft.com/office/drawing/2014/main" id="{DDEF0622-1881-2DDC-3FE9-C5A57EE616FE}"/>
+              </a:ext>
+            </a:extLst>
+          </p:cNvPr>
+          <p:cNvSpPr txBox="1"/>
+          <p:nvPr/>
+        </p:nvSpPr>
+        <p:spPr>
+          <a:xfrm>
+            <a:off x="3023002" y="7218831"/>
+            <a:ext cx="946786" cy="415498"/>
+          </a:xfrm>
+          <a:prstGeom prst="rect">
+            <a:avLst/>
+          </a:prstGeom>
+          <a:noFill/>
+        </p:spPr>
+        <p:txBody>
+          <a:bodyPr wrap="square" rtlCol="0">
+            <a:spAutoFit/>
+          </a:bodyPr>
+          <a:lstStyle/>
+          <a:p>
+            <a:pPr algn="r"/>
+            <a:r>
+              <a:rPr lang="fr-FR" sz="1050" dirty="0">
+                <a:latin typeface="Century Gothic" panose="020B0502020202020204" pitchFamily="34" charset="0"/>
+              </a:rPr>
+              <a:t>Mars 2020 – avril 2022</a:t>
+            </a:r>
+          </a:p>
+        </p:txBody>
+      </p:sp>
+      <p:sp>
+        <p:nvSpPr>
+          <p:cNvPr id="7" name="ZoneTexte 6">
+            <a:extLst>
+              <a:ext uri="{FF2B5EF4-FFF2-40B4-BE49-F238E27FC236}">
+                <a16:creationId xmlns:a16="http://schemas.microsoft.com/office/drawing/2014/main" id="{C87ECFA8-CE02-3397-8B5C-8E44CDCCC1B6}"/>
+              </a:ext>
+            </a:extLst>
+          </p:cNvPr>
+          <p:cNvSpPr txBox="1"/>
+          <p:nvPr/>
+        </p:nvSpPr>
+        <p:spPr>
+          <a:xfrm>
+            <a:off x="4141872" y="7231396"/>
+            <a:ext cx="2971800" cy="276999"/>
+          </a:xfrm>
+          <a:prstGeom prst="rect">
+            <a:avLst/>
+          </a:prstGeom>
+          <a:noFill/>
+        </p:spPr>
+        <p:txBody>
+          <a:bodyPr wrap="square" rtlCol="0">
+            <a:spAutoFit/>
+          </a:bodyPr>
+          <a:lstStyle/>
+          <a:p>
+            <a:r>
+              <a:rPr lang="fr-FR" sz="1200" dirty="0">
+                <a:latin typeface="Bahnschrift SemiBold" panose="020B0502040204020203" pitchFamily="34" charset="0"/>
+              </a:rPr>
+              <a:t>Ingénieur support de production</a:t>
+            </a:r>
+          </a:p>
+        </p:txBody>
+      </p:sp>
+      <p:sp>
+        <p:nvSpPr>
+          <p:cNvPr id="11" name="ZoneTexte 10">
+            <a:extLst>
+              <a:ext uri="{FF2B5EF4-FFF2-40B4-BE49-F238E27FC236}">
+                <a16:creationId xmlns:a16="http://schemas.microsoft.com/office/drawing/2014/main" id="{112F13C1-3DA9-380F-C5CD-9F701BDBD160}"/>
+              </a:ext>
+            </a:extLst>
+          </p:cNvPr>
+          <p:cNvSpPr txBox="1"/>
+          <p:nvPr/>
+        </p:nvSpPr>
+        <p:spPr>
+          <a:xfrm>
+            <a:off x="4166002" y="7417072"/>
+            <a:ext cx="2971800" cy="461665"/>
+          </a:xfrm>
+          <a:prstGeom prst="rect">
+            <a:avLst/>
+          </a:prstGeom>
+          <a:noFill/>
+        </p:spPr>
+        <p:txBody>
+          <a:bodyPr wrap="square" rtlCol="0">
+            <a:spAutoFit/>
+          </a:bodyPr>
+          <a:lstStyle/>
+          <a:p>
+            <a:r>
+              <a:rPr lang="fr-FR" sz="1200" dirty="0" err="1">
+                <a:latin typeface="Arial Black" panose="020B0A04020102020204" pitchFamily="34" charset="0"/>
+              </a:rPr>
+              <a:t>Cooptalis</a:t>
+            </a:r>
+            <a:r>
+              <a:rPr lang="fr-FR" sz="1200" dirty="0">
+                <a:latin typeface="Bahnschrift SemiBold" panose="020B0502040204020203" pitchFamily="34" charset="0"/>
+              </a:rPr>
+              <a:t> </a:t>
+            </a:r>
+            <a:endParaRPr lang="fr-FR" sz="1200" dirty="0"/>
+          </a:p>
+          <a:p>
+            <a:r>
+              <a:rPr lang="fr-FR" sz="1200" b="1" dirty="0"/>
+              <a:t>Lyon, FRANCE</a:t>
+            </a:r>
+          </a:p>
+        </p:txBody>
+      </p:sp>
+      <p:sp>
+        <p:nvSpPr>
+          <p:cNvPr id="15" name="ZoneTexte 14">
+            <a:extLst>
+              <a:ext uri="{FF2B5EF4-FFF2-40B4-BE49-F238E27FC236}">
+                <a16:creationId xmlns:a16="http://schemas.microsoft.com/office/drawing/2014/main" id="{0F831393-35B6-D89D-A4DC-76DAF98AA738}"/>
+              </a:ext>
+            </a:extLst>
+          </p:cNvPr>
+          <p:cNvSpPr txBox="1"/>
+          <p:nvPr/>
+        </p:nvSpPr>
+        <p:spPr>
+          <a:xfrm>
+            <a:off x="4148223" y="7849900"/>
+            <a:ext cx="3294380" cy="2754600"/>
+          </a:xfrm>
+          <a:prstGeom prst="rect">
+            <a:avLst/>
+          </a:prstGeom>
+          <a:noFill/>
+        </p:spPr>
+        <p:txBody>
+          <a:bodyPr wrap="square" rtlCol="0">
+            <a:spAutoFit/>
+          </a:bodyPr>
+          <a:lstStyle/>
+          <a:p>
+            <a:r>
+              <a:rPr lang="fr-FR" sz="1200" dirty="0">
+                <a:latin typeface="Calibri Light" panose="020F0302020204030204" pitchFamily="34" charset="0"/>
+                <a:cs typeface="Calibri Light" panose="020F0302020204030204" pitchFamily="34" charset="0"/>
+              </a:rPr>
+              <a:t>Pour le compte d’un grand acteur français de l’</a:t>
+            </a:r>
+            <a:r>
+              <a:rPr lang="fr-FR" sz="1200" dirty="0" err="1">
+                <a:latin typeface="Calibri Light" panose="020F0302020204030204" pitchFamily="34" charset="0"/>
+                <a:cs typeface="Calibri Light" panose="020F0302020204030204" pitchFamily="34" charset="0"/>
+              </a:rPr>
+              <a:t>energie</a:t>
+            </a:r>
+            <a:r>
+              <a:rPr lang="fr-FR" sz="1200" dirty="0">
+                <a:latin typeface="Calibri Light" panose="020F0302020204030204" pitchFamily="34" charset="0"/>
+                <a:cs typeface="Calibri Light" panose="020F0302020204030204" pitchFamily="34" charset="0"/>
+              </a:rPr>
+              <a:t>, en tant que support technique niveau 3 sur un périmètre d’ applications critiques.</a:t>
+            </a:r>
+          </a:p>
+          <a:p>
+            <a:pPr marL="171450" indent="-171450">
+              <a:buFont typeface="Arial" panose="020B0604020202020204" pitchFamily="34" charset="0"/>
+              <a:buChar char="•"/>
+            </a:pPr>
+            <a:r>
+              <a:rPr lang="fr-FR" sz="1200" dirty="0">
+                <a:latin typeface="Calibri Light" panose="020F0302020204030204" pitchFamily="34" charset="0"/>
+                <a:cs typeface="Calibri Light" panose="020F0302020204030204" pitchFamily="34" charset="0"/>
+              </a:rPr>
+              <a:t>Supervision et MCO des applications</a:t>
+            </a:r>
+          </a:p>
+          <a:p>
+            <a:pPr marL="171450" indent="-171450">
+              <a:buFont typeface="Arial" panose="020B0604020202020204" pitchFamily="34" charset="0"/>
+              <a:buChar char="•"/>
+            </a:pPr>
+            <a:r>
+              <a:rPr lang="fr-FR" sz="1200" dirty="0">
+                <a:latin typeface="Calibri Light" panose="020F0302020204030204" pitchFamily="34" charset="0"/>
+                <a:cs typeface="Calibri Light" panose="020F0302020204030204" pitchFamily="34" charset="0"/>
+              </a:rPr>
+              <a:t>Analyses post-mortem et préconisations</a:t>
+            </a:r>
+          </a:p>
+          <a:p>
+            <a:pPr marL="171450" indent="-171450">
+              <a:buFont typeface="Arial" panose="020B0604020202020204" pitchFamily="34" charset="0"/>
+              <a:buChar char="•"/>
+            </a:pPr>
+            <a:r>
+              <a:rPr lang="fr-FR" sz="1200" dirty="0">
+                <a:latin typeface="Calibri Light" panose="020F0302020204030204" pitchFamily="34" charset="0"/>
+                <a:cs typeface="Calibri Light" panose="020F0302020204030204" pitchFamily="34" charset="0"/>
+              </a:rPr>
+              <a:t>Proactivités sur les problèmes de performances</a:t>
+            </a:r>
+          </a:p>
+          <a:p>
+            <a:pPr marL="171450" indent="-171450">
+              <a:buFont typeface="Arial" panose="020B0604020202020204" pitchFamily="34" charset="0"/>
+              <a:buChar char="•"/>
+            </a:pPr>
+            <a:r>
+              <a:rPr lang="fr-FR" sz="1200" dirty="0">
+                <a:latin typeface="Calibri Light" panose="020F0302020204030204" pitchFamily="34" charset="0"/>
+                <a:cs typeface="Calibri Light" panose="020F0302020204030204" pitchFamily="34" charset="0"/>
+              </a:rPr>
+              <a:t>Support aux déploiements des versions applicatives et aux gestes d’exploitations</a:t>
+            </a:r>
+          </a:p>
+          <a:p>
+            <a:pPr marL="171450" indent="-171450">
+              <a:buFont typeface="Arial" panose="020B0604020202020204" pitchFamily="34" charset="0"/>
+              <a:buChar char="•"/>
+            </a:pPr>
+            <a:r>
+              <a:rPr lang="fr-FR" sz="1200" dirty="0">
+                <a:latin typeface="Calibri Light" panose="020F0302020204030204" pitchFamily="34" charset="0"/>
+                <a:cs typeface="Calibri Light" panose="020F0302020204030204" pitchFamily="34" charset="0"/>
+              </a:rPr>
+              <a:t>Mise en place des observabilités</a:t>
+            </a:r>
+          </a:p>
+          <a:p>
+            <a:pPr marL="171450" indent="-171450">
+              <a:buFont typeface="Arial" panose="020B0604020202020204" pitchFamily="34" charset="0"/>
+              <a:buChar char="•"/>
+            </a:pPr>
+            <a:r>
+              <a:rPr lang="fr-FR" sz="1200" dirty="0">
+                <a:latin typeface="Calibri Light" panose="020F0302020204030204" pitchFamily="34" charset="0"/>
+                <a:cs typeface="Calibri Light" panose="020F0302020204030204" pitchFamily="34" charset="0"/>
+              </a:rPr>
+              <a:t>Capitalisation des connaissances</a:t>
+            </a:r>
+          </a:p>
+          <a:p>
+            <a:endParaRPr lang="fr-FR" sz="500" dirty="0">
+              <a:latin typeface="Calibri Light" panose="020F0302020204030204" pitchFamily="34" charset="0"/>
+              <a:cs typeface="Calibri Light" panose="020F0302020204030204" pitchFamily="34" charset="0"/>
+            </a:endParaRPr>
+          </a:p>
+          <a:p>
+            <a:r>
+              <a:rPr lang="fr-FR" sz="1200" dirty="0">
+                <a:latin typeface="Berlin Sans FB Demi" panose="020E0802020502020306" pitchFamily="34" charset="0"/>
+                <a:cs typeface="Calibri Light" panose="020F0302020204030204" pitchFamily="34" charset="0"/>
+              </a:rPr>
+              <a:t>Techno et Outils : </a:t>
+            </a:r>
+            <a:r>
+              <a:rPr lang="fr-FR" sz="1200" dirty="0" err="1">
+                <a:latin typeface="Calibri Light" panose="020F0302020204030204" pitchFamily="34" charset="0"/>
+                <a:cs typeface="Calibri Light" panose="020F0302020204030204" pitchFamily="34" charset="0"/>
+              </a:rPr>
+              <a:t>RedHat</a:t>
+            </a:r>
+            <a:r>
+              <a:rPr lang="fr-FR" sz="1200" dirty="0">
+                <a:latin typeface="Calibri Light" panose="020F0302020204030204" pitchFamily="34" charset="0"/>
+                <a:cs typeface="Calibri Light" panose="020F0302020204030204" pitchFamily="34" charset="0"/>
+              </a:rPr>
+              <a:t> Linux, </a:t>
+            </a:r>
+            <a:r>
+              <a:rPr lang="fr-FR" sz="1200" dirty="0" err="1">
+                <a:latin typeface="Calibri Light" panose="020F0302020204030204" pitchFamily="34" charset="0"/>
+                <a:cs typeface="Calibri Light" panose="020F0302020204030204" pitchFamily="34" charset="0"/>
+              </a:rPr>
+              <a:t>Kubernetes</a:t>
+            </a:r>
+            <a:r>
+              <a:rPr lang="fr-FR" sz="1200" dirty="0">
+                <a:latin typeface="Calibri Light" panose="020F0302020204030204" pitchFamily="34" charset="0"/>
+                <a:cs typeface="Calibri Light" panose="020F0302020204030204" pitchFamily="34" charset="0"/>
+              </a:rPr>
+              <a:t>, Control M, </a:t>
+            </a:r>
+            <a:r>
+              <a:rPr lang="fr-FR" sz="1200" dirty="0" err="1">
+                <a:latin typeface="Calibri Light" panose="020F0302020204030204" pitchFamily="34" charset="0"/>
+                <a:cs typeface="Calibri Light" panose="020F0302020204030204" pitchFamily="34" charset="0"/>
+              </a:rPr>
+              <a:t>Weblogic</a:t>
+            </a:r>
+            <a:r>
+              <a:rPr lang="fr-FR" sz="1200" dirty="0">
+                <a:latin typeface="Calibri Light" panose="020F0302020204030204" pitchFamily="34" charset="0"/>
+                <a:cs typeface="Calibri Light" panose="020F0302020204030204" pitchFamily="34" charset="0"/>
+              </a:rPr>
+              <a:t>, Tomcat, </a:t>
+            </a:r>
+            <a:r>
+              <a:rPr lang="fr-FR" sz="1200" dirty="0" err="1">
+                <a:latin typeface="Calibri Light" panose="020F0302020204030204" pitchFamily="34" charset="0"/>
+                <a:cs typeface="Calibri Light" panose="020F0302020204030204" pitchFamily="34" charset="0"/>
+              </a:rPr>
+              <a:t>Appdynamics</a:t>
+            </a:r>
+            <a:r>
+              <a:rPr lang="fr-FR" sz="1200" dirty="0">
+                <a:latin typeface="Calibri Light" panose="020F0302020204030204" pitchFamily="34" charset="0"/>
+                <a:cs typeface="Calibri Light" panose="020F0302020204030204" pitchFamily="34" charset="0"/>
+              </a:rPr>
+              <a:t>, CA </a:t>
+            </a:r>
+            <a:r>
+              <a:rPr lang="fr-FR" sz="1200" dirty="0" err="1">
+                <a:latin typeface="Calibri Light" panose="020F0302020204030204" pitchFamily="34" charset="0"/>
+                <a:cs typeface="Calibri Light" panose="020F0302020204030204" pitchFamily="34" charset="0"/>
+              </a:rPr>
+              <a:t>Introscope</a:t>
+            </a:r>
+            <a:r>
+              <a:rPr lang="fr-FR" sz="1200" dirty="0">
+                <a:latin typeface="Calibri Light" panose="020F0302020204030204" pitchFamily="34" charset="0"/>
+                <a:cs typeface="Calibri Light" panose="020F0302020204030204" pitchFamily="34" charset="0"/>
+              </a:rPr>
+              <a:t>, </a:t>
+            </a:r>
+            <a:r>
+              <a:rPr lang="fr-FR" sz="1200" dirty="0" err="1">
+                <a:latin typeface="Calibri Light" panose="020F0302020204030204" pitchFamily="34" charset="0"/>
+                <a:cs typeface="Calibri Light" panose="020F0302020204030204" pitchFamily="34" charset="0"/>
+              </a:rPr>
+              <a:t>Grafana</a:t>
+            </a:r>
+            <a:r>
+              <a:rPr lang="fr-FR" sz="1200" dirty="0">
+                <a:latin typeface="Calibri Light" panose="020F0302020204030204" pitchFamily="34" charset="0"/>
+                <a:cs typeface="Calibri Light" panose="020F0302020204030204" pitchFamily="34" charset="0"/>
+              </a:rPr>
+              <a:t>, </a:t>
+            </a:r>
+            <a:r>
+              <a:rPr lang="fr-FR" sz="1200" dirty="0" err="1">
+                <a:latin typeface="Calibri Light" panose="020F0302020204030204" pitchFamily="34" charset="0"/>
+                <a:cs typeface="Calibri Light" panose="020F0302020204030204" pitchFamily="34" charset="0"/>
+              </a:rPr>
+              <a:t>Telegraf</a:t>
+            </a:r>
+            <a:r>
+              <a:rPr lang="fr-FR" sz="1200" dirty="0">
+                <a:latin typeface="Calibri Light" panose="020F0302020204030204" pitchFamily="34" charset="0"/>
+                <a:cs typeface="Calibri Light" panose="020F0302020204030204" pitchFamily="34" charset="0"/>
+              </a:rPr>
+              <a:t>, </a:t>
+            </a:r>
+            <a:r>
+              <a:rPr lang="fr-FR" sz="1200" dirty="0" err="1">
+                <a:latin typeface="Calibri Light" panose="020F0302020204030204" pitchFamily="34" charset="0"/>
+                <a:cs typeface="Calibri Light" panose="020F0302020204030204" pitchFamily="34" charset="0"/>
+              </a:rPr>
+              <a:t>Collectd</a:t>
+            </a:r>
+            <a:r>
+              <a:rPr lang="fr-FR" sz="1200" dirty="0">
+                <a:latin typeface="Calibri Light" panose="020F0302020204030204" pitchFamily="34" charset="0"/>
+                <a:cs typeface="Calibri Light" panose="020F0302020204030204" pitchFamily="34" charset="0"/>
+              </a:rPr>
+              <a:t>, Cassandra, Jira, Confluence</a:t>
+            </a:r>
+          </a:p>
+        </p:txBody>
+      </p:sp>
+      <p:sp>
+        <p:nvSpPr>
+          <p:cNvPr id="16" name="ZoneTexte 15">
+            <a:extLst>
+              <a:ext uri="{FF2B5EF4-FFF2-40B4-BE49-F238E27FC236}">
+                <a16:creationId xmlns:a16="http://schemas.microsoft.com/office/drawing/2014/main" id="{99CA58D6-EFC4-6DEF-5535-2C0E5D8FB905}"/>
+              </a:ext>
+            </a:extLst>
+          </p:cNvPr>
+          <p:cNvSpPr txBox="1"/>
+          <p:nvPr/>
+        </p:nvSpPr>
+        <p:spPr>
+          <a:xfrm>
+            <a:off x="2635250" y="7615079"/>
+            <a:ext cx="1458849" cy="246221"/>
+          </a:xfrm>
+          <a:prstGeom prst="rect">
+            <a:avLst/>
+          </a:prstGeom>
+          <a:noFill/>
+        </p:spPr>
+        <p:txBody>
+          <a:bodyPr wrap="square" rtlCol="0">
+            <a:spAutoFit/>
+          </a:bodyPr>
+          <a:lstStyle/>
+          <a:p>
+            <a:pPr algn="r"/>
+            <a:r>
+              <a:rPr lang="fr-FR" sz="1000" b="1" i="1" dirty="0">
+                <a:latin typeface="Century Gothic" panose="020B0502020202020204" pitchFamily="34" charset="0"/>
+              </a:rPr>
+              <a:t>(2ans et 1 mois)</a:t>
+            </a:r>
           </a:p>
         </p:txBody>
       </p:sp>
@@ -6314,13 +6056,6 @@
   <p:clrMapOvr>
     <a:masterClrMapping/>
   </p:clrMapOvr>
-  <p:timing>
-    <p:tnLst>
-      <p:par>
-        <p:cTn id="1" dur="indefinite" restart="never" nodeType="tmRoot"/>
-      </p:par>
-    </p:tnLst>
-  </p:timing>
 </p:sld>
 </file>
 
@@ -6350,7 +6085,7 @@
         <p:spPr>
           <a:xfrm>
             <a:off x="0" y="-63500"/>
-            <a:ext cx="7556500" cy="215168"/>
+            <a:ext cx="7556500" cy="93685"/>
           </a:xfrm>
           <a:prstGeom prst="rect">
             <a:avLst/>
@@ -6384,10 +6119,9 @@
           <a:p>
             <a:pPr algn="ctr"/>
             <a:r>
-              <a:rPr lang="fr-FR" dirty="0" smtClean="0"/>
+              <a:rPr lang="fr-FR" dirty="0"/>
               <a:t> </a:t>
             </a:r>
-            <a:endParaRPr lang="fr-FR" dirty="0"/>
           </a:p>
         </p:txBody>
       </p:sp>
@@ -6518,7 +6252,7 @@
           <a:lstStyle/>
           <a:p>
             <a:r>
-              <a:rPr lang="fr-FR" sz="1400" dirty="0" smtClean="0">
+              <a:rPr lang="fr-FR" sz="1400" dirty="0">
                 <a:solidFill>
                   <a:srgbClr val="E4E4E4"/>
                 </a:solidFill>
@@ -6526,12 +6260,6 @@
               </a:rPr>
               <a:t>SOFT SKILLS</a:t>
             </a:r>
-            <a:endParaRPr lang="fr-FR" sz="1400" dirty="0">
-              <a:solidFill>
-                <a:srgbClr val="E4E4E4"/>
-              </a:solidFill>
-              <a:latin typeface="Berlin Sans FB Demi" panose="020E0802020502020306" pitchFamily="34" charset="0"/>
-            </a:endParaRPr>
           </a:p>
         </p:txBody>
       </p:sp>
@@ -6641,7 +6369,7 @@
         </p:nvSpPr>
         <p:spPr>
           <a:xfrm>
-            <a:off x="3016250" y="317500"/>
+            <a:off x="3016250" y="129452"/>
             <a:ext cx="4343400" cy="416648"/>
           </a:xfrm>
           <a:prstGeom prst="rect">
@@ -6689,7 +6417,7 @@
         </p:nvSpPr>
         <p:spPr>
           <a:xfrm>
-            <a:off x="3035095" y="390723"/>
+            <a:off x="3035095" y="202675"/>
             <a:ext cx="3562555" cy="307777"/>
           </a:xfrm>
           <a:prstGeom prst="rect">
@@ -6707,7 +6435,7 @@
           <a:lstStyle/>
           <a:p>
             <a:r>
-              <a:rPr lang="fr-FR" sz="1400" dirty="0" smtClean="0">
+              <a:rPr lang="fr-FR" sz="1400" dirty="0">
                 <a:solidFill>
                   <a:schemeClr val="bg1"/>
                 </a:solidFill>
@@ -6715,12 +6443,6 @@
               </a:rPr>
               <a:t>EXPERIENCES PROFESSIONNELLES  (suite)</a:t>
             </a:r>
-            <a:endParaRPr lang="fr-FR" sz="1400" dirty="0">
-              <a:solidFill>
-                <a:schemeClr val="bg1"/>
-              </a:solidFill>
-              <a:latin typeface="Berlin Sans FB Demi" panose="020E0802020502020306" pitchFamily="34" charset="0"/>
-            </a:endParaRPr>
           </a:p>
         </p:txBody>
       </p:sp>
@@ -6732,8 +6454,8 @@
         </p:nvSpPr>
         <p:spPr>
           <a:xfrm>
-            <a:off x="6750050" y="320473"/>
-            <a:ext cx="762000" cy="413675"/>
+            <a:off x="6750050" y="132425"/>
+            <a:ext cx="685800" cy="413675"/>
           </a:xfrm>
           <a:prstGeom prst="roundRect">
             <a:avLst>
@@ -6782,7 +6504,7 @@
         </p:nvSpPr>
         <p:spPr>
           <a:xfrm>
-            <a:off x="7321550" y="317500"/>
+            <a:off x="7321550" y="88900"/>
             <a:ext cx="190500" cy="482310"/>
           </a:xfrm>
           <a:prstGeom prst="rect">
@@ -6924,7 +6646,7 @@
         </p:nvSpPr>
         <p:spPr>
           <a:xfrm>
-            <a:off x="3989070" y="1009609"/>
+            <a:off x="3989070" y="3822700"/>
             <a:ext cx="152400" cy="150400"/>
           </a:xfrm>
           <a:prstGeom prst="ellipse">
@@ -6972,7 +6694,7 @@
         </p:nvSpPr>
         <p:spPr>
           <a:xfrm>
-            <a:off x="3016250" y="927100"/>
+            <a:off x="3016250" y="3722674"/>
             <a:ext cx="946786" cy="415498"/>
           </a:xfrm>
           <a:prstGeom prst="rect">
@@ -6988,32 +6710,29 @@
           <a:p>
             <a:pPr algn="r"/>
             <a:r>
-              <a:rPr lang="fr-FR" sz="1050" dirty="0" err="1" smtClean="0">
+              <a:rPr lang="fr-FR" sz="1050" dirty="0" err="1">
                 <a:latin typeface="Century Gothic" panose="020B0502020202020204" pitchFamily="34" charset="0"/>
               </a:rPr>
               <a:t>Fév</a:t>
             </a:r>
             <a:r>
-              <a:rPr lang="fr-FR" sz="1050" dirty="0" smtClean="0">
+              <a:rPr lang="fr-FR" sz="1050" dirty="0">
                 <a:latin typeface="Century Gothic" panose="020B0502020202020204" pitchFamily="34" charset="0"/>
               </a:rPr>
               <a:t> 2013 – </a:t>
             </a:r>
             <a:r>
-              <a:rPr lang="fr-FR" sz="1050" dirty="0" err="1" smtClean="0">
+              <a:rPr lang="fr-FR" sz="1050" dirty="0" err="1">
                 <a:latin typeface="Century Gothic" panose="020B0502020202020204" pitchFamily="34" charset="0"/>
               </a:rPr>
               <a:t>Janv</a:t>
             </a:r>
             <a:r>
-              <a:rPr lang="fr-FR" sz="1050" dirty="0" smtClean="0">
+              <a:rPr lang="fr-FR" sz="1050" dirty="0">
                 <a:latin typeface="Century Gothic" panose="020B0502020202020204" pitchFamily="34" charset="0"/>
               </a:rPr>
               <a:t> 2015</a:t>
             </a:r>
-            <a:endParaRPr lang="fr-FR" sz="1050" dirty="0">
-              <a:latin typeface="Century Gothic" panose="020B0502020202020204" pitchFamily="34" charset="0"/>
-            </a:endParaRPr>
           </a:p>
         </p:txBody>
       </p:sp>
@@ -7025,7 +6744,7 @@
         </p:nvSpPr>
         <p:spPr>
           <a:xfrm>
-            <a:off x="4135120" y="939665"/>
+            <a:off x="4135120" y="3735239"/>
             <a:ext cx="2971800" cy="276999"/>
           </a:xfrm>
           <a:prstGeom prst="rect">
@@ -7040,14 +6759,11 @@
           <a:lstStyle/>
           <a:p>
             <a:r>
-              <a:rPr lang="fr-FR" sz="1200" dirty="0" smtClean="0">
+              <a:rPr lang="fr-FR" sz="1200" dirty="0">
                 <a:latin typeface="Bahnschrift SemiBold" panose="020B0502040204020203" pitchFamily="34" charset="0"/>
               </a:rPr>
               <a:t>Développeur Java/JEE</a:t>
             </a:r>
-            <a:endParaRPr lang="fr-FR" sz="1200" dirty="0">
-              <a:latin typeface="Bahnschrift SemiBold" panose="020B0502040204020203" pitchFamily="34" charset="0"/>
-            </a:endParaRPr>
           </a:p>
         </p:txBody>
       </p:sp>
@@ -7059,7 +6775,7 @@
         </p:nvSpPr>
         <p:spPr>
           <a:xfrm>
-            <a:off x="4141471" y="1601990"/>
+            <a:off x="4141471" y="4397564"/>
             <a:ext cx="3294380" cy="2015936"/>
           </a:xfrm>
           <a:prstGeom prst="rect">
@@ -7074,7 +6790,7 @@
           <a:lstStyle/>
           <a:p>
             <a:r>
-              <a:rPr lang="fr-FR" sz="1200" dirty="0" smtClean="0">
+              <a:rPr lang="fr-FR" sz="1200" dirty="0">
                 <a:latin typeface="Calibri Light" panose="020F0302020204030204" pitchFamily="34" charset="0"/>
                 <a:cs typeface="Calibri Light" panose="020F0302020204030204" pitchFamily="34" charset="0"/>
               </a:rPr>
@@ -7087,7 +6803,7 @@
               <a:buChar char="•"/>
             </a:pPr>
             <a:r>
-              <a:rPr lang="fr-FR" sz="1200" dirty="0" smtClean="0">
+              <a:rPr lang="fr-FR" sz="1200" dirty="0">
                 <a:latin typeface="Calibri Light" panose="020F0302020204030204" pitchFamily="34" charset="0"/>
                 <a:cs typeface="Calibri Light" panose="020F0302020204030204" pitchFamily="34" charset="0"/>
               </a:rPr>
@@ -7100,7 +6816,7 @@
               <a:buChar char="•"/>
             </a:pPr>
             <a:r>
-              <a:rPr lang="fr-FR" sz="1200" dirty="0" smtClean="0">
+              <a:rPr lang="fr-FR" sz="1200" dirty="0">
                 <a:latin typeface="Calibri Light" panose="020F0302020204030204" pitchFamily="34" charset="0"/>
                 <a:cs typeface="Calibri Light" panose="020F0302020204030204" pitchFamily="34" charset="0"/>
               </a:rPr>
@@ -7113,7 +6829,7 @@
               <a:buChar char="•"/>
             </a:pPr>
             <a:r>
-              <a:rPr lang="fr-FR" sz="1200" dirty="0" smtClean="0">
+              <a:rPr lang="fr-FR" sz="1200" dirty="0">
                 <a:latin typeface="Calibri Light" panose="020F0302020204030204" pitchFamily="34" charset="0"/>
                 <a:cs typeface="Calibri Light" panose="020F0302020204030204" pitchFamily="34" charset="0"/>
               </a:rPr>
@@ -7126,7 +6842,7 @@
               <a:buChar char="•"/>
             </a:pPr>
             <a:r>
-              <a:rPr lang="fr-FR" sz="1200" dirty="0" smtClean="0">
+              <a:rPr lang="fr-FR" sz="1200" dirty="0">
                 <a:latin typeface="Calibri Light" panose="020F0302020204030204" pitchFamily="34" charset="0"/>
                 <a:cs typeface="Calibri Light" panose="020F0302020204030204" pitchFamily="34" charset="0"/>
               </a:rPr>
@@ -7139,131 +6855,127 @@
               <a:buChar char="•"/>
             </a:pPr>
             <a:r>
-              <a:rPr lang="fr-FR" sz="1200" dirty="0" smtClean="0">
+              <a:rPr lang="fr-FR" sz="1200" dirty="0">
                 <a:latin typeface="Calibri Light" panose="020F0302020204030204" pitchFamily="34" charset="0"/>
                 <a:cs typeface="Calibri Light" panose="020F0302020204030204" pitchFamily="34" charset="0"/>
               </a:rPr>
               <a:t>Ecriture des documentations.</a:t>
             </a:r>
-            <a:endParaRPr lang="fr-FR" sz="1200" dirty="0">
+          </a:p>
+          <a:p>
+            <a:endParaRPr lang="fr-FR" sz="500" dirty="0">
               <a:latin typeface="Calibri Light" panose="020F0302020204030204" pitchFamily="34" charset="0"/>
               <a:cs typeface="Calibri Light" panose="020F0302020204030204" pitchFamily="34" charset="0"/>
             </a:endParaRPr>
           </a:p>
           <a:p>
-            <a:endParaRPr lang="fr-FR" sz="500" dirty="0" smtClean="0">
-              <a:latin typeface="Calibri Light" panose="020F0302020204030204" pitchFamily="34" charset="0"/>
-              <a:cs typeface="Calibri Light" panose="020F0302020204030204" pitchFamily="34" charset="0"/>
-            </a:endParaRPr>
-          </a:p>
-          <a:p>
-            <a:r>
-              <a:rPr lang="fr-FR" sz="1200" dirty="0" smtClean="0">
+            <a:r>
+              <a:rPr lang="fr-FR" sz="1200" dirty="0">
                 <a:latin typeface="Berlin Sans FB Demi" panose="020E0802020502020306" pitchFamily="34" charset="0"/>
                 <a:cs typeface="Calibri Light" panose="020F0302020204030204" pitchFamily="34" charset="0"/>
               </a:rPr>
               <a:t>Techno et Outils : </a:t>
             </a:r>
             <a:r>
-              <a:rPr lang="fr-FR" sz="1200" dirty="0" err="1" smtClean="0">
+              <a:rPr lang="fr-FR" sz="1200" dirty="0" err="1">
                 <a:latin typeface="Calibri Light" panose="020F0302020204030204" pitchFamily="34" charset="0"/>
                 <a:cs typeface="Calibri Light" panose="020F0302020204030204" pitchFamily="34" charset="0"/>
               </a:rPr>
               <a:t>CentOS</a:t>
             </a:r>
             <a:r>
-              <a:rPr lang="fr-FR" sz="1200" dirty="0" smtClean="0">
+              <a:rPr lang="fr-FR" sz="1200" dirty="0">
                 <a:latin typeface="Calibri Light" panose="020F0302020204030204" pitchFamily="34" charset="0"/>
                 <a:cs typeface="Calibri Light" panose="020F0302020204030204" pitchFamily="34" charset="0"/>
               </a:rPr>
               <a:t>, </a:t>
             </a:r>
             <a:r>
-              <a:rPr lang="fr-FR" sz="1200" dirty="0" err="1" smtClean="0">
+              <a:rPr lang="fr-FR" sz="1200" dirty="0" err="1">
                 <a:latin typeface="Calibri Light" panose="020F0302020204030204" pitchFamily="34" charset="0"/>
                 <a:cs typeface="Calibri Light" panose="020F0302020204030204" pitchFamily="34" charset="0"/>
               </a:rPr>
               <a:t>Glassfish</a:t>
             </a:r>
             <a:r>
-              <a:rPr lang="fr-FR" sz="1200" dirty="0" smtClean="0">
+              <a:rPr lang="fr-FR" sz="1200" dirty="0">
                 <a:latin typeface="Calibri Light" panose="020F0302020204030204" pitchFamily="34" charset="0"/>
                 <a:cs typeface="Calibri Light" panose="020F0302020204030204" pitchFamily="34" charset="0"/>
               </a:rPr>
               <a:t>, Java EE, </a:t>
             </a:r>
             <a:r>
-              <a:rPr lang="fr-FR" sz="1200" dirty="0" err="1" smtClean="0">
+              <a:rPr lang="fr-FR" sz="1200" dirty="0" err="1">
                 <a:latin typeface="Calibri Light" panose="020F0302020204030204" pitchFamily="34" charset="0"/>
                 <a:cs typeface="Calibri Light" panose="020F0302020204030204" pitchFamily="34" charset="0"/>
               </a:rPr>
               <a:t>Primefaces</a:t>
             </a:r>
             <a:r>
-              <a:rPr lang="fr-FR" sz="1200" dirty="0" smtClean="0">
+              <a:rPr lang="fr-FR" sz="1200" dirty="0">
                 <a:latin typeface="Calibri Light" panose="020F0302020204030204" pitchFamily="34" charset="0"/>
                 <a:cs typeface="Calibri Light" panose="020F0302020204030204" pitchFamily="34" charset="0"/>
               </a:rPr>
               <a:t>, </a:t>
             </a:r>
             <a:r>
-              <a:rPr lang="fr-FR" sz="1200" dirty="0" err="1" smtClean="0">
+              <a:rPr lang="fr-FR" sz="1200" dirty="0" err="1">
                 <a:latin typeface="Calibri Light" panose="020F0302020204030204" pitchFamily="34" charset="0"/>
                 <a:cs typeface="Calibri Light" panose="020F0302020204030204" pitchFamily="34" charset="0"/>
               </a:rPr>
               <a:t>Hibernate</a:t>
             </a:r>
             <a:r>
-              <a:rPr lang="fr-FR" sz="1200" dirty="0" smtClean="0">
+              <a:rPr lang="fr-FR" sz="1200" dirty="0">
                 <a:latin typeface="Calibri Light" panose="020F0302020204030204" pitchFamily="34" charset="0"/>
                 <a:cs typeface="Calibri Light" panose="020F0302020204030204" pitchFamily="34" charset="0"/>
               </a:rPr>
               <a:t>, Apache </a:t>
             </a:r>
             <a:r>
-              <a:rPr lang="fr-FR" sz="1200" dirty="0" err="1" smtClean="0">
+              <a:rPr lang="fr-FR" sz="1200" dirty="0" err="1">
                 <a:latin typeface="Calibri Light" panose="020F0302020204030204" pitchFamily="34" charset="0"/>
                 <a:cs typeface="Calibri Light" panose="020F0302020204030204" pitchFamily="34" charset="0"/>
               </a:rPr>
               <a:t>Jackrabit</a:t>
             </a:r>
             <a:r>
-              <a:rPr lang="fr-FR" sz="1200" dirty="0" smtClean="0">
+              <a:rPr lang="fr-FR" sz="1200" dirty="0">
                 <a:latin typeface="Calibri Light" panose="020F0302020204030204" pitchFamily="34" charset="0"/>
                 <a:cs typeface="Calibri Light" panose="020F0302020204030204" pitchFamily="34" charset="0"/>
               </a:rPr>
               <a:t>, MySQL, Mongo DB, Git, </a:t>
             </a:r>
             <a:r>
-              <a:rPr lang="fr-FR" sz="1200" dirty="0" err="1" smtClean="0">
+              <a:rPr lang="fr-FR" sz="1200" dirty="0" err="1">
                 <a:latin typeface="Calibri Light" panose="020F0302020204030204" pitchFamily="34" charset="0"/>
                 <a:cs typeface="Calibri Light" panose="020F0302020204030204" pitchFamily="34" charset="0"/>
               </a:rPr>
               <a:t>Maven</a:t>
             </a:r>
             <a:r>
-              <a:rPr lang="fr-FR" sz="1200" dirty="0" smtClean="0">
+              <a:rPr lang="fr-FR" sz="1200" dirty="0">
                 <a:latin typeface="Calibri Light" panose="020F0302020204030204" pitchFamily="34" charset="0"/>
                 <a:cs typeface="Calibri Light" panose="020F0302020204030204" pitchFamily="34" charset="0"/>
               </a:rPr>
               <a:t>, </a:t>
             </a:r>
             <a:r>
-              <a:rPr lang="fr-FR" sz="1200" dirty="0" err="1" smtClean="0">
+              <a:rPr lang="fr-FR" sz="1200" dirty="0" err="1">
                 <a:latin typeface="Calibri Light" panose="020F0302020204030204" pitchFamily="34" charset="0"/>
                 <a:cs typeface="Calibri Light" panose="020F0302020204030204" pitchFamily="34" charset="0"/>
               </a:rPr>
               <a:t>Netbeans</a:t>
             </a:r>
             <a:r>
-              <a:rPr lang="fr-FR" sz="1200" dirty="0" smtClean="0">
+              <a:rPr lang="fr-FR" sz="1200" dirty="0">
                 <a:latin typeface="Calibri Light" panose="020F0302020204030204" pitchFamily="34" charset="0"/>
                 <a:cs typeface="Calibri Light" panose="020F0302020204030204" pitchFamily="34" charset="0"/>
               </a:rPr>
               <a:t>, UML, </a:t>
             </a:r>
             <a:r>
-              <a:rPr lang="fr-FR" sz="1200" dirty="0" err="1" smtClean="0">
+              <a:rPr lang="fr-FR" sz="1200" dirty="0" err="1">
                 <a:latin typeface="Calibri Light" panose="020F0302020204030204" pitchFamily="34" charset="0"/>
                 <a:cs typeface="Calibri Light" panose="020F0302020204030204" pitchFamily="34" charset="0"/>
               </a:rPr>
@@ -7350,7 +7062,7 @@
           <a:lstStyle/>
           <a:p>
             <a:r>
-              <a:rPr lang="fr-FR" sz="1400" dirty="0" smtClean="0">
+              <a:rPr lang="fr-FR" sz="1400" dirty="0">
                 <a:solidFill>
                   <a:schemeClr val="bg1"/>
                 </a:solidFill>
@@ -7358,12 +7070,6 @@
               </a:rPr>
               <a:t>FORMATIONS ET DIPLOMES</a:t>
             </a:r>
-            <a:endParaRPr lang="fr-FR" sz="1400" dirty="0">
-              <a:solidFill>
-                <a:schemeClr val="bg1"/>
-              </a:solidFill>
-              <a:latin typeface="Berlin Sans FB Demi" panose="020E0802020502020306" pitchFamily="34" charset="0"/>
-            </a:endParaRPr>
           </a:p>
         </p:txBody>
       </p:sp>
@@ -7539,7 +7245,7 @@
           <a:lstStyle/>
           <a:p>
             <a:r>
-              <a:rPr lang="fr-FR" sz="1400" dirty="0" smtClean="0">
+              <a:rPr lang="fr-FR" sz="1400" dirty="0">
                 <a:solidFill>
                   <a:srgbClr val="E4E4E4"/>
                 </a:solidFill>
@@ -7547,12 +7253,6 @@
               </a:rPr>
               <a:t>LANGUES</a:t>
             </a:r>
-            <a:endParaRPr lang="fr-FR" sz="1400" dirty="0">
-              <a:solidFill>
-                <a:srgbClr val="E4E4E4"/>
-              </a:solidFill>
-              <a:latin typeface="Berlin Sans FB Demi" panose="020E0802020502020306" pitchFamily="34" charset="0"/>
-            </a:endParaRPr>
           </a:p>
         </p:txBody>
       </p:sp>
@@ -7728,7 +7428,7 @@
           <a:lstStyle/>
           <a:p>
             <a:r>
-              <a:rPr lang="fr-FR" sz="1400" dirty="0" smtClean="0">
+              <a:rPr lang="fr-FR" sz="1400" dirty="0">
                 <a:solidFill>
                   <a:srgbClr val="E4E4E4"/>
                 </a:solidFill>
@@ -7736,12 +7436,6 @@
               </a:rPr>
               <a:t>CENTRES D’INTERETS</a:t>
             </a:r>
-            <a:endParaRPr lang="fr-FR" sz="1400" dirty="0">
-              <a:solidFill>
-                <a:srgbClr val="E4E4E4"/>
-              </a:solidFill>
-              <a:latin typeface="Berlin Sans FB Demi" panose="020E0802020502020306" pitchFamily="34" charset="0"/>
-            </a:endParaRPr>
           </a:p>
         </p:txBody>
       </p:sp>
@@ -7891,28 +7585,23 @@
           <a:lstStyle/>
           <a:p>
             <a:pPr algn="ctr"/>
-            <a:endParaRPr lang="fr-FR" sz="1100" dirty="0" smtClean="0">
-              <a:solidFill>
-                <a:sysClr val="windowText" lastClr="000000"/>
-              </a:solidFill>
-            </a:endParaRPr>
-          </a:p>
-          <a:p>
-            <a:pPr algn="ctr"/>
-            <a:r>
-              <a:rPr lang="fr-FR" sz="1100" dirty="0" smtClean="0">
-                <a:solidFill>
-                  <a:sysClr val="windowText" lastClr="000000"/>
-                </a:solidFill>
-              </a:rPr>
-              <a:t>Page 2/2</a:t>
-            </a:r>
             <a:endParaRPr lang="fr-FR" sz="1100" dirty="0">
               <a:solidFill>
                 <a:sysClr val="windowText" lastClr="000000"/>
               </a:solidFill>
             </a:endParaRPr>
           </a:p>
+          <a:p>
+            <a:pPr algn="ctr"/>
+            <a:r>
+              <a:rPr lang="fr-FR" sz="1100" dirty="0">
+                <a:solidFill>
+                  <a:sysClr val="windowText" lastClr="000000"/>
+                </a:solidFill>
+              </a:rPr>
+              <a:t>Page 2/2</a:t>
+            </a:r>
+          </a:p>
         </p:txBody>
       </p:sp>
       <p:sp>
@@ -7923,7 +7612,7 @@
         </p:nvSpPr>
         <p:spPr>
           <a:xfrm>
-            <a:off x="4147185" y="1160009"/>
+            <a:off x="4147185" y="3955583"/>
             <a:ext cx="2971800" cy="461665"/>
           </a:xfrm>
           <a:prstGeom prst="rect">
@@ -7938,13 +7627,13 @@
           <a:lstStyle/>
           <a:p>
             <a:r>
-              <a:rPr lang="fr-FR" sz="1200" dirty="0" smtClean="0">
+              <a:rPr lang="fr-FR" sz="1200" dirty="0">
                 <a:latin typeface="Arial Black" panose="020B0A04020102020204" pitchFamily="34" charset="0"/>
               </a:rPr>
               <a:t>Freelance</a:t>
             </a:r>
             <a:r>
-              <a:rPr lang="fr-FR" sz="1200" dirty="0" smtClean="0">
+              <a:rPr lang="fr-FR" sz="1200" dirty="0">
                 <a:latin typeface="Bahnschrift SemiBold" panose="020B0502040204020203" pitchFamily="34" charset="0"/>
               </a:rPr>
               <a:t> </a:t>
@@ -7953,10 +7642,9 @@
           </a:p>
           <a:p>
             <a:r>
-              <a:rPr lang="fr-FR" sz="1200" b="1" dirty="0" smtClean="0"/>
+              <a:rPr lang="fr-FR" sz="1200" b="1" dirty="0"/>
               <a:t>Antananarivo, MADAGASCAR</a:t>
             </a:r>
-            <a:endParaRPr lang="fr-FR" sz="1200" b="1" dirty="0"/>
           </a:p>
         </p:txBody>
       </p:sp>
@@ -7968,7 +7656,7 @@
         </p:nvSpPr>
         <p:spPr>
           <a:xfrm>
-            <a:off x="2606421" y="1384300"/>
+            <a:off x="2606421" y="4179874"/>
             <a:ext cx="1458849" cy="246221"/>
           </a:xfrm>
           <a:prstGeom prst="rect">
@@ -7987,17 +7675,8 @@
               <a:rPr lang="fr-FR" sz="1000" b="1" i="1" dirty="0">
                 <a:latin typeface="Century Gothic" panose="020B0502020202020204" pitchFamily="34" charset="0"/>
               </a:rPr>
-              <a:t>(</a:t>
-            </a:r>
-            <a:r>
-              <a:rPr lang="fr-FR" sz="1000" b="1" i="1" dirty="0" smtClean="0">
-                <a:latin typeface="Century Gothic" panose="020B0502020202020204" pitchFamily="34" charset="0"/>
-              </a:rPr>
-              <a:t>1an et 11 mois)</a:t>
-            </a:r>
-            <a:endParaRPr lang="fr-FR" sz="1000" b="1" i="1" dirty="0">
-              <a:latin typeface="Century Gothic" panose="020B0502020202020204" pitchFamily="34" charset="0"/>
-            </a:endParaRPr>
+              <a:t>(1an et 11 mois)</a:t>
+            </a:r>
           </a:p>
         </p:txBody>
       </p:sp>
@@ -8051,13 +7730,13 @@
       </p:sp>
       <p:sp>
         <p:nvSpPr>
-          <p:cNvPr id="83" name="Ellipse 82"/>
+          <p:cNvPr id="89" name="Ellipse 88"/>
           <p:cNvSpPr/>
           <p:nvPr/>
         </p:nvSpPr>
         <p:spPr>
           <a:xfrm>
-            <a:off x="3998521" y="3748880"/>
+            <a:off x="3989069" y="6485779"/>
             <a:ext cx="152400" cy="150400"/>
           </a:xfrm>
           <a:prstGeom prst="ellipse">
@@ -8099,13 +7778,13 @@
       </p:sp>
       <p:sp>
         <p:nvSpPr>
-          <p:cNvPr id="84" name="ZoneTexte 83"/>
+          <p:cNvPr id="90" name="ZoneTexte 89"/>
           <p:cNvSpPr txBox="1"/>
           <p:nvPr/>
         </p:nvSpPr>
         <p:spPr>
           <a:xfrm>
-            <a:off x="3009899" y="3667417"/>
+            <a:off x="3000447" y="6404316"/>
             <a:ext cx="946786" cy="415498"/>
           </a:xfrm>
           <a:prstGeom prst="rect">
@@ -8121,44 +7800,29 @@
           <a:p>
             <a:pPr algn="r"/>
             <a:r>
-              <a:rPr lang="fr-FR" sz="1050" dirty="0" err="1" smtClean="0">
+              <a:rPr lang="fr-FR" sz="1050" dirty="0" err="1">
                 <a:latin typeface="Century Gothic" panose="020B0502020202020204" pitchFamily="34" charset="0"/>
               </a:rPr>
-              <a:t>Juil</a:t>
-            </a:r>
-            <a:r>
-              <a:rPr lang="fr-FR" sz="1050" dirty="0" smtClean="0">
+              <a:t>Fév</a:t>
+            </a:r>
+            <a:r>
+              <a:rPr lang="fr-FR" sz="1050" dirty="0">
                 <a:latin typeface="Century Gothic" panose="020B0502020202020204" pitchFamily="34" charset="0"/>
               </a:rPr>
-              <a:t> 2012 – </a:t>
-            </a:r>
-            <a:r>
-              <a:rPr lang="fr-FR" sz="1050" dirty="0" err="1" smtClean="0">
-                <a:latin typeface="Century Gothic" panose="020B0502020202020204" pitchFamily="34" charset="0"/>
-              </a:rPr>
-              <a:t>Janv</a:t>
-            </a:r>
-            <a:r>
-              <a:rPr lang="fr-FR" sz="1050" dirty="0" smtClean="0">
-                <a:latin typeface="Century Gothic" panose="020B0502020202020204" pitchFamily="34" charset="0"/>
-              </a:rPr>
-              <a:t> 2013</a:t>
-            </a:r>
-            <a:endParaRPr lang="fr-FR" sz="1050" dirty="0">
-              <a:latin typeface="Century Gothic" panose="020B0502020202020204" pitchFamily="34" charset="0"/>
-            </a:endParaRPr>
-          </a:p>
-        </p:txBody>
-      </p:sp>
-      <p:sp>
-        <p:nvSpPr>
-          <p:cNvPr id="85" name="ZoneTexte 84"/>
+              <a:t> 2010 – Mars 2011</a:t>
+            </a:r>
+          </a:p>
+        </p:txBody>
+      </p:sp>
+      <p:sp>
+        <p:nvSpPr>
+          <p:cNvPr id="91" name="ZoneTexte 90"/>
           <p:cNvSpPr txBox="1"/>
           <p:nvPr/>
         </p:nvSpPr>
         <p:spPr>
           <a:xfrm>
-            <a:off x="4144571" y="3678936"/>
+            <a:off x="4135119" y="6415835"/>
             <a:ext cx="2971800" cy="276999"/>
           </a:xfrm>
           <a:prstGeom prst="rect">
@@ -8173,27 +7837,24 @@
           <a:lstStyle/>
           <a:p>
             <a:r>
-              <a:rPr lang="fr-FR" sz="1200" dirty="0" smtClean="0">
+              <a:rPr lang="fr-FR" sz="1200" dirty="0">
                 <a:latin typeface="Bahnschrift SemiBold" panose="020B0502040204020203" pitchFamily="34" charset="0"/>
               </a:rPr>
-              <a:t>Ingénieur Logiciel Stagiaire </a:t>
-            </a:r>
-            <a:endParaRPr lang="fr-FR" sz="1200" dirty="0">
-              <a:latin typeface="Bahnschrift SemiBold" panose="020B0502040204020203" pitchFamily="34" charset="0"/>
-            </a:endParaRPr>
-          </a:p>
-        </p:txBody>
-      </p:sp>
-      <p:sp>
-        <p:nvSpPr>
-          <p:cNvPr id="86" name="ZoneTexte 85"/>
+              <a:t>Technicien Système et Réseaux</a:t>
+            </a:r>
+          </a:p>
+        </p:txBody>
+      </p:sp>
+      <p:sp>
+        <p:nvSpPr>
+          <p:cNvPr id="92" name="ZoneTexte 91"/>
           <p:cNvSpPr txBox="1"/>
           <p:nvPr/>
         </p:nvSpPr>
         <p:spPr>
           <a:xfrm>
-            <a:off x="4150922" y="4341261"/>
-            <a:ext cx="3294380" cy="2015936"/>
+            <a:off x="4141470" y="7099300"/>
+            <a:ext cx="3294380" cy="1092607"/>
           </a:xfrm>
           <a:prstGeom prst="rect">
             <a:avLst/>
@@ -8206,36 +7867,16 @@
           </a:bodyPr>
           <a:lstStyle/>
           <a:p>
-            <a:r>
-              <a:rPr lang="fr-FR" sz="1200" dirty="0" smtClean="0">
-                <a:latin typeface="Calibri Light" panose="020F0302020204030204" pitchFamily="34" charset="0"/>
-                <a:cs typeface="Calibri Light" panose="020F0302020204030204" pitchFamily="34" charset="0"/>
-              </a:rPr>
-              <a:t>Mise en place d’un outil de suivi des postes comptables et </a:t>
-            </a:r>
-            <a:r>
-              <a:rPr lang="fr-FR" sz="1200" dirty="0" smtClean="0">
-                <a:latin typeface="Calibri Light" panose="020F0302020204030204" pitchFamily="34" charset="0"/>
-                <a:cs typeface="Calibri Light" panose="020F0302020204030204" pitchFamily="34" charset="0"/>
-              </a:rPr>
-              <a:t>établissements publiques. </a:t>
-            </a:r>
-            <a:endParaRPr lang="fr-FR" sz="1200" dirty="0" smtClean="0">
-              <a:latin typeface="Calibri Light" panose="020F0302020204030204" pitchFamily="34" charset="0"/>
-              <a:cs typeface="Calibri Light" panose="020F0302020204030204" pitchFamily="34" charset="0"/>
-            </a:endParaRPr>
-          </a:p>
-          <a:p>
             <a:pPr marL="171450" indent="-171450">
               <a:buFont typeface="Arial" panose="020B0604020202020204" pitchFamily="34" charset="0"/>
               <a:buChar char="•"/>
             </a:pPr>
             <a:r>
-              <a:rPr lang="fr-FR" sz="1200" dirty="0" smtClean="0">
+              <a:rPr lang="fr-FR" sz="1200" dirty="0">
                 <a:latin typeface="Calibri Light" panose="020F0302020204030204" pitchFamily="34" charset="0"/>
                 <a:cs typeface="Calibri Light" panose="020F0302020204030204" pitchFamily="34" charset="0"/>
               </a:rPr>
-              <a:t>Recueil des besoins utilisateurs.</a:t>
+              <a:t>Maintenance des postes de travails, </a:t>
             </a:r>
           </a:p>
           <a:p>
@@ -8244,11 +7885,11 @@
               <a:buChar char="•"/>
             </a:pPr>
             <a:r>
-              <a:rPr lang="fr-FR" sz="1200" dirty="0" smtClean="0">
+              <a:rPr lang="fr-FR" sz="1200" dirty="0">
                 <a:latin typeface="Calibri Light" panose="020F0302020204030204" pitchFamily="34" charset="0"/>
                 <a:cs typeface="Calibri Light" panose="020F0302020204030204" pitchFamily="34" charset="0"/>
               </a:rPr>
-              <a:t>Analyse et conception.</a:t>
+              <a:t>Maintenance des imprimantes </a:t>
             </a:r>
           </a:p>
           <a:p>
@@ -8257,168 +7898,46 @@
               <a:buChar char="•"/>
             </a:pPr>
             <a:r>
-              <a:rPr lang="fr-FR" sz="1200" dirty="0" smtClean="0">
+              <a:rPr lang="fr-FR" sz="1200" dirty="0">
                 <a:latin typeface="Calibri Light" panose="020F0302020204030204" pitchFamily="34" charset="0"/>
                 <a:cs typeface="Calibri Light" panose="020F0302020204030204" pitchFamily="34" charset="0"/>
               </a:rPr>
-              <a:t>Participation à la </a:t>
-            </a:r>
-            <a:r>
-              <a:rPr lang="fr-FR" sz="1200" dirty="0" smtClean="0">
-                <a:latin typeface="Calibri Light" panose="020F0302020204030204" pitchFamily="34" charset="0"/>
-                <a:cs typeface="Calibri Light" panose="020F0302020204030204" pitchFamily="34" charset="0"/>
-              </a:rPr>
-              <a:t>définition de l’architecture.</a:t>
-            </a:r>
-            <a:endParaRPr lang="fr-FR" sz="1200" dirty="0" smtClean="0">
+              <a:t>Configuration d’équipements réseaux</a:t>
+            </a:r>
+          </a:p>
+          <a:p>
+            <a:endParaRPr lang="fr-FR" sz="500" dirty="0">
               <a:latin typeface="Calibri Light" panose="020F0302020204030204" pitchFamily="34" charset="0"/>
               <a:cs typeface="Calibri Light" panose="020F0302020204030204" pitchFamily="34" charset="0"/>
             </a:endParaRPr>
           </a:p>
           <a:p>
-            <a:pPr marL="171450" indent="-171450">
-              <a:buFont typeface="Arial" panose="020B0604020202020204" pitchFamily="34" charset="0"/>
-              <a:buChar char="•"/>
-            </a:pPr>
-            <a:r>
-              <a:rPr lang="fr-FR" sz="1200" dirty="0" smtClean="0">
+            <a:r>
+              <a:rPr lang="fr-FR" sz="1200" dirty="0">
+                <a:latin typeface="Berlin Sans FB Demi" panose="020E0802020502020306" pitchFamily="34" charset="0"/>
+                <a:cs typeface="Calibri Light" panose="020F0302020204030204" pitchFamily="34" charset="0"/>
+              </a:rPr>
+              <a:t>Techno et Outils : </a:t>
+            </a:r>
+            <a:r>
+              <a:rPr lang="fr-FR" sz="1200" dirty="0">
                 <a:latin typeface="Calibri Light" panose="020F0302020204030204" pitchFamily="34" charset="0"/>
                 <a:cs typeface="Calibri Light" panose="020F0302020204030204" pitchFamily="34" charset="0"/>
               </a:rPr>
-              <a:t>Déploiement en environnement de production.</a:t>
-            </a:r>
-          </a:p>
-          <a:p>
-            <a:pPr marL="171450" indent="-171450">
-              <a:buFont typeface="Arial" panose="020B0604020202020204" pitchFamily="34" charset="0"/>
-              <a:buChar char="•"/>
-            </a:pPr>
-            <a:r>
-              <a:rPr lang="fr-FR" sz="1200" dirty="0" smtClean="0">
-                <a:latin typeface="Calibri Light" panose="020F0302020204030204" pitchFamily="34" charset="0"/>
-                <a:cs typeface="Calibri Light" panose="020F0302020204030204" pitchFamily="34" charset="0"/>
-              </a:rPr>
-              <a:t>Ecriture des documentations.</a:t>
-            </a:r>
-            <a:endParaRPr lang="fr-FR" sz="1200" dirty="0">
-              <a:latin typeface="Calibri Light" panose="020F0302020204030204" pitchFamily="34" charset="0"/>
-              <a:cs typeface="Calibri Light" panose="020F0302020204030204" pitchFamily="34" charset="0"/>
-            </a:endParaRPr>
-          </a:p>
-          <a:p>
-            <a:endParaRPr lang="fr-FR" sz="500" dirty="0" smtClean="0">
-              <a:latin typeface="Calibri Light" panose="020F0302020204030204" pitchFamily="34" charset="0"/>
-              <a:cs typeface="Calibri Light" panose="020F0302020204030204" pitchFamily="34" charset="0"/>
-            </a:endParaRPr>
-          </a:p>
-          <a:p>
-            <a:r>
-              <a:rPr lang="fr-FR" sz="1200" dirty="0" smtClean="0">
-                <a:latin typeface="Berlin Sans FB Demi" panose="020E0802020502020306" pitchFamily="34" charset="0"/>
-                <a:cs typeface="Calibri Light" panose="020F0302020204030204" pitchFamily="34" charset="0"/>
-              </a:rPr>
-              <a:t>Techno et Outils : </a:t>
-            </a:r>
-            <a:r>
-              <a:rPr lang="fr-FR" sz="1200" dirty="0" err="1" smtClean="0">
-                <a:latin typeface="Calibri Light" panose="020F0302020204030204" pitchFamily="34" charset="0"/>
-                <a:cs typeface="Calibri Light" panose="020F0302020204030204" pitchFamily="34" charset="0"/>
-              </a:rPr>
-              <a:t>Redhat</a:t>
-            </a:r>
-            <a:r>
-              <a:rPr lang="fr-FR" sz="1200" dirty="0" smtClean="0">
-                <a:latin typeface="Calibri Light" panose="020F0302020204030204" pitchFamily="34" charset="0"/>
-                <a:cs typeface="Calibri Light" panose="020F0302020204030204" pitchFamily="34" charset="0"/>
-              </a:rPr>
-              <a:t>, </a:t>
-            </a:r>
-            <a:r>
-              <a:rPr lang="fr-FR" sz="1200" dirty="0" err="1" smtClean="0">
-                <a:latin typeface="Calibri Light" panose="020F0302020204030204" pitchFamily="34" charset="0"/>
-                <a:cs typeface="Calibri Light" panose="020F0302020204030204" pitchFamily="34" charset="0"/>
-              </a:rPr>
-              <a:t>Tomcat</a:t>
-            </a:r>
-            <a:r>
-              <a:rPr lang="fr-FR" sz="1200" dirty="0" smtClean="0">
-                <a:latin typeface="Calibri Light" panose="020F0302020204030204" pitchFamily="34" charset="0"/>
-                <a:cs typeface="Calibri Light" panose="020F0302020204030204" pitchFamily="34" charset="0"/>
-              </a:rPr>
-              <a:t>, GWT, </a:t>
-            </a:r>
-            <a:r>
-              <a:rPr lang="fr-FR" sz="1200" dirty="0" err="1" smtClean="0">
-                <a:latin typeface="Calibri Light" panose="020F0302020204030204" pitchFamily="34" charset="0"/>
-                <a:cs typeface="Calibri Light" panose="020F0302020204030204" pitchFamily="34" charset="0"/>
-              </a:rPr>
-              <a:t>Guice</a:t>
-            </a:r>
-            <a:r>
-              <a:rPr lang="fr-FR" sz="1200" dirty="0" smtClean="0">
-                <a:latin typeface="Calibri Light" panose="020F0302020204030204" pitchFamily="34" charset="0"/>
-                <a:cs typeface="Calibri Light" panose="020F0302020204030204" pitchFamily="34" charset="0"/>
-              </a:rPr>
-              <a:t>, </a:t>
-            </a:r>
-            <a:r>
-              <a:rPr lang="fr-FR" sz="1200" dirty="0" err="1" smtClean="0">
-                <a:latin typeface="Calibri Light" panose="020F0302020204030204" pitchFamily="34" charset="0"/>
-                <a:cs typeface="Calibri Light" panose="020F0302020204030204" pitchFamily="34" charset="0"/>
-              </a:rPr>
-              <a:t>Hibernate</a:t>
-            </a:r>
-            <a:r>
-              <a:rPr lang="fr-FR" sz="1200" dirty="0" smtClean="0">
-                <a:latin typeface="Calibri Light" panose="020F0302020204030204" pitchFamily="34" charset="0"/>
-                <a:cs typeface="Calibri Light" panose="020F0302020204030204" pitchFamily="34" charset="0"/>
-              </a:rPr>
-              <a:t>, Oracle DB, </a:t>
-            </a:r>
-            <a:r>
-              <a:rPr lang="fr-FR" sz="1200" dirty="0" err="1" smtClean="0">
-                <a:latin typeface="Calibri Light" panose="020F0302020204030204" pitchFamily="34" charset="0"/>
-                <a:cs typeface="Calibri Light" panose="020F0302020204030204" pitchFamily="34" charset="0"/>
-              </a:rPr>
-              <a:t>Ant</a:t>
-            </a:r>
-            <a:r>
-              <a:rPr lang="fr-FR" sz="1200" dirty="0" smtClean="0">
-                <a:latin typeface="Calibri Light" panose="020F0302020204030204" pitchFamily="34" charset="0"/>
-                <a:cs typeface="Calibri Light" panose="020F0302020204030204" pitchFamily="34" charset="0"/>
-              </a:rPr>
-              <a:t>, </a:t>
-            </a:r>
-            <a:r>
-              <a:rPr lang="fr-FR" sz="1200" dirty="0" err="1" smtClean="0">
-                <a:latin typeface="Calibri Light" panose="020F0302020204030204" pitchFamily="34" charset="0"/>
-                <a:cs typeface="Calibri Light" panose="020F0302020204030204" pitchFamily="34" charset="0"/>
-              </a:rPr>
-              <a:t>Netbeans</a:t>
-            </a:r>
-            <a:r>
-              <a:rPr lang="fr-FR" sz="1200" dirty="0" smtClean="0">
-                <a:latin typeface="Calibri Light" panose="020F0302020204030204" pitchFamily="34" charset="0"/>
-                <a:cs typeface="Calibri Light" panose="020F0302020204030204" pitchFamily="34" charset="0"/>
-              </a:rPr>
-              <a:t>, MS Project, UML</a:t>
-            </a:r>
-            <a:endParaRPr lang="fr-FR" sz="1200" dirty="0">
-              <a:latin typeface="Calibri Light" panose="020F0302020204030204" pitchFamily="34" charset="0"/>
-              <a:cs typeface="Calibri Light" panose="020F0302020204030204" pitchFamily="34" charset="0"/>
-            </a:endParaRPr>
-          </a:p>
-        </p:txBody>
-      </p:sp>
-      <p:sp>
-        <p:nvSpPr>
-          <p:cNvPr id="87" name="ZoneTexte 86"/>
+              <a:t>Windows, Windows Server, Ubuntu, LAN, Hardware</a:t>
+            </a:r>
+          </a:p>
+        </p:txBody>
+      </p:sp>
+      <p:sp>
+        <p:nvSpPr>
+          <p:cNvPr id="93" name="ZoneTexte 92"/>
           <p:cNvSpPr txBox="1"/>
           <p:nvPr/>
         </p:nvSpPr>
         <p:spPr>
           <a:xfrm>
-            <a:off x="4156636" y="3899280"/>
+            <a:off x="4147184" y="6636179"/>
             <a:ext cx="2971800" cy="461665"/>
           </a:xfrm>
           <a:prstGeom prst="rect">
@@ -8433,13 +7952,13 @@
           <a:lstStyle/>
           <a:p>
             <a:r>
-              <a:rPr lang="fr-FR" sz="1200" dirty="0" smtClean="0">
+              <a:rPr lang="fr-FR" sz="1200" dirty="0">
                 <a:latin typeface="Arial Black" panose="020B0A04020102020204" pitchFamily="34" charset="0"/>
               </a:rPr>
-              <a:t>Trésor Public Malgache</a:t>
-            </a:r>
-            <a:r>
-              <a:rPr lang="fr-FR" sz="1200" dirty="0" smtClean="0">
+              <a:t>Top Informatique</a:t>
+            </a:r>
+            <a:r>
+              <a:rPr lang="fr-FR" sz="1200" dirty="0">
                 <a:latin typeface="Bahnschrift SemiBold" panose="020B0502040204020203" pitchFamily="34" charset="0"/>
               </a:rPr>
               <a:t> </a:t>
@@ -8448,22 +7967,25 @@
           </a:p>
           <a:p>
             <a:r>
-              <a:rPr lang="fr-FR" sz="1200" b="1" dirty="0" smtClean="0"/>
-              <a:t>Antananarivo, MADAGASCAR</a:t>
-            </a:r>
-            <a:endParaRPr lang="fr-FR" sz="1200" b="1" dirty="0"/>
-          </a:p>
-        </p:txBody>
-      </p:sp>
-      <p:sp>
-        <p:nvSpPr>
-          <p:cNvPr id="88" name="ZoneTexte 87"/>
+              <a:rPr lang="fr-FR" sz="1200" b="1" dirty="0" err="1"/>
+              <a:t>Ambositra</a:t>
+            </a:r>
+            <a:r>
+              <a:rPr lang="fr-FR" sz="1200" b="1" dirty="0"/>
+              <a:t>, MADAGASCAR</a:t>
+            </a:r>
+          </a:p>
+        </p:txBody>
+      </p:sp>
+      <p:sp>
+        <p:nvSpPr>
+          <p:cNvPr id="94" name="ZoneTexte 93"/>
           <p:cNvSpPr txBox="1"/>
           <p:nvPr/>
         </p:nvSpPr>
         <p:spPr>
           <a:xfrm>
-            <a:off x="2573155" y="4127500"/>
+            <a:off x="2606485" y="6851623"/>
             <a:ext cx="1458849" cy="246221"/>
           </a:xfrm>
           <a:prstGeom prst="rect">
@@ -8479,315 +8001,11 @@
           <a:p>
             <a:pPr algn="r"/>
             <a:r>
-              <a:rPr lang="fr-FR" sz="1000" b="1" i="1" dirty="0" smtClean="0">
-                <a:latin typeface="Century Gothic" panose="020B0502020202020204" pitchFamily="34" charset="0"/>
-              </a:rPr>
-              <a:t>(6 mois)</a:t>
-            </a:r>
-            <a:endParaRPr lang="fr-FR" sz="1000" b="1" i="1" dirty="0">
-              <a:latin typeface="Century Gothic" panose="020B0502020202020204" pitchFamily="34" charset="0"/>
-            </a:endParaRPr>
-          </a:p>
-        </p:txBody>
-      </p:sp>
-      <p:sp>
-        <p:nvSpPr>
-          <p:cNvPr id="89" name="Ellipse 88"/>
-          <p:cNvSpPr/>
-          <p:nvPr/>
-        </p:nvSpPr>
-        <p:spPr>
-          <a:xfrm>
-            <a:off x="3989069" y="6485779"/>
-            <a:ext cx="152400" cy="150400"/>
-          </a:xfrm>
-          <a:prstGeom prst="ellipse">
-            <a:avLst/>
-          </a:prstGeom>
-          <a:solidFill>
-            <a:schemeClr val="tx1"/>
-          </a:solidFill>
-          <a:ln>
-            <a:solidFill>
-              <a:schemeClr val="tx1"/>
-            </a:solidFill>
-          </a:ln>
-        </p:spPr>
-        <p:style>
-          <a:lnRef idx="2">
-            <a:schemeClr val="accent1">
-              <a:shade val="50000"/>
-            </a:schemeClr>
-          </a:lnRef>
-          <a:fillRef idx="1">
-            <a:schemeClr val="accent1"/>
-          </a:fillRef>
-          <a:effectRef idx="0">
-            <a:schemeClr val="accent1"/>
-          </a:effectRef>
-          <a:fontRef idx="minor">
-            <a:schemeClr val="lt1"/>
-          </a:fontRef>
-        </p:style>
-        <p:txBody>
-          <a:bodyPr rtlCol="0" anchor="ctr"/>
-          <a:lstStyle/>
-          <a:p>
-            <a:pPr algn="ctr"/>
-            <a:endParaRPr lang="fr-FR"/>
-          </a:p>
-        </p:txBody>
-      </p:sp>
-      <p:sp>
-        <p:nvSpPr>
-          <p:cNvPr id="90" name="ZoneTexte 89"/>
-          <p:cNvSpPr txBox="1"/>
-          <p:nvPr/>
-        </p:nvSpPr>
-        <p:spPr>
-          <a:xfrm>
-            <a:off x="3000447" y="6404316"/>
-            <a:ext cx="946786" cy="415498"/>
-          </a:xfrm>
-          <a:prstGeom prst="rect">
-            <a:avLst/>
-          </a:prstGeom>
-          <a:noFill/>
-        </p:spPr>
-        <p:txBody>
-          <a:bodyPr wrap="square" rtlCol="0">
-            <a:spAutoFit/>
-          </a:bodyPr>
-          <a:lstStyle/>
-          <a:p>
-            <a:pPr algn="r"/>
-            <a:r>
-              <a:rPr lang="fr-FR" sz="1050" dirty="0" err="1" smtClean="0">
-                <a:latin typeface="Century Gothic" panose="020B0502020202020204" pitchFamily="34" charset="0"/>
-              </a:rPr>
-              <a:t>Fév</a:t>
-            </a:r>
-            <a:r>
-              <a:rPr lang="fr-FR" sz="1050" dirty="0" smtClean="0">
-                <a:latin typeface="Century Gothic" panose="020B0502020202020204" pitchFamily="34" charset="0"/>
-              </a:rPr>
-              <a:t> 2010 – Mars 2011</a:t>
-            </a:r>
-            <a:endParaRPr lang="fr-FR" sz="1050" dirty="0">
-              <a:latin typeface="Century Gothic" panose="020B0502020202020204" pitchFamily="34" charset="0"/>
-            </a:endParaRPr>
-          </a:p>
-        </p:txBody>
-      </p:sp>
-      <p:sp>
-        <p:nvSpPr>
-          <p:cNvPr id="91" name="ZoneTexte 90"/>
-          <p:cNvSpPr txBox="1"/>
-          <p:nvPr/>
-        </p:nvSpPr>
-        <p:spPr>
-          <a:xfrm>
-            <a:off x="4135119" y="6415835"/>
-            <a:ext cx="2971800" cy="276999"/>
-          </a:xfrm>
-          <a:prstGeom prst="rect">
-            <a:avLst/>
-          </a:prstGeom>
-          <a:noFill/>
-        </p:spPr>
-        <p:txBody>
-          <a:bodyPr wrap="square" rtlCol="0">
-            <a:spAutoFit/>
-          </a:bodyPr>
-          <a:lstStyle/>
-          <a:p>
-            <a:r>
-              <a:rPr lang="fr-FR" sz="1200" dirty="0" smtClean="0">
-                <a:latin typeface="Bahnschrift SemiBold" panose="020B0502040204020203" pitchFamily="34" charset="0"/>
-              </a:rPr>
-              <a:t>Technicien Système et Réseaux</a:t>
-            </a:r>
-            <a:endParaRPr lang="fr-FR" sz="1200" dirty="0">
-              <a:latin typeface="Bahnschrift SemiBold" panose="020B0502040204020203" pitchFamily="34" charset="0"/>
-            </a:endParaRPr>
-          </a:p>
-        </p:txBody>
-      </p:sp>
-      <p:sp>
-        <p:nvSpPr>
-          <p:cNvPr id="92" name="ZoneTexte 91"/>
-          <p:cNvSpPr txBox="1"/>
-          <p:nvPr/>
-        </p:nvSpPr>
-        <p:spPr>
-          <a:xfrm>
-            <a:off x="4141470" y="7099300"/>
-            <a:ext cx="3294380" cy="1092607"/>
-          </a:xfrm>
-          <a:prstGeom prst="rect">
-            <a:avLst/>
-          </a:prstGeom>
-          <a:noFill/>
-        </p:spPr>
-        <p:txBody>
-          <a:bodyPr wrap="square" rtlCol="0">
-            <a:spAutoFit/>
-          </a:bodyPr>
-          <a:lstStyle/>
-          <a:p>
-            <a:pPr marL="171450" indent="-171450">
-              <a:buFont typeface="Arial" panose="020B0604020202020204" pitchFamily="34" charset="0"/>
-              <a:buChar char="•"/>
-            </a:pPr>
-            <a:r>
-              <a:rPr lang="fr-FR" sz="1200" dirty="0" smtClean="0">
-                <a:latin typeface="Calibri Light" panose="020F0302020204030204" pitchFamily="34" charset="0"/>
-                <a:cs typeface="Calibri Light" panose="020F0302020204030204" pitchFamily="34" charset="0"/>
-              </a:rPr>
-              <a:t>Maintenance des postes de travails, </a:t>
-            </a:r>
-          </a:p>
-          <a:p>
-            <a:pPr marL="171450" indent="-171450">
-              <a:buFont typeface="Arial" panose="020B0604020202020204" pitchFamily="34" charset="0"/>
-              <a:buChar char="•"/>
-            </a:pPr>
-            <a:r>
-              <a:rPr lang="fr-FR" sz="1200" dirty="0" smtClean="0">
-                <a:latin typeface="Calibri Light" panose="020F0302020204030204" pitchFamily="34" charset="0"/>
-                <a:cs typeface="Calibri Light" panose="020F0302020204030204" pitchFamily="34" charset="0"/>
-              </a:rPr>
-              <a:t>Maintenance des imprimantes </a:t>
-            </a:r>
-          </a:p>
-          <a:p>
-            <a:pPr marL="171450" indent="-171450">
-              <a:buFont typeface="Arial" panose="020B0604020202020204" pitchFamily="34" charset="0"/>
-              <a:buChar char="•"/>
-            </a:pPr>
-            <a:r>
-              <a:rPr lang="fr-FR" sz="1200" dirty="0" smtClean="0">
-                <a:latin typeface="Calibri Light" panose="020F0302020204030204" pitchFamily="34" charset="0"/>
-                <a:cs typeface="Calibri Light" panose="020F0302020204030204" pitchFamily="34" charset="0"/>
-              </a:rPr>
-              <a:t>Configuration d’équipements réseaux</a:t>
-            </a:r>
-          </a:p>
-          <a:p>
-            <a:endParaRPr lang="fr-FR" sz="500" dirty="0" smtClean="0">
-              <a:latin typeface="Calibri Light" panose="020F0302020204030204" pitchFamily="34" charset="0"/>
-              <a:cs typeface="Calibri Light" panose="020F0302020204030204" pitchFamily="34" charset="0"/>
-            </a:endParaRPr>
-          </a:p>
-          <a:p>
-            <a:r>
-              <a:rPr lang="fr-FR" sz="1200" dirty="0" smtClean="0">
-                <a:latin typeface="Berlin Sans FB Demi" panose="020E0802020502020306" pitchFamily="34" charset="0"/>
-                <a:cs typeface="Calibri Light" panose="020F0302020204030204" pitchFamily="34" charset="0"/>
-              </a:rPr>
-              <a:t>Techno et Outils : </a:t>
-            </a:r>
-            <a:r>
-              <a:rPr lang="fr-FR" sz="1200" dirty="0" smtClean="0">
-                <a:latin typeface="Calibri Light" panose="020F0302020204030204" pitchFamily="34" charset="0"/>
-                <a:cs typeface="Calibri Light" panose="020F0302020204030204" pitchFamily="34" charset="0"/>
-              </a:rPr>
-              <a:t>Windows, Windows Server, Ubuntu, LAN, Hardware</a:t>
-            </a:r>
-            <a:endParaRPr lang="fr-FR" sz="1200" dirty="0">
-              <a:latin typeface="Calibri Light" panose="020F0302020204030204" pitchFamily="34" charset="0"/>
-              <a:cs typeface="Calibri Light" panose="020F0302020204030204" pitchFamily="34" charset="0"/>
-            </a:endParaRPr>
-          </a:p>
-        </p:txBody>
-      </p:sp>
-      <p:sp>
-        <p:nvSpPr>
-          <p:cNvPr id="93" name="ZoneTexte 92"/>
-          <p:cNvSpPr txBox="1"/>
-          <p:nvPr/>
-        </p:nvSpPr>
-        <p:spPr>
-          <a:xfrm>
-            <a:off x="4147184" y="6636179"/>
-            <a:ext cx="2971800" cy="461665"/>
-          </a:xfrm>
-          <a:prstGeom prst="rect">
-            <a:avLst/>
-          </a:prstGeom>
-          <a:noFill/>
-        </p:spPr>
-        <p:txBody>
-          <a:bodyPr wrap="square" rtlCol="0">
-            <a:spAutoFit/>
-          </a:bodyPr>
-          <a:lstStyle/>
-          <a:p>
-            <a:r>
-              <a:rPr lang="fr-FR" sz="1200" dirty="0" smtClean="0">
-                <a:latin typeface="Arial Black" panose="020B0A04020102020204" pitchFamily="34" charset="0"/>
-              </a:rPr>
-              <a:t>Top Informatique</a:t>
-            </a:r>
-            <a:r>
-              <a:rPr lang="fr-FR" sz="1200" dirty="0" smtClean="0">
-                <a:latin typeface="Bahnschrift SemiBold" panose="020B0502040204020203" pitchFamily="34" charset="0"/>
-              </a:rPr>
-              <a:t> </a:t>
-            </a:r>
-            <a:endParaRPr lang="fr-FR" sz="1200" dirty="0"/>
-          </a:p>
-          <a:p>
-            <a:r>
-              <a:rPr lang="fr-FR" sz="1200" b="1" dirty="0" err="1" smtClean="0"/>
-              <a:t>Ambositra</a:t>
-            </a:r>
-            <a:r>
-              <a:rPr lang="fr-FR" sz="1200" b="1" dirty="0" smtClean="0"/>
-              <a:t>, MADAGASCAR</a:t>
-            </a:r>
-            <a:endParaRPr lang="fr-FR" sz="1200" b="1" dirty="0"/>
-          </a:p>
-        </p:txBody>
-      </p:sp>
-      <p:sp>
-        <p:nvSpPr>
-          <p:cNvPr id="94" name="ZoneTexte 93"/>
-          <p:cNvSpPr txBox="1"/>
-          <p:nvPr/>
-        </p:nvSpPr>
-        <p:spPr>
-          <a:xfrm>
-            <a:off x="2606485" y="6851623"/>
-            <a:ext cx="1458849" cy="246221"/>
-          </a:xfrm>
-          <a:prstGeom prst="rect">
-            <a:avLst/>
-          </a:prstGeom>
-          <a:noFill/>
-        </p:spPr>
-        <p:txBody>
-          <a:bodyPr wrap="square" rtlCol="0">
-            <a:spAutoFit/>
-          </a:bodyPr>
-          <a:lstStyle/>
-          <a:p>
-            <a:pPr algn="r"/>
-            <a:r>
               <a:rPr lang="fr-FR" sz="1000" b="1" i="1" dirty="0">
                 <a:latin typeface="Century Gothic" panose="020B0502020202020204" pitchFamily="34" charset="0"/>
               </a:rPr>
-              <a:t>(</a:t>
-            </a:r>
-            <a:r>
-              <a:rPr lang="fr-FR" sz="1000" b="1" i="1" dirty="0" smtClean="0">
-                <a:latin typeface="Century Gothic" panose="020B0502020202020204" pitchFamily="34" charset="0"/>
-              </a:rPr>
-              <a:t>1an et 1 mois)</a:t>
-            </a:r>
-            <a:endParaRPr lang="fr-FR" sz="1000" b="1" i="1" dirty="0">
-              <a:latin typeface="Century Gothic" panose="020B0502020202020204" pitchFamily="34" charset="0"/>
-            </a:endParaRPr>
+              <a:t>(1an et 1 mois)</a:t>
+            </a:r>
           </a:p>
         </p:txBody>
       </p:sp>
@@ -8838,7 +8056,7 @@
                     <a:lstStyle/>
                     <a:p>
                       <a:r>
-                        <a:rPr lang="fr-FR" sz="1200" b="0" dirty="0" smtClean="0">
+                        <a:rPr lang="fr-FR" sz="1200" b="0" dirty="0">
                           <a:solidFill>
                             <a:schemeClr val="tx1"/>
                           </a:solidFill>
@@ -8846,12 +8064,6 @@
                         </a:rPr>
                         <a:t>2013</a:t>
                       </a:r>
-                      <a:endParaRPr lang="fr-FR" sz="1200" b="0" dirty="0">
-                        <a:solidFill>
-                          <a:schemeClr val="tx1"/>
-                        </a:solidFill>
-                        <a:latin typeface="Century Gothic" panose="020B0502020202020204" pitchFamily="34" charset="0"/>
-                      </a:endParaRPr>
                     </a:p>
                   </a:txBody>
                   <a:tcPr>
@@ -8900,7 +8112,7 @@
                     <a:lstStyle/>
                     <a:p>
                       <a:r>
-                        <a:rPr lang="fr-FR" sz="1200" b="0" dirty="0" smtClean="0">
+                        <a:rPr lang="fr-FR" sz="1200" b="0" dirty="0">
                           <a:solidFill>
                             <a:schemeClr val="tx1"/>
                           </a:solidFill>
@@ -8912,7 +8124,7 @@
                     </a:p>
                     <a:p>
                       <a:r>
-                        <a:rPr lang="fr-FR" sz="1200" b="0" dirty="0" smtClean="0">
+                        <a:rPr lang="fr-FR" sz="1200" b="0" dirty="0">
                           <a:solidFill>
                             <a:schemeClr val="tx1"/>
                           </a:solidFill>
@@ -8924,7 +8136,7 @@
                     </a:p>
                     <a:p>
                       <a:r>
-                        <a:rPr lang="fr-FR" sz="1200" b="0" i="1" dirty="0" smtClean="0">
+                        <a:rPr lang="fr-FR" sz="1200" b="0" i="1" dirty="0">
                           <a:solidFill>
                             <a:schemeClr val="tx1"/>
                           </a:solidFill>
@@ -8934,7 +8146,7 @@
                         <a:t>Université de Fianarantsoa</a:t>
                       </a:r>
                       <a:r>
-                        <a:rPr lang="fr-FR" sz="1200" b="0" i="1" baseline="0" dirty="0" smtClean="0">
+                        <a:rPr lang="fr-FR" sz="1200" b="0" i="1" baseline="0" dirty="0">
                           <a:solidFill>
                             <a:schemeClr val="tx1"/>
                           </a:solidFill>
@@ -8944,7 +8156,7 @@
                         <a:t>, </a:t>
                       </a:r>
                       <a:r>
-                        <a:rPr lang="fr-FR" sz="1200" b="0" i="1" dirty="0" smtClean="0">
+                        <a:rPr lang="fr-FR" sz="1200" b="0" i="1" dirty="0">
                           <a:solidFill>
                             <a:schemeClr val="tx1"/>
                           </a:solidFill>
@@ -9008,7 +8220,7 @@
                     <a:lstStyle/>
                     <a:p>
                       <a:r>
-                        <a:rPr lang="fr-FR" sz="1200" b="0" dirty="0" smtClean="0">
+                        <a:rPr lang="fr-FR" sz="1200" b="0" dirty="0">
                           <a:solidFill>
                             <a:schemeClr val="tx1"/>
                           </a:solidFill>
@@ -9016,12 +8228,6 @@
                         </a:rPr>
                         <a:t>2009</a:t>
                       </a:r>
-                      <a:endParaRPr lang="fr-FR" sz="1200" b="0" dirty="0">
-                        <a:solidFill>
-                          <a:schemeClr val="tx1"/>
-                        </a:solidFill>
-                        <a:latin typeface="Century Gothic" panose="020B0502020202020204" pitchFamily="34" charset="0"/>
-                      </a:endParaRPr>
                     </a:p>
                   </a:txBody>
                   <a:tcPr>
@@ -9070,7 +8276,7 @@
                     <a:lstStyle/>
                     <a:p>
                       <a:r>
-                        <a:rPr lang="fr-FR" sz="1200" b="0" dirty="0" smtClean="0">
+                        <a:rPr lang="fr-FR" sz="1200" b="0" dirty="0">
                           <a:solidFill>
                             <a:schemeClr val="tx1"/>
                           </a:solidFill>
@@ -9080,7 +8286,7 @@
                         <a:t>Licence</a:t>
                       </a:r>
                       <a:r>
-                        <a:rPr lang="fr-FR" sz="1200" b="0" baseline="0" dirty="0" smtClean="0">
+                        <a:rPr lang="fr-FR" sz="1200" b="0" baseline="0" dirty="0">
                           <a:solidFill>
                             <a:schemeClr val="tx1"/>
                           </a:solidFill>
@@ -9089,7 +8295,7 @@
                         </a:rPr>
                         <a:t> en télécommunication</a:t>
                       </a:r>
-                      <a:endParaRPr lang="fr-FR" sz="1200" b="0" dirty="0" smtClean="0">
+                      <a:endParaRPr lang="fr-FR" sz="1200" b="0" dirty="0">
                         <a:solidFill>
                           <a:schemeClr val="tx1"/>
                         </a:solidFill>
@@ -9099,7 +8305,7 @@
                     </a:p>
                     <a:p>
                       <a:r>
-                        <a:rPr lang="fr-FR" sz="1200" b="0" dirty="0" smtClean="0">
+                        <a:rPr lang="fr-FR" sz="1200" b="0" dirty="0">
                           <a:solidFill>
                             <a:schemeClr val="tx1"/>
                           </a:solidFill>
@@ -9109,7 +8315,7 @@
                         <a:t>ECOLE SUPERIEURE</a:t>
                       </a:r>
                       <a:r>
-                        <a:rPr lang="fr-FR" sz="1200" b="0" baseline="0" dirty="0" smtClean="0">
+                        <a:rPr lang="fr-FR" sz="1200" b="0" baseline="0" dirty="0">
                           <a:solidFill>
                             <a:schemeClr val="tx1"/>
                           </a:solidFill>
@@ -9118,7 +8324,7 @@
                         </a:rPr>
                         <a:t> POLYTECHNIQUE</a:t>
                       </a:r>
-                      <a:endParaRPr lang="fr-FR" sz="1200" b="0" dirty="0" smtClean="0">
+                      <a:endParaRPr lang="fr-FR" sz="1200" b="0" dirty="0">
                         <a:solidFill>
                           <a:schemeClr val="tx1"/>
                         </a:solidFill>
@@ -9128,7 +8334,7 @@
                     </a:p>
                     <a:p>
                       <a:r>
-                        <a:rPr lang="fr-FR" sz="1200" b="0" i="1" dirty="0" smtClean="0">
+                        <a:rPr lang="fr-FR" sz="1200" b="0" i="1" dirty="0">
                           <a:solidFill>
                             <a:schemeClr val="tx1"/>
                           </a:solidFill>
@@ -9138,7 +8344,7 @@
                         <a:t>Université d’Antananarivo</a:t>
                       </a:r>
                       <a:r>
-                        <a:rPr lang="fr-FR" sz="1200" b="0" i="1" baseline="0" dirty="0" smtClean="0">
+                        <a:rPr lang="fr-FR" sz="1200" b="0" i="1" baseline="0" dirty="0">
                           <a:solidFill>
                             <a:schemeClr val="tx1"/>
                           </a:solidFill>
@@ -9148,7 +8354,7 @@
                         <a:t>, </a:t>
                       </a:r>
                       <a:r>
-                        <a:rPr lang="fr-FR" sz="1200" b="0" i="1" dirty="0" smtClean="0">
+                        <a:rPr lang="fr-FR" sz="1200" b="0" i="1" dirty="0">
                           <a:solidFill>
                             <a:schemeClr val="tx1"/>
                           </a:solidFill>
@@ -9269,7 +8475,7 @@
                     <a:p>
                       <a:pPr algn="ctr"/>
                       <a:r>
-                        <a:rPr lang="fr-FR" sz="1200" b="1" dirty="0" smtClean="0">
+                        <a:rPr lang="fr-FR" sz="1200" b="1" dirty="0">
                           <a:solidFill>
                             <a:schemeClr val="tx1"/>
                           </a:solidFill>
@@ -9277,12 +8483,6 @@
                         </a:rPr>
                         <a:t>Langue</a:t>
                       </a:r>
-                      <a:endParaRPr lang="fr-FR" sz="1200" b="1" dirty="0">
-                        <a:solidFill>
-                          <a:schemeClr val="tx1"/>
-                        </a:solidFill>
-                        <a:latin typeface="Century Gothic" panose="020B0502020202020204" pitchFamily="34" charset="0"/>
-                      </a:endParaRPr>
                     </a:p>
                   </a:txBody>
                   <a:tcPr anchor="ctr">
@@ -9300,7 +8500,7 @@
                     <a:p>
                       <a:pPr algn="ctr"/>
                       <a:r>
-                        <a:rPr lang="fr-FR" sz="1200" b="1" dirty="0" smtClean="0">
+                        <a:rPr lang="fr-FR" sz="1200" b="1" dirty="0">
                           <a:solidFill>
                             <a:schemeClr val="tx1"/>
                           </a:solidFill>
@@ -9308,12 +8508,6 @@
                         </a:rPr>
                         <a:t>Niveau </a:t>
                       </a:r>
-                      <a:endParaRPr lang="fr-FR" sz="1200" b="1" dirty="0">
-                        <a:solidFill>
-                          <a:schemeClr val="tx1"/>
-                        </a:solidFill>
-                        <a:latin typeface="Century Gothic" panose="020B0502020202020204" pitchFamily="34" charset="0"/>
-                      </a:endParaRPr>
                     </a:p>
                   </a:txBody>
                   <a:tcPr anchor="ctr">
@@ -9331,7 +8525,7 @@
                     <a:p>
                       <a:pPr algn="ctr"/>
                       <a:r>
-                        <a:rPr lang="fr-FR" sz="1200" b="1" dirty="0" smtClean="0">
+                        <a:rPr lang="fr-FR" sz="1200" b="1" dirty="0">
                           <a:solidFill>
                             <a:schemeClr val="tx1"/>
                           </a:solidFill>
@@ -9339,12 +8533,6 @@
                         </a:rPr>
                         <a:t>CECRL</a:t>
                       </a:r>
-                      <a:endParaRPr lang="fr-FR" sz="1200" b="1" dirty="0">
-                        <a:solidFill>
-                          <a:schemeClr val="tx1"/>
-                        </a:solidFill>
-                        <a:latin typeface="Century Gothic" panose="020B0502020202020204" pitchFamily="34" charset="0"/>
-                      </a:endParaRPr>
                     </a:p>
                   </a:txBody>
                   <a:tcPr anchor="ctr">
@@ -9368,7 +8556,7 @@
                     <a:lstStyle/>
                     <a:p>
                       <a:r>
-                        <a:rPr lang="fr-FR" sz="1200" b="0" dirty="0" smtClean="0">
+                        <a:rPr lang="fr-FR" sz="1200" b="0" dirty="0">
                           <a:solidFill>
                             <a:schemeClr val="tx1"/>
                           </a:solidFill>
@@ -9377,13 +8565,6 @@
                         </a:rPr>
                         <a:t>Français</a:t>
                       </a:r>
-                      <a:endParaRPr lang="fr-FR" sz="1200" b="0" dirty="0">
-                        <a:solidFill>
-                          <a:schemeClr val="tx1"/>
-                        </a:solidFill>
-                        <a:latin typeface="Calibri Light" panose="020F0302020204030204" pitchFamily="34" charset="0"/>
-                        <a:cs typeface="Calibri Light" panose="020F0302020204030204" pitchFamily="34" charset="0"/>
-                      </a:endParaRPr>
                     </a:p>
                   </a:txBody>
                   <a:tcPr anchor="ctr">
@@ -9398,7 +8579,7 @@
                     <a:lstStyle/>
                     <a:p>
                       <a:r>
-                        <a:rPr lang="fr-FR" sz="1200" b="0" dirty="0" smtClean="0">
+                        <a:rPr lang="fr-FR" sz="1200" b="0" dirty="0">
                           <a:solidFill>
                             <a:schemeClr val="tx1"/>
                           </a:solidFill>
@@ -9407,13 +8588,6 @@
                         </a:rPr>
                         <a:t>Courant</a:t>
                       </a:r>
-                      <a:endParaRPr lang="fr-FR" sz="1200" b="0" dirty="0">
-                        <a:solidFill>
-                          <a:schemeClr val="tx1"/>
-                        </a:solidFill>
-                        <a:latin typeface="Calibri Light" panose="020F0302020204030204" pitchFamily="34" charset="0"/>
-                        <a:cs typeface="Calibri Light" panose="020F0302020204030204" pitchFamily="34" charset="0"/>
-                      </a:endParaRPr>
                     </a:p>
                   </a:txBody>
                   <a:tcPr anchor="ctr">
@@ -9429,7 +8603,7 @@
                     <a:p>
                       <a:pPr algn="ctr"/>
                       <a:r>
-                        <a:rPr lang="fr-FR" sz="1200" b="0" dirty="0" smtClean="0">
+                        <a:rPr lang="fr-FR" sz="1200" b="0" dirty="0">
                           <a:solidFill>
                             <a:schemeClr val="tx1"/>
                           </a:solidFill>
@@ -9438,13 +8612,6 @@
                         </a:rPr>
                         <a:t>C1</a:t>
                       </a:r>
-                      <a:endParaRPr lang="fr-FR" sz="1200" b="0" dirty="0">
-                        <a:solidFill>
-                          <a:schemeClr val="tx1"/>
-                        </a:solidFill>
-                        <a:latin typeface="Calibri Light" panose="020F0302020204030204" pitchFamily="34" charset="0"/>
-                        <a:cs typeface="Calibri Light" panose="020F0302020204030204" pitchFamily="34" charset="0"/>
-                      </a:endParaRPr>
                     </a:p>
                   </a:txBody>
                   <a:tcPr anchor="ctr">
@@ -9466,7 +8633,7 @@
                     <a:lstStyle/>
                     <a:p>
                       <a:r>
-                        <a:rPr lang="fr-FR" sz="1200" b="0" dirty="0" smtClean="0">
+                        <a:rPr lang="fr-FR" sz="1200" b="0" dirty="0">
                           <a:solidFill>
                             <a:schemeClr val="tx1"/>
                           </a:solidFill>
@@ -9475,13 +8642,6 @@
                         </a:rPr>
                         <a:t>Anglais</a:t>
                       </a:r>
-                      <a:endParaRPr lang="fr-FR" sz="1200" b="0" dirty="0">
-                        <a:solidFill>
-                          <a:schemeClr val="tx1"/>
-                        </a:solidFill>
-                        <a:latin typeface="Calibri Light" panose="020F0302020204030204" pitchFamily="34" charset="0"/>
-                        <a:cs typeface="Calibri Light" panose="020F0302020204030204" pitchFamily="34" charset="0"/>
-                      </a:endParaRPr>
                     </a:p>
                   </a:txBody>
                   <a:tcPr anchor="ctr">
@@ -9496,7 +8656,7 @@
                     <a:lstStyle/>
                     <a:p>
                       <a:r>
-                        <a:rPr lang="fr-FR" sz="1200" b="0" dirty="0" smtClean="0">
+                        <a:rPr lang="fr-FR" sz="1200" b="0" dirty="0">
                           <a:solidFill>
                             <a:schemeClr val="tx1"/>
                           </a:solidFill>
@@ -9505,13 +8665,6 @@
                         </a:rPr>
                         <a:t>Intermédiaire</a:t>
                       </a:r>
-                      <a:endParaRPr lang="fr-FR" sz="1200" b="0" dirty="0">
-                        <a:solidFill>
-                          <a:schemeClr val="tx1"/>
-                        </a:solidFill>
-                        <a:latin typeface="Calibri Light" panose="020F0302020204030204" pitchFamily="34" charset="0"/>
-                        <a:cs typeface="Calibri Light" panose="020F0302020204030204" pitchFamily="34" charset="0"/>
-                      </a:endParaRPr>
                     </a:p>
                   </a:txBody>
                   <a:tcPr anchor="ctr">
@@ -9527,7 +8680,7 @@
                     <a:p>
                       <a:pPr algn="ctr"/>
                       <a:r>
-                        <a:rPr lang="fr-FR" sz="1200" b="0" dirty="0" smtClean="0">
+                        <a:rPr lang="fr-FR" sz="1200" b="0" dirty="0">
                           <a:solidFill>
                             <a:schemeClr val="tx1"/>
                           </a:solidFill>
@@ -9536,13 +8689,6 @@
                         </a:rPr>
                         <a:t>B1</a:t>
                       </a:r>
-                      <a:endParaRPr lang="fr-FR" sz="1200" b="0" dirty="0">
-                        <a:solidFill>
-                          <a:schemeClr val="tx1"/>
-                        </a:solidFill>
-                        <a:latin typeface="Calibri Light" panose="020F0302020204030204" pitchFamily="34" charset="0"/>
-                        <a:cs typeface="Calibri Light" panose="020F0302020204030204" pitchFamily="34" charset="0"/>
-                      </a:endParaRPr>
                     </a:p>
                   </a:txBody>
                   <a:tcPr anchor="ctr">
@@ -9588,41 +8734,11 @@
               <a:buChar char="•"/>
             </a:pPr>
             <a:r>
-              <a:rPr lang="fr-FR" sz="1200" dirty="0" smtClean="0">
-                <a:latin typeface="Calibri Light" panose="020F0302020204030204" pitchFamily="34" charset="0"/>
-                <a:cs typeface="Calibri Light" panose="020F0302020204030204" pitchFamily="34" charset="0"/>
-              </a:rPr>
-              <a:t>Volontariat dans une association caritatif entre 2015 à 2019</a:t>
-            </a:r>
-          </a:p>
-          <a:p>
-            <a:pPr marL="171450" indent="-171450">
-              <a:buFont typeface="Arial" panose="020B0604020202020204" pitchFamily="34" charset="0"/>
-              <a:buChar char="•"/>
-            </a:pPr>
-            <a:endParaRPr lang="fr-FR" sz="400" dirty="0" smtClean="0">
-              <a:latin typeface="Calibri Light" panose="020F0302020204030204" pitchFamily="34" charset="0"/>
-              <a:cs typeface="Calibri Light" panose="020F0302020204030204" pitchFamily="34" charset="0"/>
-            </a:endParaRPr>
-          </a:p>
-          <a:p>
-            <a:pPr marL="171450" indent="-171450">
-              <a:buFont typeface="Arial" panose="020B0604020202020204" pitchFamily="34" charset="0"/>
-              <a:buChar char="•"/>
-            </a:pPr>
-            <a:r>
               <a:rPr lang="fr-FR" sz="1200" dirty="0">
                 <a:latin typeface="Calibri Light" panose="020F0302020204030204" pitchFamily="34" charset="0"/>
                 <a:cs typeface="Calibri Light" panose="020F0302020204030204" pitchFamily="34" charset="0"/>
               </a:rPr>
-              <a:t>Capitaine d’un équipe de futsal amateur entre 2013 et </a:t>
-            </a:r>
-            <a:r>
-              <a:rPr lang="fr-FR" sz="1200" dirty="0" smtClean="0">
-                <a:latin typeface="Calibri Light" panose="020F0302020204030204" pitchFamily="34" charset="0"/>
-                <a:cs typeface="Calibri Light" panose="020F0302020204030204" pitchFamily="34" charset="0"/>
-              </a:rPr>
-              <a:t>2017</a:t>
+              <a:t>Volontariat dans une association caritatif entre 2015 à 2019</a:t>
             </a:r>
           </a:p>
           <a:p>
@@ -9641,29 +8757,548 @@
               <a:buChar char="•"/>
             </a:pPr>
             <a:r>
-              <a:rPr lang="fr-FR" sz="1200" dirty="0" smtClean="0">
+              <a:rPr lang="fr-FR" sz="1200" dirty="0">
                 <a:latin typeface="Calibri Light" panose="020F0302020204030204" pitchFamily="34" charset="0"/>
                 <a:cs typeface="Calibri Light" panose="020F0302020204030204" pitchFamily="34" charset="0"/>
               </a:rPr>
+              <a:t>Capitaine d’un équipe de futsal amateur entre 2013 et 2017</a:t>
+            </a:r>
+          </a:p>
+          <a:p>
+            <a:pPr marL="171450" indent="-171450">
+              <a:buFont typeface="Arial" panose="020B0604020202020204" pitchFamily="34" charset="0"/>
+              <a:buChar char="•"/>
+            </a:pPr>
+            <a:endParaRPr lang="fr-FR" sz="400" dirty="0">
+              <a:latin typeface="Calibri Light" panose="020F0302020204030204" pitchFamily="34" charset="0"/>
+              <a:cs typeface="Calibri Light" panose="020F0302020204030204" pitchFamily="34" charset="0"/>
+            </a:endParaRPr>
+          </a:p>
+          <a:p>
+            <a:pPr marL="171450" indent="-171450">
+              <a:buFont typeface="Arial" panose="020B0604020202020204" pitchFamily="34" charset="0"/>
+              <a:buChar char="•"/>
+            </a:pPr>
+            <a:r>
+              <a:rPr lang="fr-FR" sz="1200" dirty="0">
+                <a:latin typeface="Calibri Light" panose="020F0302020204030204" pitchFamily="34" charset="0"/>
+                <a:cs typeface="Calibri Light" panose="020F0302020204030204" pitchFamily="34" charset="0"/>
+              </a:rPr>
               <a:t>Passionné de bricolage et de cuisine</a:t>
             </a:r>
+          </a:p>
+        </p:txBody>
+      </p:sp>
+      <p:sp>
+        <p:nvSpPr>
+          <p:cNvPr id="103" name="ZoneTexte 102"/>
+          <p:cNvSpPr txBox="1"/>
+          <p:nvPr/>
+        </p:nvSpPr>
+        <p:spPr>
+          <a:xfrm>
+            <a:off x="425450" y="1917700"/>
+            <a:ext cx="2180971" cy="1200329"/>
+          </a:xfrm>
+          <a:prstGeom prst="rect">
+            <a:avLst/>
+          </a:prstGeom>
+          <a:noFill/>
+        </p:spPr>
+        <p:txBody>
+          <a:bodyPr wrap="square" rtlCol="0">
+            <a:spAutoFit/>
+          </a:bodyPr>
+          <a:lstStyle/>
+          <a:p>
+            <a:pPr marL="171450" indent="-171450">
+              <a:buFont typeface="Arial" panose="020B0604020202020204" pitchFamily="34" charset="0"/>
+              <a:buChar char="•"/>
+            </a:pPr>
+            <a:r>
+              <a:rPr lang="fr-FR" sz="1200" dirty="0">
+                <a:latin typeface="Calibri Light" panose="020F0302020204030204" pitchFamily="34" charset="0"/>
+                <a:cs typeface="Calibri Light" panose="020F0302020204030204" pitchFamily="34" charset="0"/>
+              </a:rPr>
+              <a:t>Attentif, à l’écoute</a:t>
+            </a:r>
+          </a:p>
+          <a:p>
+            <a:pPr marL="171450" indent="-171450">
+              <a:buFont typeface="Arial" panose="020B0604020202020204" pitchFamily="34" charset="0"/>
+              <a:buChar char="•"/>
+            </a:pPr>
+            <a:r>
+              <a:rPr lang="fr-FR" sz="1200" dirty="0">
+                <a:latin typeface="Calibri Light" panose="020F0302020204030204" pitchFamily="34" charset="0"/>
+                <a:cs typeface="Calibri Light" panose="020F0302020204030204" pitchFamily="34" charset="0"/>
+              </a:rPr>
+              <a:t>Capacité d’adaptation</a:t>
+            </a:r>
+          </a:p>
+          <a:p>
+            <a:pPr marL="171450" indent="-171450">
+              <a:buFont typeface="Arial" panose="020B0604020202020204" pitchFamily="34" charset="0"/>
+              <a:buChar char="•"/>
+            </a:pPr>
+            <a:r>
+              <a:rPr lang="fr-FR" sz="1200" dirty="0">
+                <a:latin typeface="Calibri Light" panose="020F0302020204030204" pitchFamily="34" charset="0"/>
+                <a:cs typeface="Calibri Light" panose="020F0302020204030204" pitchFamily="34" charset="0"/>
+              </a:rPr>
+              <a:t>Coopératif</a:t>
+            </a:r>
+          </a:p>
+          <a:p>
+            <a:pPr marL="171450" indent="-171450">
+              <a:buFont typeface="Arial" panose="020B0604020202020204" pitchFamily="34" charset="0"/>
+              <a:buChar char="•"/>
+            </a:pPr>
+            <a:r>
+              <a:rPr lang="fr-FR" sz="1200" dirty="0">
+                <a:latin typeface="Calibri Light" panose="020F0302020204030204" pitchFamily="34" charset="0"/>
+                <a:cs typeface="Calibri Light" panose="020F0302020204030204" pitchFamily="34" charset="0"/>
+              </a:rPr>
+              <a:t>Rigoureux</a:t>
+            </a:r>
+          </a:p>
+          <a:p>
+            <a:pPr marL="171450" indent="-171450">
+              <a:buFont typeface="Arial" panose="020B0604020202020204" pitchFamily="34" charset="0"/>
+              <a:buChar char="•"/>
+            </a:pPr>
+            <a:r>
+              <a:rPr lang="fr-FR" sz="1200" dirty="0">
+                <a:latin typeface="Calibri Light" panose="020F0302020204030204" pitchFamily="34" charset="0"/>
+                <a:cs typeface="Calibri Light" panose="020F0302020204030204" pitchFamily="34" charset="0"/>
+              </a:rPr>
+              <a:t>Proactif</a:t>
+            </a:r>
+          </a:p>
+          <a:p>
+            <a:pPr marL="171450" indent="-171450">
+              <a:buFont typeface="Arial" panose="020B0604020202020204" pitchFamily="34" charset="0"/>
+              <a:buChar char="•"/>
+            </a:pPr>
+            <a:r>
+              <a:rPr lang="fr-FR" sz="1200" dirty="0">
+                <a:latin typeface="Calibri Light" panose="020F0302020204030204" pitchFamily="34" charset="0"/>
+                <a:cs typeface="Calibri Light" panose="020F0302020204030204" pitchFamily="34" charset="0"/>
+              </a:rPr>
+              <a:t>Ponctuel</a:t>
+            </a:r>
+          </a:p>
+        </p:txBody>
+      </p:sp>
+      <p:sp>
+        <p:nvSpPr>
+          <p:cNvPr id="2" name="Ellipse 1">
+            <a:extLst>
+              <a:ext uri="{FF2B5EF4-FFF2-40B4-BE49-F238E27FC236}">
+                <a16:creationId xmlns:a16="http://schemas.microsoft.com/office/drawing/2014/main" id="{D7B2700D-4F7E-8551-5213-BA0C30CFC164}"/>
+              </a:ext>
+            </a:extLst>
+          </p:cNvPr>
+          <p:cNvSpPr/>
+          <p:nvPr/>
+        </p:nvSpPr>
+        <p:spPr>
+          <a:xfrm>
+            <a:off x="3989069" y="681247"/>
+            <a:ext cx="152400" cy="150400"/>
+          </a:xfrm>
+          <a:prstGeom prst="ellipse">
+            <a:avLst/>
+          </a:prstGeom>
+          <a:solidFill>
+            <a:schemeClr val="tx1"/>
+          </a:solidFill>
+          <a:ln>
+            <a:solidFill>
+              <a:schemeClr val="tx1"/>
+            </a:solidFill>
+          </a:ln>
+        </p:spPr>
+        <p:style>
+          <a:lnRef idx="2">
+            <a:schemeClr val="accent1">
+              <a:shade val="50000"/>
+            </a:schemeClr>
+          </a:lnRef>
+          <a:fillRef idx="1">
+            <a:schemeClr val="accent1"/>
+          </a:fillRef>
+          <a:effectRef idx="0">
+            <a:schemeClr val="accent1"/>
+          </a:effectRef>
+          <a:fontRef idx="minor">
+            <a:schemeClr val="lt1"/>
+          </a:fontRef>
+        </p:style>
+        <p:txBody>
+          <a:bodyPr rtlCol="0" anchor="ctr"/>
+          <a:lstStyle/>
+          <a:p>
+            <a:pPr algn="ctr"/>
+            <a:endParaRPr lang="fr-FR"/>
+          </a:p>
+        </p:txBody>
+      </p:sp>
+      <p:sp>
+        <p:nvSpPr>
+          <p:cNvPr id="3" name="ZoneTexte 2">
+            <a:extLst>
+              <a:ext uri="{FF2B5EF4-FFF2-40B4-BE49-F238E27FC236}">
+                <a16:creationId xmlns:a16="http://schemas.microsoft.com/office/drawing/2014/main" id="{5290FF91-4694-2829-9C05-25AD9097120D}"/>
+              </a:ext>
+            </a:extLst>
+          </p:cNvPr>
+          <p:cNvSpPr txBox="1"/>
+          <p:nvPr/>
+        </p:nvSpPr>
+        <p:spPr>
+          <a:xfrm>
+            <a:off x="3016249" y="598738"/>
+            <a:ext cx="946786" cy="415498"/>
+          </a:xfrm>
+          <a:prstGeom prst="rect">
+            <a:avLst/>
+          </a:prstGeom>
+          <a:noFill/>
+        </p:spPr>
+        <p:txBody>
+          <a:bodyPr wrap="square" rtlCol="0">
+            <a:spAutoFit/>
+          </a:bodyPr>
+          <a:lstStyle/>
+          <a:p>
+            <a:pPr algn="r"/>
+            <a:r>
+              <a:rPr lang="fr-FR" sz="1050" dirty="0">
+                <a:latin typeface="Century Gothic" panose="020B0502020202020204" pitchFamily="34" charset="0"/>
+              </a:rPr>
+              <a:t>Mars 2015 – </a:t>
+            </a:r>
+            <a:r>
+              <a:rPr lang="fr-FR" sz="1050" dirty="0" err="1">
+                <a:latin typeface="Century Gothic" panose="020B0502020202020204" pitchFamily="34" charset="0"/>
+              </a:rPr>
+              <a:t>Nov</a:t>
+            </a:r>
+            <a:r>
+              <a:rPr lang="fr-FR" sz="1050" dirty="0">
+                <a:latin typeface="Century Gothic" panose="020B0502020202020204" pitchFamily="34" charset="0"/>
+              </a:rPr>
+              <a:t> 2019</a:t>
+            </a:r>
+          </a:p>
+        </p:txBody>
+      </p:sp>
+      <p:sp>
+        <p:nvSpPr>
+          <p:cNvPr id="6" name="ZoneTexte 5">
+            <a:extLst>
+              <a:ext uri="{FF2B5EF4-FFF2-40B4-BE49-F238E27FC236}">
+                <a16:creationId xmlns:a16="http://schemas.microsoft.com/office/drawing/2014/main" id="{7C6BC0D1-5866-CFA8-8A0E-374EAA8169DB}"/>
+              </a:ext>
+            </a:extLst>
+          </p:cNvPr>
+          <p:cNvSpPr txBox="1"/>
+          <p:nvPr/>
+        </p:nvSpPr>
+        <p:spPr>
+          <a:xfrm>
+            <a:off x="4135119" y="611303"/>
+            <a:ext cx="2971800" cy="276999"/>
+          </a:xfrm>
+          <a:prstGeom prst="rect">
+            <a:avLst/>
+          </a:prstGeom>
+          <a:noFill/>
+        </p:spPr>
+        <p:txBody>
+          <a:bodyPr wrap="square" rtlCol="0">
+            <a:spAutoFit/>
+          </a:bodyPr>
+          <a:lstStyle/>
+          <a:p>
+            <a:r>
+              <a:rPr lang="fr-FR" sz="1200" dirty="0">
+                <a:latin typeface="Bahnschrift SemiBold" panose="020B0502040204020203" pitchFamily="34" charset="0"/>
+              </a:rPr>
+              <a:t>Responsable Applications Métier</a:t>
+            </a:r>
+          </a:p>
+        </p:txBody>
+      </p:sp>
+      <p:sp>
+        <p:nvSpPr>
+          <p:cNvPr id="7" name="ZoneTexte 6">
+            <a:extLst>
+              <a:ext uri="{FF2B5EF4-FFF2-40B4-BE49-F238E27FC236}">
+                <a16:creationId xmlns:a16="http://schemas.microsoft.com/office/drawing/2014/main" id="{1FB9A262-9391-9CE5-FED7-3C0D8617859C}"/>
+              </a:ext>
+            </a:extLst>
+          </p:cNvPr>
+          <p:cNvSpPr txBox="1"/>
+          <p:nvPr/>
+        </p:nvSpPr>
+        <p:spPr>
+          <a:xfrm>
+            <a:off x="4159248" y="796979"/>
+            <a:ext cx="3200401" cy="461665"/>
+          </a:xfrm>
+          <a:prstGeom prst="rect">
+            <a:avLst/>
+          </a:prstGeom>
+          <a:noFill/>
+        </p:spPr>
+        <p:txBody>
+          <a:bodyPr wrap="square" rtlCol="0">
+            <a:spAutoFit/>
+          </a:bodyPr>
+          <a:lstStyle/>
+          <a:p>
+            <a:r>
+              <a:rPr lang="fr-FR" sz="1200" dirty="0">
+                <a:latin typeface="Arial Black" panose="020B0A04020102020204" pitchFamily="34" charset="0"/>
+              </a:rPr>
+              <a:t>Logistique Pétrolière S.A</a:t>
+            </a:r>
+            <a:r>
+              <a:rPr lang="fr-FR" sz="1200" dirty="0">
+                <a:latin typeface="Bahnschrift SemiBold" panose="020B0502040204020203" pitchFamily="34" charset="0"/>
+              </a:rPr>
+              <a:t> </a:t>
+            </a:r>
+            <a:r>
+              <a:rPr lang="fr-FR" sz="1200" dirty="0"/>
+              <a:t> </a:t>
+            </a:r>
+            <a:r>
+              <a:rPr lang="fr-FR" sz="1200" b="1" dirty="0"/>
+              <a:t>Antananarivo, MADAGASCAR</a:t>
+            </a:r>
+          </a:p>
+        </p:txBody>
+      </p:sp>
+      <p:sp>
+        <p:nvSpPr>
+          <p:cNvPr id="8" name="ZoneTexte 7">
+            <a:extLst>
+              <a:ext uri="{FF2B5EF4-FFF2-40B4-BE49-F238E27FC236}">
+                <a16:creationId xmlns:a16="http://schemas.microsoft.com/office/drawing/2014/main" id="{0CC4CDA9-B9A7-8158-ACC0-D800177121C7}"/>
+              </a:ext>
+            </a:extLst>
+          </p:cNvPr>
+          <p:cNvSpPr txBox="1"/>
+          <p:nvPr/>
+        </p:nvSpPr>
+        <p:spPr>
+          <a:xfrm>
+            <a:off x="4141470" y="1003300"/>
+            <a:ext cx="3294380" cy="2754600"/>
+          </a:xfrm>
+          <a:prstGeom prst="rect">
+            <a:avLst/>
+          </a:prstGeom>
+          <a:noFill/>
+        </p:spPr>
+        <p:txBody>
+          <a:bodyPr wrap="square" rtlCol="0">
+            <a:spAutoFit/>
+          </a:bodyPr>
+          <a:lstStyle/>
+          <a:p>
             <a:endParaRPr lang="fr-FR" sz="1200" dirty="0">
               <a:latin typeface="Calibri Light" panose="020F0302020204030204" pitchFamily="34" charset="0"/>
               <a:cs typeface="Calibri Light" panose="020F0302020204030204" pitchFamily="34" charset="0"/>
             </a:endParaRPr>
           </a:p>
-        </p:txBody>
-      </p:sp>
-      <p:sp>
-        <p:nvSpPr>
-          <p:cNvPr id="103" name="ZoneTexte 102"/>
+          <a:p>
+            <a:r>
+              <a:rPr lang="fr-FR" sz="1200" dirty="0">
+                <a:latin typeface="Calibri Light" panose="020F0302020204030204" pitchFamily="34" charset="0"/>
+                <a:cs typeface="Calibri Light" panose="020F0302020204030204" pitchFamily="34" charset="0"/>
+              </a:rPr>
+              <a:t>Responsable de tout le parc applicatif de l’entreprise et backup du IT Manager. </a:t>
+            </a:r>
+          </a:p>
+          <a:p>
+            <a:pPr marL="171450" indent="-171450">
+              <a:buFont typeface="Arial" panose="020B0604020202020204" pitchFamily="34" charset="0"/>
+              <a:buChar char="•"/>
+            </a:pPr>
+            <a:r>
+              <a:rPr lang="fr-FR" sz="1200" dirty="0">
+                <a:latin typeface="Calibri Light" panose="020F0302020204030204" pitchFamily="34" charset="0"/>
+                <a:cs typeface="Calibri Light" panose="020F0302020204030204" pitchFamily="34" charset="0"/>
+              </a:rPr>
+              <a:t>Coordination des échanges entre les acteurs internes et les prestataires externes</a:t>
+            </a:r>
+          </a:p>
+          <a:p>
+            <a:pPr marL="171450" indent="-171450">
+              <a:buFont typeface="Arial" panose="020B0604020202020204" pitchFamily="34" charset="0"/>
+              <a:buChar char="•"/>
+            </a:pPr>
+            <a:r>
+              <a:rPr lang="fr-FR" sz="1200" dirty="0">
+                <a:latin typeface="Calibri Light" panose="020F0302020204030204" pitchFamily="34" charset="0"/>
+                <a:cs typeface="Calibri Light" panose="020F0302020204030204" pitchFamily="34" charset="0"/>
+              </a:rPr>
+              <a:t>Prend en charge certains sujets techniques d’évolutions et de traitements d’incidents</a:t>
+            </a:r>
+          </a:p>
+          <a:p>
+            <a:pPr marL="171450" indent="-171450">
+              <a:buFont typeface="Arial" panose="020B0604020202020204" pitchFamily="34" charset="0"/>
+              <a:buChar char="•"/>
+            </a:pPr>
+            <a:r>
+              <a:rPr lang="fr-FR" sz="1200" dirty="0">
+                <a:latin typeface="Calibri Light" panose="020F0302020204030204" pitchFamily="34" charset="0"/>
+                <a:cs typeface="Calibri Light" panose="020F0302020204030204" pitchFamily="34" charset="0"/>
+              </a:rPr>
+              <a:t>Organisation et exécution des gestes d’exploitations (Patch, PRA ..etc..)</a:t>
+            </a:r>
+          </a:p>
+          <a:p>
+            <a:pPr marL="171450" indent="-171450">
+              <a:buFont typeface="Arial" panose="020B0604020202020204" pitchFamily="34" charset="0"/>
+              <a:buChar char="•"/>
+            </a:pPr>
+            <a:r>
+              <a:rPr lang="fr-FR" sz="1200" dirty="0">
+                <a:latin typeface="Calibri Light" panose="020F0302020204030204" pitchFamily="34" charset="0"/>
+                <a:cs typeface="Calibri Light" panose="020F0302020204030204" pitchFamily="34" charset="0"/>
+              </a:rPr>
+              <a:t>Garant de la sécurité applicative (</a:t>
+            </a:r>
+            <a:r>
+              <a:rPr lang="fr-FR" sz="1200" dirty="0" err="1">
+                <a:latin typeface="Calibri Light" panose="020F0302020204030204" pitchFamily="34" charset="0"/>
+                <a:cs typeface="Calibri Light" panose="020F0302020204030204" pitchFamily="34" charset="0"/>
+              </a:rPr>
+              <a:t>SoD</a:t>
+            </a:r>
+            <a:r>
+              <a:rPr lang="fr-FR" sz="1200" dirty="0">
+                <a:latin typeface="Calibri Light" panose="020F0302020204030204" pitchFamily="34" charset="0"/>
+                <a:cs typeface="Calibri Light" panose="020F0302020204030204" pitchFamily="34" charset="0"/>
+              </a:rPr>
+              <a:t> Matrix)</a:t>
+            </a:r>
+          </a:p>
+          <a:p>
+            <a:pPr marL="171450" indent="-171450">
+              <a:buFont typeface="Arial" panose="020B0604020202020204" pitchFamily="34" charset="0"/>
+              <a:buChar char="•"/>
+            </a:pPr>
+            <a:r>
+              <a:rPr lang="fr-FR" sz="1200" dirty="0">
+                <a:latin typeface="Calibri Light" panose="020F0302020204030204" pitchFamily="34" charset="0"/>
+                <a:cs typeface="Calibri Light" panose="020F0302020204030204" pitchFamily="34" charset="0"/>
+              </a:rPr>
+              <a:t>Prévision des CAPEX et OPEX des applications</a:t>
+            </a:r>
+          </a:p>
+          <a:p>
+            <a:endParaRPr lang="fr-FR" sz="500" dirty="0">
+              <a:latin typeface="Calibri Light" panose="020F0302020204030204" pitchFamily="34" charset="0"/>
+              <a:cs typeface="Calibri Light" panose="020F0302020204030204" pitchFamily="34" charset="0"/>
+            </a:endParaRPr>
+          </a:p>
+          <a:p>
+            <a:r>
+              <a:rPr lang="fr-FR" sz="1200" dirty="0">
+                <a:latin typeface="Berlin Sans FB Demi" panose="020E0802020502020306" pitchFamily="34" charset="0"/>
+                <a:cs typeface="Calibri Light" panose="020F0302020204030204" pitchFamily="34" charset="0"/>
+              </a:rPr>
+              <a:t>Techno et Outils : </a:t>
+            </a:r>
+            <a:r>
+              <a:rPr lang="fr-FR" sz="1200" dirty="0">
+                <a:latin typeface="Calibri Light" panose="020F0302020204030204" pitchFamily="34" charset="0"/>
+                <a:cs typeface="Calibri Light" panose="020F0302020204030204" pitchFamily="34" charset="0"/>
+              </a:rPr>
+              <a:t>Debian, Windows Server, VMWare ESX, Oracle JD Edwards, </a:t>
+            </a:r>
+            <a:r>
+              <a:rPr lang="fr-FR" sz="1200" dirty="0" err="1">
+                <a:latin typeface="Calibri Light" panose="020F0302020204030204" pitchFamily="34" charset="0"/>
+                <a:cs typeface="Calibri Light" panose="020F0302020204030204" pitchFamily="34" charset="0"/>
+              </a:rPr>
+              <a:t>Weblogic</a:t>
+            </a:r>
+            <a:r>
+              <a:rPr lang="fr-FR" sz="1200" dirty="0">
+                <a:latin typeface="Calibri Light" panose="020F0302020204030204" pitchFamily="34" charset="0"/>
+                <a:cs typeface="Calibri Light" panose="020F0302020204030204" pitchFamily="34" charset="0"/>
+              </a:rPr>
+              <a:t>, Java EE, </a:t>
+            </a:r>
+            <a:r>
+              <a:rPr lang="fr-FR" sz="1200" dirty="0" err="1">
+                <a:latin typeface="Calibri Light" panose="020F0302020204030204" pitchFamily="34" charset="0"/>
+                <a:cs typeface="Calibri Light" panose="020F0302020204030204" pitchFamily="34" charset="0"/>
+              </a:rPr>
+              <a:t>Junit</a:t>
+            </a:r>
+            <a:r>
+              <a:rPr lang="fr-FR" sz="1200" dirty="0">
+                <a:latin typeface="Calibri Light" panose="020F0302020204030204" pitchFamily="34" charset="0"/>
+                <a:cs typeface="Calibri Light" panose="020F0302020204030204" pitchFamily="34" charset="0"/>
+              </a:rPr>
+              <a:t>, </a:t>
+            </a:r>
+            <a:r>
+              <a:rPr lang="fr-FR" sz="1200" dirty="0" err="1">
+                <a:latin typeface="Calibri Light" panose="020F0302020204030204" pitchFamily="34" charset="0"/>
+                <a:cs typeface="Calibri Light" panose="020F0302020204030204" pitchFamily="34" charset="0"/>
+              </a:rPr>
+              <a:t>Jmeter</a:t>
+            </a:r>
+            <a:r>
+              <a:rPr lang="fr-FR" sz="1200" dirty="0">
+                <a:latin typeface="Calibri Light" panose="020F0302020204030204" pitchFamily="34" charset="0"/>
+                <a:cs typeface="Calibri Light" panose="020F0302020204030204" pitchFamily="34" charset="0"/>
+              </a:rPr>
+              <a:t>, </a:t>
+            </a:r>
+            <a:r>
+              <a:rPr lang="fr-FR" sz="1200" dirty="0" err="1">
+                <a:latin typeface="Calibri Light" panose="020F0302020204030204" pitchFamily="34" charset="0"/>
+                <a:cs typeface="Calibri Light" panose="020F0302020204030204" pitchFamily="34" charset="0"/>
+              </a:rPr>
+              <a:t>Solarwinds</a:t>
+            </a:r>
+            <a:r>
+              <a:rPr lang="fr-FR" sz="1200" dirty="0">
+                <a:latin typeface="Calibri Light" panose="020F0302020204030204" pitchFamily="34" charset="0"/>
+                <a:cs typeface="Calibri Light" panose="020F0302020204030204" pitchFamily="34" charset="0"/>
+              </a:rPr>
+              <a:t>, Oracle DB, MySQL</a:t>
+            </a:r>
+          </a:p>
+        </p:txBody>
+      </p:sp>
+      <p:sp>
+        <p:nvSpPr>
+          <p:cNvPr id="9" name="ZoneTexte 8">
+            <a:extLst>
+              <a:ext uri="{FF2B5EF4-FFF2-40B4-BE49-F238E27FC236}">
+                <a16:creationId xmlns:a16="http://schemas.microsoft.com/office/drawing/2014/main" id="{8EBD3F49-958A-95C3-37F9-A2C06A81B913}"/>
+              </a:ext>
+            </a:extLst>
+          </p:cNvPr>
           <p:cNvSpPr txBox="1"/>
           <p:nvPr/>
         </p:nvSpPr>
         <p:spPr>
           <a:xfrm>
-            <a:off x="425450" y="1917700"/>
-            <a:ext cx="2180971" cy="1200329"/>
+            <a:off x="2635250" y="985679"/>
+            <a:ext cx="1452097" cy="246221"/>
           </a:xfrm>
           <a:prstGeom prst="rect">
             <a:avLst/>
@@ -9676,86 +9311,13 @@
           </a:bodyPr>
           <a:lstStyle/>
           <a:p>
-            <a:pPr marL="171450" indent="-171450">
-              <a:buFont typeface="Arial" panose="020B0604020202020204" pitchFamily="34" charset="0"/>
-              <a:buChar char="•"/>
-            </a:pPr>
-            <a:r>
-              <a:rPr lang="fr-FR" sz="1200" dirty="0" smtClean="0">
-                <a:latin typeface="Calibri Light" panose="020F0302020204030204" pitchFamily="34" charset="0"/>
-                <a:cs typeface="Calibri Light" panose="020F0302020204030204" pitchFamily="34" charset="0"/>
-              </a:rPr>
-              <a:t>Attentif, à l’écoute</a:t>
-            </a:r>
-          </a:p>
-          <a:p>
-            <a:pPr marL="171450" indent="-171450">
-              <a:buFont typeface="Arial" panose="020B0604020202020204" pitchFamily="34" charset="0"/>
-              <a:buChar char="•"/>
-            </a:pPr>
-            <a:r>
-              <a:rPr lang="fr-FR" sz="1200" dirty="0" smtClean="0">
-                <a:latin typeface="Calibri Light" panose="020F0302020204030204" pitchFamily="34" charset="0"/>
-                <a:cs typeface="Calibri Light" panose="020F0302020204030204" pitchFamily="34" charset="0"/>
-              </a:rPr>
-              <a:t>Capacité d’adaptation</a:t>
-            </a:r>
-          </a:p>
-          <a:p>
-            <a:pPr marL="171450" indent="-171450">
-              <a:buFont typeface="Arial" panose="020B0604020202020204" pitchFamily="34" charset="0"/>
-              <a:buChar char="•"/>
-            </a:pPr>
-            <a:r>
-              <a:rPr lang="fr-FR" sz="1200" dirty="0" smtClean="0">
-                <a:latin typeface="Calibri Light" panose="020F0302020204030204" pitchFamily="34" charset="0"/>
-                <a:cs typeface="Calibri Light" panose="020F0302020204030204" pitchFamily="34" charset="0"/>
-              </a:rPr>
-              <a:t>Coopératif</a:t>
-            </a:r>
-          </a:p>
-          <a:p>
-            <a:pPr marL="171450" indent="-171450">
-              <a:buFont typeface="Arial" panose="020B0604020202020204" pitchFamily="34" charset="0"/>
-              <a:buChar char="•"/>
-            </a:pPr>
-            <a:r>
-              <a:rPr lang="fr-FR" sz="1200" dirty="0" smtClean="0">
-                <a:latin typeface="Calibri Light" panose="020F0302020204030204" pitchFamily="34" charset="0"/>
-                <a:cs typeface="Calibri Light" panose="020F0302020204030204" pitchFamily="34" charset="0"/>
-              </a:rPr>
-              <a:t>Rigoureux</a:t>
-            </a:r>
-          </a:p>
-          <a:p>
-            <a:pPr marL="171450" indent="-171450">
-              <a:buFont typeface="Arial" panose="020B0604020202020204" pitchFamily="34" charset="0"/>
-              <a:buChar char="•"/>
-            </a:pPr>
-            <a:r>
-              <a:rPr lang="fr-FR" sz="1200" dirty="0" smtClean="0">
-                <a:latin typeface="Calibri Light" panose="020F0302020204030204" pitchFamily="34" charset="0"/>
-                <a:cs typeface="Calibri Light" panose="020F0302020204030204" pitchFamily="34" charset="0"/>
-              </a:rPr>
-              <a:t>Proactif</a:t>
-            </a:r>
-          </a:p>
-          <a:p>
-            <a:pPr marL="171450" indent="-171450">
-              <a:buFont typeface="Arial" panose="020B0604020202020204" pitchFamily="34" charset="0"/>
-              <a:buChar char="•"/>
-            </a:pPr>
-            <a:r>
-              <a:rPr lang="fr-FR" sz="1200" dirty="0" smtClean="0">
-                <a:latin typeface="Calibri Light" panose="020F0302020204030204" pitchFamily="34" charset="0"/>
-                <a:cs typeface="Calibri Light" panose="020F0302020204030204" pitchFamily="34" charset="0"/>
-              </a:rPr>
-              <a:t>Ponctuel</a:t>
-            </a:r>
-            <a:endParaRPr lang="fr-FR" sz="1200" dirty="0">
-              <a:latin typeface="Calibri Light" panose="020F0302020204030204" pitchFamily="34" charset="0"/>
-              <a:cs typeface="Calibri Light" panose="020F0302020204030204" pitchFamily="34" charset="0"/>
-            </a:endParaRPr>
+            <a:pPr algn="r"/>
+            <a:r>
+              <a:rPr lang="fr-FR" sz="1000" b="1" i="1" dirty="0">
+                <a:latin typeface="Century Gothic" panose="020B0502020202020204" pitchFamily="34" charset="0"/>
+              </a:rPr>
+              <a:t>(4 ans et 8 mois)</a:t>
+            </a:r>
           </a:p>
         </p:txBody>
       </p:sp>
@@ -9769,13 +9331,6 @@
   <p:clrMapOvr>
     <a:masterClrMapping/>
   </p:clrMapOvr>
-  <p:timing>
-    <p:tnLst>
-      <p:par>
-        <p:cTn id="1" dur="indefinite" restart="never" nodeType="tmRoot"/>
-      </p:par>
-    </p:tnLst>
-  </p:timing>
 </p:sld>
 </file>
 
